--- a/Target description.pptx
+++ b/Target description.pptx
@@ -104,6 +104,11 @@
       </a:defRPr>
     </a:lvl9pPr>
   </p:defaultTextStyle>
+  <p:extLst>
+    <p:ext uri="{EFAFB233-063F-42B5-8137-9DF3F51BA10A}">
+      <p15:sldGuideLst xmlns:p15="http://schemas.microsoft.com/office/powerpoint/2012/main"/>
+    </p:ext>
+  </p:extLst>
 </p:presentation>
 </file>
 
@@ -877,8 +882,13 @@
         <a:p>
           <a:r>
             <a:rPr lang="en-US" dirty="0"/>
-            <a:t>1446 TC started</a:t>
+            <a:t>1446 bio-naïve RA patients started </a:t>
           </a:r>
+          <a:r>
+            <a:rPr lang="en-US" dirty="0" err="1"/>
+            <a:t>TNFi</a:t>
+          </a:r>
+          <a:endParaRPr lang="en-US" dirty="0"/>
         </a:p>
       </dgm:t>
     </dgm:pt>
@@ -913,7 +923,7 @@
         <a:p>
           <a:r>
             <a:rPr lang="en-US" dirty="0"/>
-            <a:t>896 = Das28CRPrem</a:t>
+            <a:t>896 had available DAS28 CRP at three months</a:t>
           </a:r>
         </a:p>
       </dgm:t>
@@ -949,7 +959,7 @@
         <a:p>
           <a:r>
             <a:rPr lang="en-US" dirty="0"/>
-            <a:t>3 = Das28ESRrem</a:t>
+            <a:t>3 had available DAS28 ESR at three months</a:t>
           </a:r>
         </a:p>
       </dgm:t>
@@ -985,7 +995,7 @@
         <a:p>
           <a:r>
             <a:rPr lang="en-US" dirty="0"/>
-            <a:t>550 NA Das28CRPrem</a:t>
+            <a:t>550 had missing DAS28 CRP at three months</a:t>
           </a:r>
         </a:p>
       </dgm:t>
@@ -1021,7 +1031,7 @@
         <a:p>
           <a:r>
             <a:rPr lang="en-US" dirty="0"/>
-            <a:t>547 NA Das28ESRrem</a:t>
+            <a:t>547 had missing DAS28 ESR at three months</a:t>
           </a:r>
         </a:p>
       </dgm:t>
@@ -1057,13 +1067,8 @@
         <a:p>
           <a:r>
             <a:rPr lang="en-US" dirty="0"/>
-            <a:t>28 = </a:t>
+            <a:t>28 had available CDAI at three months</a:t>
           </a:r>
-          <a:r>
-            <a:rPr lang="en-US" dirty="0" err="1"/>
-            <a:t>Cdairem</a:t>
-          </a:r>
-          <a:endParaRPr lang="en-US" dirty="0"/>
         </a:p>
       </dgm:t>
     </dgm:pt>
@@ -1098,13 +1103,8 @@
         <a:p>
           <a:r>
             <a:rPr lang="en-US" dirty="0"/>
-            <a:t>519 NA </a:t>
+            <a:t>519 had missing CDAI at three months</a:t>
           </a:r>
-          <a:r>
-            <a:rPr lang="en-US" dirty="0" err="1"/>
-            <a:t>Cdairem</a:t>
-          </a:r>
-          <a:endParaRPr lang="en-US" dirty="0"/>
         </a:p>
       </dgm:t>
     </dgm:pt>
@@ -1130,7 +1130,7 @@
         </a:p>
       </dgm:t>
     </dgm:pt>
-    <dgm:pt modelId="{83D13B1F-BFBB-4CC8-A774-8023BEAEA0FF}">
+    <dgm:pt modelId="{AE2BE0BD-779C-409F-9E8D-6F0EF03D1552}">
       <dgm:prSet phldrT="[Text]"/>
       <dgm:spPr/>
       <dgm:t>
@@ -1139,17 +1139,12 @@
         <a:p>
           <a:r>
             <a:rPr lang="en-US" dirty="0"/>
-            <a:t>12 = </a:t>
+            <a:t>156 terminated treatment within a year due to adverse events or lack of efficacy</a:t>
           </a:r>
-          <a:r>
-            <a:rPr lang="en-US" dirty="0" err="1"/>
-            <a:t>asdasrem</a:t>
-          </a:r>
-          <a:endParaRPr lang="en-US" dirty="0"/>
         </a:p>
       </dgm:t>
     </dgm:pt>
-    <dgm:pt modelId="{15E94598-FA02-46CB-A8E2-A7D46CFB4AC7}" type="parTrans" cxnId="{E7A4B57E-0AE6-453B-8456-EC21579F40A4}">
+    <dgm:pt modelId="{AA468213-CE97-4CEC-8CE7-C904923C4679}" type="parTrans" cxnId="{27C24BEF-FCE6-4A6A-814F-BE87BDEDCD81}">
       <dgm:prSet/>
       <dgm:spPr/>
       <dgm:t>
@@ -1160,7 +1155,7 @@
         </a:p>
       </dgm:t>
     </dgm:pt>
-    <dgm:pt modelId="{8B060C76-33BB-408A-BC19-443A10EC46B2}" type="sibTrans" cxnId="{E7A4B57E-0AE6-453B-8456-EC21579F40A4}">
+    <dgm:pt modelId="{2AC00FAF-D7DE-401E-A356-7983C53FDCEC}" type="sibTrans" cxnId="{27C24BEF-FCE6-4A6A-814F-BE87BDEDCD81}">
       <dgm:prSet/>
       <dgm:spPr/>
       <dgm:t>
@@ -1171,7 +1166,7 @@
         </a:p>
       </dgm:t>
     </dgm:pt>
-    <dgm:pt modelId="{C4A20B65-2108-4C99-A733-38A767A0E02F}">
+    <dgm:pt modelId="{1F3B55E4-34E6-452B-A71A-B803BEBB9222}">
       <dgm:prSet phldrT="[Text]"/>
       <dgm:spPr/>
       <dgm:t>
@@ -1180,17 +1175,12 @@
         <a:p>
           <a:r>
             <a:rPr lang="en-US" dirty="0"/>
-            <a:t>507 NA </a:t>
+            <a:t>Imputed as non-remission</a:t>
           </a:r>
-          <a:r>
-            <a:rPr lang="en-US" dirty="0" err="1"/>
-            <a:t>asdas</a:t>
-          </a:r>
-          <a:endParaRPr lang="en-US" dirty="0"/>
         </a:p>
       </dgm:t>
     </dgm:pt>
-    <dgm:pt modelId="{511C9332-C293-417E-997C-7A309DE92140}" type="parTrans" cxnId="{F03C17A6-8E15-4252-B7E9-416B7867DA39}">
+    <dgm:pt modelId="{034D6A4C-47F6-40CA-97F7-2C6098FD312E}" type="parTrans" cxnId="{B739803C-67AA-4F62-BBA7-52C3ECFDBC4B}">
       <dgm:prSet/>
       <dgm:spPr/>
       <dgm:t>
@@ -1201,7 +1191,7 @@
         </a:p>
       </dgm:t>
     </dgm:pt>
-    <dgm:pt modelId="{B01D4C06-C895-491C-BA08-9AC95F5D7898}" type="sibTrans" cxnId="{F03C17A6-8E15-4252-B7E9-416B7867DA39}">
+    <dgm:pt modelId="{049E826A-B7E6-4E88-9339-9572D659BDA6}" type="sibTrans" cxnId="{B739803C-67AA-4F62-BBA7-52C3ECFDBC4B}">
       <dgm:prSet/>
       <dgm:spPr/>
       <dgm:t>
@@ -1212,7 +1202,7 @@
         </a:p>
       </dgm:t>
     </dgm:pt>
-    <dgm:pt modelId="{AE2BE0BD-779C-409F-9E8D-6F0EF03D1552}">
+    <dgm:pt modelId="{8EF29512-05DB-4BA1-B142-E93751EF124A}">
       <dgm:prSet phldrT="[Text]"/>
       <dgm:spPr/>
       <dgm:t>
@@ -1221,28 +1211,12 @@
         <a:p>
           <a:r>
             <a:rPr lang="en-US" dirty="0"/>
-            <a:t>149 = </a:t>
-          </a:r>
-          <a:r>
-            <a:rPr lang="en-US" dirty="0" err="1"/>
-            <a:t>Wdr</a:t>
-          </a:r>
-          <a:r>
-            <a:rPr lang="en-US" dirty="0"/>
-            <a:t> within 1y </a:t>
-          </a:r>
-          <a:r>
-            <a:rPr lang="en-US" dirty="0" err="1"/>
-            <a:t>bc</a:t>
-          </a:r>
-          <a:r>
-            <a:rPr lang="en-US" dirty="0"/>
-            <a:t> AE or efficacy</a:t>
+            <a:t>Remission derived from DAS28 CRP</a:t>
           </a:r>
         </a:p>
       </dgm:t>
     </dgm:pt>
-    <dgm:pt modelId="{AA468213-CE97-4CEC-8CE7-C904923C4679}" type="parTrans" cxnId="{27C24BEF-FCE6-4A6A-814F-BE87BDEDCD81}">
+    <dgm:pt modelId="{80ED105D-996C-42CA-BDAD-067244A46B17}" type="parTrans" cxnId="{6E161AAC-39E1-4A7D-83EB-85881E6E88E0}">
       <dgm:prSet/>
       <dgm:spPr/>
       <dgm:t>
@@ -1253,7 +1227,7 @@
         </a:p>
       </dgm:t>
     </dgm:pt>
-    <dgm:pt modelId="{2AC00FAF-D7DE-401E-A356-7983C53FDCEC}" type="sibTrans" cxnId="{27C24BEF-FCE6-4A6A-814F-BE87BDEDCD81}">
+    <dgm:pt modelId="{21376D05-1DC9-42F5-BD7A-38F79311E051}" type="sibTrans" cxnId="{6E161AAC-39E1-4A7D-83EB-85881E6E88E0}">
       <dgm:prSet/>
       <dgm:spPr/>
       <dgm:t>
@@ -1264,7 +1238,7 @@
         </a:p>
       </dgm:t>
     </dgm:pt>
-    <dgm:pt modelId="{1F3B55E4-34E6-452B-A71A-B803BEBB9222}">
+    <dgm:pt modelId="{D1FAA56F-62CD-4784-B931-B87626A0EC0B}">
       <dgm:prSet phldrT="[Text]"/>
       <dgm:spPr/>
       <dgm:t>
@@ -1273,12 +1247,12 @@
         <a:p>
           <a:r>
             <a:rPr lang="en-US" dirty="0"/>
-            <a:t>358 NA</a:t>
+            <a:t>Remission derived from DAS28 ESR</a:t>
           </a:r>
         </a:p>
       </dgm:t>
     </dgm:pt>
-    <dgm:pt modelId="{034D6A4C-47F6-40CA-97F7-2C6098FD312E}" type="parTrans" cxnId="{B739803C-67AA-4F62-BBA7-52C3ECFDBC4B}">
+    <dgm:pt modelId="{EA47F3EA-983C-46CE-B1F3-B64CCF04173C}" type="parTrans" cxnId="{D39E49D4-5B6D-4C15-8470-F494D7179B00}">
       <dgm:prSet/>
       <dgm:spPr/>
       <dgm:t>
@@ -1289,7 +1263,7 @@
         </a:p>
       </dgm:t>
     </dgm:pt>
-    <dgm:pt modelId="{049E826A-B7E6-4E88-9339-9572D659BDA6}" type="sibTrans" cxnId="{B739803C-67AA-4F62-BBA7-52C3ECFDBC4B}">
+    <dgm:pt modelId="{F41DD25B-6FD0-473D-AD18-FA026B9ADD10}" type="sibTrans" cxnId="{D39E49D4-5B6D-4C15-8470-F494D7179B00}">
       <dgm:prSet/>
       <dgm:spPr/>
       <dgm:t>
@@ -1300,7 +1274,7 @@
         </a:p>
       </dgm:t>
     </dgm:pt>
-    <dgm:pt modelId="{99C6560C-569D-400E-849E-EA35AD4EFE5D}">
+    <dgm:pt modelId="{43D02BDE-2A01-4317-9787-5B2913F217FA}">
       <dgm:prSet phldrT="[Text]"/>
       <dgm:spPr/>
       <dgm:t>
@@ -1309,12 +1283,12 @@
         <a:p>
           <a:r>
             <a:rPr lang="en-US" dirty="0"/>
-            <a:t>304 No V2</a:t>
+            <a:t>Remission derived from CDAI</a:t>
           </a:r>
         </a:p>
       </dgm:t>
     </dgm:pt>
-    <dgm:pt modelId="{267CFB1A-B908-4CA5-BC8B-51D73A5F41F7}" type="parTrans" cxnId="{9E3E44E7-8BBE-480C-9D5A-C615B44E0D06}">
+    <dgm:pt modelId="{78B2F0B2-6D20-4432-BDDA-DEB06463CB75}" type="parTrans" cxnId="{D9CE99CB-DF08-4810-BA89-1EBB094D0AAE}">
       <dgm:prSet/>
       <dgm:spPr/>
       <dgm:t>
@@ -1325,7 +1299,7 @@
         </a:p>
       </dgm:t>
     </dgm:pt>
-    <dgm:pt modelId="{B2119BEA-890A-4631-9A7E-AECBB0FC7F2C}" type="sibTrans" cxnId="{9E3E44E7-8BBE-480C-9D5A-C615B44E0D06}">
+    <dgm:pt modelId="{57BD8A52-76C8-4717-9614-B8EA82B5C712}" type="sibTrans" cxnId="{D9CE99CB-DF08-4810-BA89-1EBB094D0AAE}">
       <dgm:prSet/>
       <dgm:spPr/>
       <dgm:t>
@@ -1336,7 +1310,7 @@
         </a:p>
       </dgm:t>
     </dgm:pt>
-    <dgm:pt modelId="{71D6D0A1-81C5-45D3-8FBC-300F1F4CEA01}">
+    <dgm:pt modelId="{4172D4BE-4053-418D-BCC2-7D5B4EE98602}">
       <dgm:prSet phldrT="[Text]"/>
       <dgm:spPr/>
       <dgm:t>
@@ -1345,12 +1319,12 @@
         <a:p>
           <a:r>
             <a:rPr lang="en-US" dirty="0"/>
-            <a:t>MICE</a:t>
+            <a:t>260 terminated treatment within a year for other reasons</a:t>
           </a:r>
         </a:p>
       </dgm:t>
     </dgm:pt>
-    <dgm:pt modelId="{32687CC5-7F4B-43B0-842A-6A7FB3367F3E}" type="parTrans" cxnId="{3782ACD2-2170-4750-8B30-6FACDCF04C71}">
+    <dgm:pt modelId="{CA99D792-6EF7-4930-B4EC-4A7DE18C901A}" type="parTrans" cxnId="{9E0D3B28-EF0F-4778-9CB4-DED0C5052124}">
       <dgm:prSet/>
       <dgm:spPr/>
       <dgm:t>
@@ -1361,7 +1335,7 @@
         </a:p>
       </dgm:t>
     </dgm:pt>
-    <dgm:pt modelId="{BCEEA917-63B8-4DC9-96E1-DADEDE0BA24C}" type="sibTrans" cxnId="{3782ACD2-2170-4750-8B30-6FACDCF04C71}">
+    <dgm:pt modelId="{A74D2285-0965-416E-BB53-D291CB7B505D}" type="sibTrans" cxnId="{9E0D3B28-EF0F-4778-9CB4-DED0C5052124}">
       <dgm:prSet/>
       <dgm:spPr/>
       <dgm:t>
@@ -1372,7 +1346,7 @@
         </a:p>
       </dgm:t>
     </dgm:pt>
-    <dgm:pt modelId="{8B1CC276-0CA0-41F8-BC47-40C8547055F5}">
+    <dgm:pt modelId="{16B53008-776F-4666-9D42-8F9077005122}">
       <dgm:prSet phldrT="[Text]"/>
       <dgm:spPr/>
       <dgm:t>
@@ -1381,12 +1355,12 @@
         <a:p>
           <a:r>
             <a:rPr lang="en-US" dirty="0"/>
-            <a:t>54 V2</a:t>
+            <a:t>103 didn’t terminate treatment within a year</a:t>
           </a:r>
         </a:p>
       </dgm:t>
     </dgm:pt>
-    <dgm:pt modelId="{97DED03D-5498-4BBE-BCD0-D081C7DCAD80}" type="parTrans" cxnId="{B4C3DE65-113D-46BC-8F1B-E6370625C94B}">
+    <dgm:pt modelId="{D3DB27A4-B567-43AF-BF05-F253EB5173C1}" type="parTrans" cxnId="{5DE8C8B1-0082-4F6B-9045-9441EFB8EE98}">
       <dgm:prSet/>
       <dgm:spPr/>
       <dgm:t>
@@ -1397,7 +1371,7 @@
         </a:p>
       </dgm:t>
     </dgm:pt>
-    <dgm:pt modelId="{88844DA0-92AB-44C3-9D9B-ADF454BD35F1}" type="sibTrans" cxnId="{B4C3DE65-113D-46BC-8F1B-E6370625C94B}">
+    <dgm:pt modelId="{59CB4888-C81F-42F4-92FA-A731D6F2D7F4}" type="sibTrans" cxnId="{5DE8C8B1-0082-4F6B-9045-9441EFB8EE98}">
       <dgm:prSet/>
       <dgm:spPr/>
       <dgm:t>
@@ -1408,7 +1382,7 @@
         </a:p>
       </dgm:t>
     </dgm:pt>
-    <dgm:pt modelId="{FBE99ED4-9CC1-4507-8CA4-CBB46E18D97E}">
+    <dgm:pt modelId="{B6252F84-1CC7-475E-98CB-7C43F315DE7D}">
       <dgm:prSet phldrT="[Text]"/>
       <dgm:spPr/>
       <dgm:t>
@@ -1417,12 +1391,12 @@
         <a:p>
           <a:r>
             <a:rPr lang="en-US" dirty="0"/>
-            <a:t>MICE</a:t>
+            <a:t>Imputed by MICE</a:t>
           </a:r>
         </a:p>
       </dgm:t>
     </dgm:pt>
-    <dgm:pt modelId="{59641EA4-E932-4447-B4C2-19EE51621A81}" type="parTrans" cxnId="{68DC0E06-C182-418C-BED1-0B076C4CDF73}">
+    <dgm:pt modelId="{4572F3FD-DBDC-4E1F-BEDF-1CEF68E79A6E}" type="parTrans" cxnId="{F37CE4F3-B232-42B5-911C-5EBD47CA211F}">
       <dgm:prSet/>
       <dgm:spPr/>
       <dgm:t>
@@ -1433,7 +1407,7 @@
         </a:p>
       </dgm:t>
     </dgm:pt>
-    <dgm:pt modelId="{A75B47B5-B46F-4A67-9766-1ECF8B6E1956}" type="sibTrans" cxnId="{68DC0E06-C182-418C-BED1-0B076C4CDF73}">
+    <dgm:pt modelId="{C33203F1-B9E3-4CA4-8436-1074095CBB93}" type="sibTrans" cxnId="{F37CE4F3-B232-42B5-911C-5EBD47CA211F}">
       <dgm:prSet/>
       <dgm:spPr/>
       <dgm:t>
@@ -1444,7 +1418,7 @@
         </a:p>
       </dgm:t>
     </dgm:pt>
-    <dgm:pt modelId="{FD6F1BD7-834E-445C-80DF-F9BB26C3BB62}">
+    <dgm:pt modelId="{43CC749B-5B3B-4748-A730-DA77AC526422}">
       <dgm:prSet phldrT="[Text]"/>
       <dgm:spPr/>
       <dgm:t>
@@ -1453,12 +1427,12 @@
         <a:p>
           <a:r>
             <a:rPr lang="en-US" dirty="0"/>
-            <a:t>213 BL = last visit</a:t>
+            <a:t>Imputed by MICE</a:t>
           </a:r>
         </a:p>
       </dgm:t>
     </dgm:pt>
-    <dgm:pt modelId="{62288175-048B-4A00-9F17-2B975BD47233}" type="parTrans" cxnId="{4454F4E2-699B-4015-86E0-4B03FDB7BA1C}">
+    <dgm:pt modelId="{5A36C67E-DD9D-49BA-B8BE-4D254A9D99D4}" type="parTrans" cxnId="{228F343F-0423-4F39-894C-231C3AE62780}">
       <dgm:prSet/>
       <dgm:spPr/>
       <dgm:t>
@@ -1469,79 +1443,7 @@
         </a:p>
       </dgm:t>
     </dgm:pt>
-    <dgm:pt modelId="{0BD62863-2088-49B8-8680-B824B87F62AB}" type="sibTrans" cxnId="{4454F4E2-699B-4015-86E0-4B03FDB7BA1C}">
-      <dgm:prSet/>
-      <dgm:spPr/>
-      <dgm:t>
-        <a:bodyPr/>
-        <a:lstStyle/>
-        <a:p>
-          <a:endParaRPr lang="en-US"/>
-        </a:p>
-      </dgm:t>
-    </dgm:pt>
-    <dgm:pt modelId="{25E6737A-D8AD-483A-9BDA-5F64D7A26F19}">
-      <dgm:prSet phldrT="[Text]"/>
-      <dgm:spPr/>
-      <dgm:t>
-        <a:bodyPr/>
-        <a:lstStyle/>
-        <a:p>
-          <a:r>
-            <a:rPr lang="en-US" dirty="0"/>
-            <a:t>MICE</a:t>
-          </a:r>
-        </a:p>
-      </dgm:t>
-    </dgm:pt>
-    <dgm:pt modelId="{753C2444-DDAC-468C-9A71-2AFA2BCDC701}" type="parTrans" cxnId="{8AC7AA30-FE8C-44CB-BAD4-AD8794275BEF}">
-      <dgm:prSet/>
-      <dgm:spPr/>
-      <dgm:t>
-        <a:bodyPr/>
-        <a:lstStyle/>
-        <a:p>
-          <a:endParaRPr lang="en-US"/>
-        </a:p>
-      </dgm:t>
-    </dgm:pt>
-    <dgm:pt modelId="{B738C416-47E0-4352-B160-AD3013E52EAA}" type="sibTrans" cxnId="{8AC7AA30-FE8C-44CB-BAD4-AD8794275BEF}">
-      <dgm:prSet/>
-      <dgm:spPr/>
-      <dgm:t>
-        <a:bodyPr/>
-        <a:lstStyle/>
-        <a:p>
-          <a:endParaRPr lang="en-US"/>
-        </a:p>
-      </dgm:t>
-    </dgm:pt>
-    <dgm:pt modelId="{1F5586FA-4CEC-4850-9A4D-CE06CB20FB65}">
-      <dgm:prSet phldrT="[Text]"/>
-      <dgm:spPr/>
-      <dgm:t>
-        <a:bodyPr/>
-        <a:lstStyle/>
-        <a:p>
-          <a:r>
-            <a:rPr lang="en-US" dirty="0"/>
-            <a:t>91 last visit &gt; BL</a:t>
-          </a:r>
-        </a:p>
-      </dgm:t>
-    </dgm:pt>
-    <dgm:pt modelId="{64D7CF83-9CEA-42A3-89B1-B9172ECCA2D8}" type="parTrans" cxnId="{67F4DDD4-30C1-41BA-B9AD-84036E2C46E4}">
-      <dgm:prSet/>
-      <dgm:spPr/>
-      <dgm:t>
-        <a:bodyPr/>
-        <a:lstStyle/>
-        <a:p>
-          <a:endParaRPr lang="en-US"/>
-        </a:p>
-      </dgm:t>
-    </dgm:pt>
-    <dgm:pt modelId="{073AAA90-9D98-49AF-B473-677BAABE0F40}" type="sibTrans" cxnId="{67F4DDD4-30C1-41BA-B9AD-84036E2C46E4}">
+    <dgm:pt modelId="{269F1FA8-B6DE-4527-BA54-5D624B265F6F}" type="sibTrans" cxnId="{228F343F-0423-4F39-894C-231C3AE62780}">
       <dgm:prSet/>
       <dgm:spPr/>
       <dgm:t>
@@ -1578,7 +1480,7 @@
       <dgm:spPr/>
     </dgm:pt>
     <dgm:pt modelId="{84C160B6-AA5D-4A25-9DAD-BB36F653B8C0}" type="pres">
-      <dgm:prSet presAssocID="{E7A10EBF-00B4-4E9A-85EF-FFD128B2DAE0}" presName="rootText1" presStyleLbl="node0" presStyleIdx="0" presStyleCnt="1">
+      <dgm:prSet presAssocID="{E7A10EBF-00B4-4E9A-85EF-FFD128B2DAE0}" presName="rootText1" presStyleLbl="node0" presStyleIdx="0" presStyleCnt="1" custScaleX="93445" custScaleY="186890">
         <dgm:presLayoutVars>
           <dgm:chPref val="3"/>
         </dgm:presLayoutVars>
@@ -1610,7 +1512,7 @@
       <dgm:spPr/>
     </dgm:pt>
     <dgm:pt modelId="{6317E9B1-6D5A-44AF-93B9-B938173CDEBB}" type="pres">
-      <dgm:prSet presAssocID="{6ABE23C7-FA02-4B3F-8D62-E421EC0272AF}" presName="rootText" presStyleLbl="node2" presStyleIdx="0" presStyleCnt="2">
+      <dgm:prSet presAssocID="{6ABE23C7-FA02-4B3F-8D62-E421EC0272AF}" presName="rootText" presStyleLbl="node2" presStyleIdx="0" presStyleCnt="2" custScaleX="93445" custScaleY="186890">
         <dgm:presLayoutVars>
           <dgm:chPref val="3"/>
         </dgm:presLayoutVars>
@@ -1623,6 +1525,42 @@
     </dgm:pt>
     <dgm:pt modelId="{1CDB202A-9F8E-4535-A490-5AECE086DF4F}" type="pres">
       <dgm:prSet presAssocID="{6ABE23C7-FA02-4B3F-8D62-E421EC0272AF}" presName="hierChild4" presStyleCnt="0"/>
+      <dgm:spPr/>
+    </dgm:pt>
+    <dgm:pt modelId="{CF23B885-1BB5-4ED1-9525-206B9431E706}" type="pres">
+      <dgm:prSet presAssocID="{80ED105D-996C-42CA-BDAD-067244A46B17}" presName="Name37" presStyleLbl="parChTrans1D3" presStyleIdx="0" presStyleCnt="3"/>
+      <dgm:spPr/>
+    </dgm:pt>
+    <dgm:pt modelId="{34D55464-3A23-4CF6-ADA6-A1ECDFCD0F2A}" type="pres">
+      <dgm:prSet presAssocID="{8EF29512-05DB-4BA1-B142-E93751EF124A}" presName="hierRoot2" presStyleCnt="0">
+        <dgm:presLayoutVars>
+          <dgm:hierBranch val="init"/>
+        </dgm:presLayoutVars>
+      </dgm:prSet>
+      <dgm:spPr/>
+    </dgm:pt>
+    <dgm:pt modelId="{0A836AD3-0733-4FFC-A867-95D0F2AFE031}" type="pres">
+      <dgm:prSet presAssocID="{8EF29512-05DB-4BA1-B142-E93751EF124A}" presName="rootComposite" presStyleCnt="0"/>
+      <dgm:spPr/>
+    </dgm:pt>
+    <dgm:pt modelId="{8AB78919-0FB9-49CE-A041-27BD7CBCD6A6}" type="pres">
+      <dgm:prSet presAssocID="{8EF29512-05DB-4BA1-B142-E93751EF124A}" presName="rootText" presStyleLbl="node3" presStyleIdx="0" presStyleCnt="3" custScaleX="93445" custScaleY="186890">
+        <dgm:presLayoutVars>
+          <dgm:chPref val="3"/>
+        </dgm:presLayoutVars>
+      </dgm:prSet>
+      <dgm:spPr/>
+    </dgm:pt>
+    <dgm:pt modelId="{177B0BD3-7FCD-4040-894D-8C4D31F1464E}" type="pres">
+      <dgm:prSet presAssocID="{8EF29512-05DB-4BA1-B142-E93751EF124A}" presName="rootConnector" presStyleLbl="node3" presStyleIdx="0" presStyleCnt="3"/>
+      <dgm:spPr/>
+    </dgm:pt>
+    <dgm:pt modelId="{9D9AE6F7-399F-4410-AD3B-22B01B82965F}" type="pres">
+      <dgm:prSet presAssocID="{8EF29512-05DB-4BA1-B142-E93751EF124A}" presName="hierChild4" presStyleCnt="0"/>
+      <dgm:spPr/>
+    </dgm:pt>
+    <dgm:pt modelId="{BEBE2788-4C35-4AE2-A687-AEAC88CDE6FB}" type="pres">
+      <dgm:prSet presAssocID="{8EF29512-05DB-4BA1-B142-E93751EF124A}" presName="hierChild5" presStyleCnt="0"/>
       <dgm:spPr/>
     </dgm:pt>
     <dgm:pt modelId="{BDF8FB46-5966-4006-8737-D5E200159B9A}" type="pres">
@@ -1646,7 +1584,7 @@
       <dgm:spPr/>
     </dgm:pt>
     <dgm:pt modelId="{DCC4FECE-0530-4899-B802-8BB804A750A7}" type="pres">
-      <dgm:prSet presAssocID="{A3E95BB8-A449-4F12-B8AA-50DB064679A6}" presName="rootText" presStyleLbl="node2" presStyleIdx="1" presStyleCnt="2">
+      <dgm:prSet presAssocID="{A3E95BB8-A449-4F12-B8AA-50DB064679A6}" presName="rootText" presStyleLbl="node2" presStyleIdx="1" presStyleCnt="2" custScaleX="93445" custScaleY="186890">
         <dgm:presLayoutVars>
           <dgm:chPref val="3"/>
         </dgm:presLayoutVars>
@@ -1662,7 +1600,7 @@
       <dgm:spPr/>
     </dgm:pt>
     <dgm:pt modelId="{80005CA9-2F90-47EB-B018-750536D077C6}" type="pres">
-      <dgm:prSet presAssocID="{0DB3151D-268A-475D-8B3A-43A830898C87}" presName="Name37" presStyleLbl="parChTrans1D3" presStyleIdx="0" presStyleCnt="2"/>
+      <dgm:prSet presAssocID="{0DB3151D-268A-475D-8B3A-43A830898C87}" presName="Name37" presStyleLbl="parChTrans1D3" presStyleIdx="1" presStyleCnt="3"/>
       <dgm:spPr/>
     </dgm:pt>
     <dgm:pt modelId="{E1554F81-41AB-4650-9ADF-974ABF4DC0FC}" type="pres">
@@ -1678,7 +1616,7 @@
       <dgm:spPr/>
     </dgm:pt>
     <dgm:pt modelId="{817974B7-591E-4691-8069-5F1C5B5A1F90}" type="pres">
-      <dgm:prSet presAssocID="{DE594614-04DD-413F-8CC2-AD658BC01B05}" presName="rootText" presStyleLbl="node3" presStyleIdx="0" presStyleCnt="2">
+      <dgm:prSet presAssocID="{DE594614-04DD-413F-8CC2-AD658BC01B05}" presName="rootText" presStyleLbl="node3" presStyleIdx="1" presStyleCnt="3" custScaleX="93445" custScaleY="186890">
         <dgm:presLayoutVars>
           <dgm:chPref val="3"/>
         </dgm:presLayoutVars>
@@ -1686,19 +1624,55 @@
       <dgm:spPr/>
     </dgm:pt>
     <dgm:pt modelId="{AD914A74-EF7B-48E5-A877-1A9E46893EF1}" type="pres">
-      <dgm:prSet presAssocID="{DE594614-04DD-413F-8CC2-AD658BC01B05}" presName="rootConnector" presStyleLbl="node3" presStyleIdx="0" presStyleCnt="2"/>
+      <dgm:prSet presAssocID="{DE594614-04DD-413F-8CC2-AD658BC01B05}" presName="rootConnector" presStyleLbl="node3" presStyleIdx="1" presStyleCnt="3"/>
       <dgm:spPr/>
     </dgm:pt>
     <dgm:pt modelId="{623B2AD1-8045-4D21-8EB6-F058E2712608}" type="pres">
       <dgm:prSet presAssocID="{DE594614-04DD-413F-8CC2-AD658BC01B05}" presName="hierChild4" presStyleCnt="0"/>
       <dgm:spPr/>
     </dgm:pt>
+    <dgm:pt modelId="{E1976F75-64DD-4021-B198-FBED1E3F73F3}" type="pres">
+      <dgm:prSet presAssocID="{EA47F3EA-983C-46CE-B1F3-B64CCF04173C}" presName="Name37" presStyleLbl="parChTrans1D4" presStyleIdx="0" presStyleCnt="10"/>
+      <dgm:spPr/>
+    </dgm:pt>
+    <dgm:pt modelId="{2F7D5EF9-B18D-4D68-9490-12997E78B1EB}" type="pres">
+      <dgm:prSet presAssocID="{D1FAA56F-62CD-4784-B931-B87626A0EC0B}" presName="hierRoot2" presStyleCnt="0">
+        <dgm:presLayoutVars>
+          <dgm:hierBranch val="init"/>
+        </dgm:presLayoutVars>
+      </dgm:prSet>
+      <dgm:spPr/>
+    </dgm:pt>
+    <dgm:pt modelId="{80E23390-87D0-40E3-95AB-45A56193F242}" type="pres">
+      <dgm:prSet presAssocID="{D1FAA56F-62CD-4784-B931-B87626A0EC0B}" presName="rootComposite" presStyleCnt="0"/>
+      <dgm:spPr/>
+    </dgm:pt>
+    <dgm:pt modelId="{A5919072-AE1F-49F8-996A-2B9FBB587D56}" type="pres">
+      <dgm:prSet presAssocID="{D1FAA56F-62CD-4784-B931-B87626A0EC0B}" presName="rootText" presStyleLbl="node4" presStyleIdx="0" presStyleCnt="10" custScaleX="93445" custScaleY="186890">
+        <dgm:presLayoutVars>
+          <dgm:chPref val="3"/>
+        </dgm:presLayoutVars>
+      </dgm:prSet>
+      <dgm:spPr/>
+    </dgm:pt>
+    <dgm:pt modelId="{FE4389C3-5F90-40EA-B234-8C368FCCD021}" type="pres">
+      <dgm:prSet presAssocID="{D1FAA56F-62CD-4784-B931-B87626A0EC0B}" presName="rootConnector" presStyleLbl="node4" presStyleIdx="0" presStyleCnt="10"/>
+      <dgm:spPr/>
+    </dgm:pt>
+    <dgm:pt modelId="{9FC747B6-C81C-4276-A8F1-B086F9584303}" type="pres">
+      <dgm:prSet presAssocID="{D1FAA56F-62CD-4784-B931-B87626A0EC0B}" presName="hierChild4" presStyleCnt="0"/>
+      <dgm:spPr/>
+    </dgm:pt>
+    <dgm:pt modelId="{5A75FDF4-7E99-4626-BA38-70DFE826C219}" type="pres">
+      <dgm:prSet presAssocID="{D1FAA56F-62CD-4784-B931-B87626A0EC0B}" presName="hierChild5" presStyleCnt="0"/>
+      <dgm:spPr/>
+    </dgm:pt>
     <dgm:pt modelId="{8EADD939-C1DA-4AA4-ADA4-B699F53E084C}" type="pres">
       <dgm:prSet presAssocID="{DE594614-04DD-413F-8CC2-AD658BC01B05}" presName="hierChild5" presStyleCnt="0"/>
       <dgm:spPr/>
     </dgm:pt>
     <dgm:pt modelId="{086C1E84-9FD4-4BA7-BC24-2A009DD2D84C}" type="pres">
-      <dgm:prSet presAssocID="{C23BCF37-480A-40A5-B70F-1040D8EC7D29}" presName="Name37" presStyleLbl="parChTrans1D3" presStyleIdx="1" presStyleCnt="2"/>
+      <dgm:prSet presAssocID="{C23BCF37-480A-40A5-B70F-1040D8EC7D29}" presName="Name37" presStyleLbl="parChTrans1D3" presStyleIdx="2" presStyleCnt="3"/>
       <dgm:spPr/>
     </dgm:pt>
     <dgm:pt modelId="{845AEE17-1CEF-4750-BF86-61204621AAF6}" type="pres">
@@ -1714,7 +1688,7 @@
       <dgm:spPr/>
     </dgm:pt>
     <dgm:pt modelId="{871162A3-40A0-4828-BBD3-D7C52F920723}" type="pres">
-      <dgm:prSet presAssocID="{1343A6B9-01FC-4591-907F-9EEFF8774395}" presName="rootText" presStyleLbl="node3" presStyleIdx="1" presStyleCnt="2">
+      <dgm:prSet presAssocID="{1343A6B9-01FC-4591-907F-9EEFF8774395}" presName="rootText" presStyleLbl="node3" presStyleIdx="2" presStyleCnt="3" custScaleX="93445" custScaleY="186890">
         <dgm:presLayoutVars>
           <dgm:chPref val="3"/>
         </dgm:presLayoutVars>
@@ -1722,7 +1696,7 @@
       <dgm:spPr/>
     </dgm:pt>
     <dgm:pt modelId="{274951DD-5172-420C-A01A-C05047488282}" type="pres">
-      <dgm:prSet presAssocID="{1343A6B9-01FC-4591-907F-9EEFF8774395}" presName="rootConnector" presStyleLbl="node3" presStyleIdx="1" presStyleCnt="2"/>
+      <dgm:prSet presAssocID="{1343A6B9-01FC-4591-907F-9EEFF8774395}" presName="rootConnector" presStyleLbl="node3" presStyleIdx="2" presStyleCnt="3"/>
       <dgm:spPr/>
     </dgm:pt>
     <dgm:pt modelId="{6905D9BE-F382-4A93-9B0E-939CF7D5CC5B}" type="pres">
@@ -1730,7 +1704,7 @@
       <dgm:spPr/>
     </dgm:pt>
     <dgm:pt modelId="{C3FE9DD4-C831-4A83-B71E-15D055981E76}" type="pres">
-      <dgm:prSet presAssocID="{B393D70D-2EE5-4DCC-9E7E-84DF01A8365F}" presName="Name37" presStyleLbl="parChTrans1D4" presStyleIdx="0" presStyleCnt="13"/>
+      <dgm:prSet presAssocID="{B393D70D-2EE5-4DCC-9E7E-84DF01A8365F}" presName="Name37" presStyleLbl="parChTrans1D4" presStyleIdx="1" presStyleCnt="10"/>
       <dgm:spPr/>
     </dgm:pt>
     <dgm:pt modelId="{7FAC8AF0-3F48-48BB-B8DF-A003535237B9}" type="pres">
@@ -1746,7 +1720,7 @@
       <dgm:spPr/>
     </dgm:pt>
     <dgm:pt modelId="{1108605C-18EA-49D5-91BE-6655E739C163}" type="pres">
-      <dgm:prSet presAssocID="{7D2122C0-F34A-420C-9015-8C17BA0C9EA3}" presName="rootText" presStyleLbl="node4" presStyleIdx="0" presStyleCnt="13">
+      <dgm:prSet presAssocID="{7D2122C0-F34A-420C-9015-8C17BA0C9EA3}" presName="rootText" presStyleLbl="node4" presStyleIdx="1" presStyleCnt="10" custScaleX="93445" custScaleY="186890">
         <dgm:presLayoutVars>
           <dgm:chPref val="3"/>
         </dgm:presLayoutVars>
@@ -1754,19 +1728,55 @@
       <dgm:spPr/>
     </dgm:pt>
     <dgm:pt modelId="{F455A23D-7E88-4CBC-B8B0-4BE4E14D1ED6}" type="pres">
-      <dgm:prSet presAssocID="{7D2122C0-F34A-420C-9015-8C17BA0C9EA3}" presName="rootConnector" presStyleLbl="node4" presStyleIdx="0" presStyleCnt="13"/>
+      <dgm:prSet presAssocID="{7D2122C0-F34A-420C-9015-8C17BA0C9EA3}" presName="rootConnector" presStyleLbl="node4" presStyleIdx="1" presStyleCnt="10"/>
       <dgm:spPr/>
     </dgm:pt>
     <dgm:pt modelId="{5A9ECE02-3272-42E4-B464-94782286DA84}" type="pres">
       <dgm:prSet presAssocID="{7D2122C0-F34A-420C-9015-8C17BA0C9EA3}" presName="hierChild4" presStyleCnt="0"/>
       <dgm:spPr/>
     </dgm:pt>
+    <dgm:pt modelId="{4761B6CB-2BF3-451C-8C72-14AA2DEA908D}" type="pres">
+      <dgm:prSet presAssocID="{78B2F0B2-6D20-4432-BDDA-DEB06463CB75}" presName="Name37" presStyleLbl="parChTrans1D4" presStyleIdx="2" presStyleCnt="10"/>
+      <dgm:spPr/>
+    </dgm:pt>
+    <dgm:pt modelId="{CF124DCB-C1F1-47DF-AE7D-3CFD8F794215}" type="pres">
+      <dgm:prSet presAssocID="{43D02BDE-2A01-4317-9787-5B2913F217FA}" presName="hierRoot2" presStyleCnt="0">
+        <dgm:presLayoutVars>
+          <dgm:hierBranch val="init"/>
+        </dgm:presLayoutVars>
+      </dgm:prSet>
+      <dgm:spPr/>
+    </dgm:pt>
+    <dgm:pt modelId="{385CB597-834B-4CCA-8B84-148925EEBE53}" type="pres">
+      <dgm:prSet presAssocID="{43D02BDE-2A01-4317-9787-5B2913F217FA}" presName="rootComposite" presStyleCnt="0"/>
+      <dgm:spPr/>
+    </dgm:pt>
+    <dgm:pt modelId="{BFE20FB9-C2EA-4BAF-9000-ED08E2D4DD00}" type="pres">
+      <dgm:prSet presAssocID="{43D02BDE-2A01-4317-9787-5B2913F217FA}" presName="rootText" presStyleLbl="node4" presStyleIdx="2" presStyleCnt="10" custScaleX="93445" custScaleY="186890">
+        <dgm:presLayoutVars>
+          <dgm:chPref val="3"/>
+        </dgm:presLayoutVars>
+      </dgm:prSet>
+      <dgm:spPr/>
+    </dgm:pt>
+    <dgm:pt modelId="{37FD217E-4301-4014-9BC0-67ACBBAEF78A}" type="pres">
+      <dgm:prSet presAssocID="{43D02BDE-2A01-4317-9787-5B2913F217FA}" presName="rootConnector" presStyleLbl="node4" presStyleIdx="2" presStyleCnt="10"/>
+      <dgm:spPr/>
+    </dgm:pt>
+    <dgm:pt modelId="{408687AD-D21A-4BAC-BBC7-F476F5BD2C1E}" type="pres">
+      <dgm:prSet presAssocID="{43D02BDE-2A01-4317-9787-5B2913F217FA}" presName="hierChild4" presStyleCnt="0"/>
+      <dgm:spPr/>
+    </dgm:pt>
+    <dgm:pt modelId="{CCFCD28A-4157-4C2D-B65E-DDF29847E458}" type="pres">
+      <dgm:prSet presAssocID="{43D02BDE-2A01-4317-9787-5B2913F217FA}" presName="hierChild5" presStyleCnt="0"/>
+      <dgm:spPr/>
+    </dgm:pt>
     <dgm:pt modelId="{6606E5CD-A4E0-4811-BD66-7E4BF3E7F8F2}" type="pres">
       <dgm:prSet presAssocID="{7D2122C0-F34A-420C-9015-8C17BA0C9EA3}" presName="hierChild5" presStyleCnt="0"/>
       <dgm:spPr/>
     </dgm:pt>
     <dgm:pt modelId="{824D806C-0739-40FA-AD9E-B8DACA1701CA}" type="pres">
-      <dgm:prSet presAssocID="{3A3C03BC-CBDC-4C92-8540-76D7F8E959B1}" presName="Name37" presStyleLbl="parChTrans1D4" presStyleIdx="1" presStyleCnt="13"/>
+      <dgm:prSet presAssocID="{3A3C03BC-CBDC-4C92-8540-76D7F8E959B1}" presName="Name37" presStyleLbl="parChTrans1D4" presStyleIdx="3" presStyleCnt="10"/>
       <dgm:spPr/>
     </dgm:pt>
     <dgm:pt modelId="{E5AE55CB-1666-4C90-97F5-5BA42ED6F7B7}" type="pres">
@@ -1782,7 +1792,7 @@
       <dgm:spPr/>
     </dgm:pt>
     <dgm:pt modelId="{781CF4FD-B391-4C92-88AB-138993AFCDB8}" type="pres">
-      <dgm:prSet presAssocID="{F1F6DF4C-6D29-4328-B0B8-C1EA6850692D}" presName="rootText" presStyleLbl="node4" presStyleIdx="1" presStyleCnt="13">
+      <dgm:prSet presAssocID="{F1F6DF4C-6D29-4328-B0B8-C1EA6850692D}" presName="rootText" presStyleLbl="node4" presStyleIdx="3" presStyleCnt="10" custScaleX="93445" custScaleY="186890">
         <dgm:presLayoutVars>
           <dgm:chPref val="3"/>
         </dgm:presLayoutVars>
@@ -1790,83 +1800,15 @@
       <dgm:spPr/>
     </dgm:pt>
     <dgm:pt modelId="{679CCD29-3AA8-48E0-925E-239F17DA77B3}" type="pres">
-      <dgm:prSet presAssocID="{F1F6DF4C-6D29-4328-B0B8-C1EA6850692D}" presName="rootConnector" presStyleLbl="node4" presStyleIdx="1" presStyleCnt="13"/>
+      <dgm:prSet presAssocID="{F1F6DF4C-6D29-4328-B0B8-C1EA6850692D}" presName="rootConnector" presStyleLbl="node4" presStyleIdx="3" presStyleCnt="10"/>
       <dgm:spPr/>
     </dgm:pt>
     <dgm:pt modelId="{2B608E2B-9249-4272-813F-BD1602087C10}" type="pres">
       <dgm:prSet presAssocID="{F1F6DF4C-6D29-4328-B0B8-C1EA6850692D}" presName="hierChild4" presStyleCnt="0"/>
       <dgm:spPr/>
     </dgm:pt>
-    <dgm:pt modelId="{15D14C8C-2CB4-4ECD-90DE-5DBFEDC3A994}" type="pres">
-      <dgm:prSet presAssocID="{15E94598-FA02-46CB-A8E2-A7D46CFB4AC7}" presName="Name37" presStyleLbl="parChTrans1D4" presStyleIdx="2" presStyleCnt="13"/>
-      <dgm:spPr/>
-    </dgm:pt>
-    <dgm:pt modelId="{05C57D9B-344A-41D4-AE0A-B58149DEC833}" type="pres">
-      <dgm:prSet presAssocID="{83D13B1F-BFBB-4CC8-A774-8023BEAEA0FF}" presName="hierRoot2" presStyleCnt="0">
-        <dgm:presLayoutVars>
-          <dgm:hierBranch val="init"/>
-        </dgm:presLayoutVars>
-      </dgm:prSet>
-      <dgm:spPr/>
-    </dgm:pt>
-    <dgm:pt modelId="{6D96A07F-DE72-4148-8451-735D81C1AF07}" type="pres">
-      <dgm:prSet presAssocID="{83D13B1F-BFBB-4CC8-A774-8023BEAEA0FF}" presName="rootComposite" presStyleCnt="0"/>
-      <dgm:spPr/>
-    </dgm:pt>
-    <dgm:pt modelId="{71C092B6-700E-4976-BF80-B043B4CCB2C7}" type="pres">
-      <dgm:prSet presAssocID="{83D13B1F-BFBB-4CC8-A774-8023BEAEA0FF}" presName="rootText" presStyleLbl="node4" presStyleIdx="2" presStyleCnt="13">
-        <dgm:presLayoutVars>
-          <dgm:chPref val="3"/>
-        </dgm:presLayoutVars>
-      </dgm:prSet>
-      <dgm:spPr/>
-    </dgm:pt>
-    <dgm:pt modelId="{160EDF9D-48C0-4E5D-9A4B-7E36F44B1CB8}" type="pres">
-      <dgm:prSet presAssocID="{83D13B1F-BFBB-4CC8-A774-8023BEAEA0FF}" presName="rootConnector" presStyleLbl="node4" presStyleIdx="2" presStyleCnt="13"/>
-      <dgm:spPr/>
-    </dgm:pt>
-    <dgm:pt modelId="{6855C8B8-6AEB-44D4-8FEE-D57A3ACF87EB}" type="pres">
-      <dgm:prSet presAssocID="{83D13B1F-BFBB-4CC8-A774-8023BEAEA0FF}" presName="hierChild4" presStyleCnt="0"/>
-      <dgm:spPr/>
-    </dgm:pt>
-    <dgm:pt modelId="{C077668A-259D-4CCE-9900-E7EF61B3F902}" type="pres">
-      <dgm:prSet presAssocID="{83D13B1F-BFBB-4CC8-A774-8023BEAEA0FF}" presName="hierChild5" presStyleCnt="0"/>
-      <dgm:spPr/>
-    </dgm:pt>
-    <dgm:pt modelId="{1911774A-1E26-4D7C-9F3A-74679FDB6D33}" type="pres">
-      <dgm:prSet presAssocID="{511C9332-C293-417E-997C-7A309DE92140}" presName="Name37" presStyleLbl="parChTrans1D4" presStyleIdx="3" presStyleCnt="13"/>
-      <dgm:spPr/>
-    </dgm:pt>
-    <dgm:pt modelId="{2F82EC6C-8247-4462-8E49-7FC7CDC4AE64}" type="pres">
-      <dgm:prSet presAssocID="{C4A20B65-2108-4C99-A733-38A767A0E02F}" presName="hierRoot2" presStyleCnt="0">
-        <dgm:presLayoutVars>
-          <dgm:hierBranch val="init"/>
-        </dgm:presLayoutVars>
-      </dgm:prSet>
-      <dgm:spPr/>
-    </dgm:pt>
-    <dgm:pt modelId="{D346B3F5-4B8E-4C41-84CB-FDDCA1AE336F}" type="pres">
-      <dgm:prSet presAssocID="{C4A20B65-2108-4C99-A733-38A767A0E02F}" presName="rootComposite" presStyleCnt="0"/>
-      <dgm:spPr/>
-    </dgm:pt>
-    <dgm:pt modelId="{6CAF8A63-5198-4360-99F2-205CDB4EDF60}" type="pres">
-      <dgm:prSet presAssocID="{C4A20B65-2108-4C99-A733-38A767A0E02F}" presName="rootText" presStyleLbl="node4" presStyleIdx="3" presStyleCnt="13">
-        <dgm:presLayoutVars>
-          <dgm:chPref val="3"/>
-        </dgm:presLayoutVars>
-      </dgm:prSet>
-      <dgm:spPr/>
-    </dgm:pt>
-    <dgm:pt modelId="{2C25357B-F076-4877-A513-D88A84174C65}" type="pres">
-      <dgm:prSet presAssocID="{C4A20B65-2108-4C99-A733-38A767A0E02F}" presName="rootConnector" presStyleLbl="node4" presStyleIdx="3" presStyleCnt="13"/>
-      <dgm:spPr/>
-    </dgm:pt>
-    <dgm:pt modelId="{68981B51-7730-4716-83DA-854665622519}" type="pres">
-      <dgm:prSet presAssocID="{C4A20B65-2108-4C99-A733-38A767A0E02F}" presName="hierChild4" presStyleCnt="0"/>
-      <dgm:spPr/>
-    </dgm:pt>
     <dgm:pt modelId="{455C182A-8D6A-46C6-9243-F77429BDA369}" type="pres">
-      <dgm:prSet presAssocID="{AA468213-CE97-4CEC-8CE7-C904923C4679}" presName="Name37" presStyleLbl="parChTrans1D4" presStyleIdx="4" presStyleCnt="13"/>
+      <dgm:prSet presAssocID="{AA468213-CE97-4CEC-8CE7-C904923C4679}" presName="Name37" presStyleLbl="parChTrans1D4" presStyleIdx="4" presStyleCnt="10"/>
       <dgm:spPr/>
     </dgm:pt>
     <dgm:pt modelId="{B36B42FE-C186-4E3E-8518-11C4EDE7A69C}" type="pres">
@@ -1882,7 +1824,7 @@
       <dgm:spPr/>
     </dgm:pt>
     <dgm:pt modelId="{F2025884-82D7-4D8F-9824-2629A1B20E73}" type="pres">
-      <dgm:prSet presAssocID="{AE2BE0BD-779C-409F-9E8D-6F0EF03D1552}" presName="rootText" presStyleLbl="node4" presStyleIdx="4" presStyleCnt="13">
+      <dgm:prSet presAssocID="{AE2BE0BD-779C-409F-9E8D-6F0EF03D1552}" presName="rootText" presStyleLbl="node4" presStyleIdx="4" presStyleCnt="10" custScaleX="93445" custScaleY="186890">
         <dgm:presLayoutVars>
           <dgm:chPref val="3"/>
         </dgm:presLayoutVars>
@@ -1890,19 +1832,15 @@
       <dgm:spPr/>
     </dgm:pt>
     <dgm:pt modelId="{3612867E-7588-40CE-91E3-E4C3EC700EA7}" type="pres">
-      <dgm:prSet presAssocID="{AE2BE0BD-779C-409F-9E8D-6F0EF03D1552}" presName="rootConnector" presStyleLbl="node4" presStyleIdx="4" presStyleCnt="13"/>
+      <dgm:prSet presAssocID="{AE2BE0BD-779C-409F-9E8D-6F0EF03D1552}" presName="rootConnector" presStyleLbl="node4" presStyleIdx="4" presStyleCnt="10"/>
       <dgm:spPr/>
     </dgm:pt>
     <dgm:pt modelId="{328AB800-2C85-4F4A-AD38-A41A97791244}" type="pres">
       <dgm:prSet presAssocID="{AE2BE0BD-779C-409F-9E8D-6F0EF03D1552}" presName="hierChild4" presStyleCnt="0"/>
       <dgm:spPr/>
     </dgm:pt>
-    <dgm:pt modelId="{CB5DF53B-B068-44CD-8B8E-FF4D2041E408}" type="pres">
-      <dgm:prSet presAssocID="{AE2BE0BD-779C-409F-9E8D-6F0EF03D1552}" presName="hierChild5" presStyleCnt="0"/>
-      <dgm:spPr/>
-    </dgm:pt>
     <dgm:pt modelId="{20F9A8DE-3004-4FA9-87C6-4095B261A6FA}" type="pres">
-      <dgm:prSet presAssocID="{034D6A4C-47F6-40CA-97F7-2C6098FD312E}" presName="Name37" presStyleLbl="parChTrans1D4" presStyleIdx="5" presStyleCnt="13"/>
+      <dgm:prSet presAssocID="{034D6A4C-47F6-40CA-97F7-2C6098FD312E}" presName="Name37" presStyleLbl="parChTrans1D4" presStyleIdx="5" presStyleCnt="10"/>
       <dgm:spPr/>
     </dgm:pt>
     <dgm:pt modelId="{F9069A20-0A20-4243-A8C6-893C075DCECB}" type="pres">
@@ -1918,7 +1856,7 @@
       <dgm:spPr/>
     </dgm:pt>
     <dgm:pt modelId="{65EB0A20-4CF3-4927-8B4B-D1FB13FE66F7}" type="pres">
-      <dgm:prSet presAssocID="{1F3B55E4-34E6-452B-A71A-B803BEBB9222}" presName="rootText" presStyleLbl="node4" presStyleIdx="5" presStyleCnt="13">
+      <dgm:prSet presAssocID="{1F3B55E4-34E6-452B-A71A-B803BEBB9222}" presName="rootText" presStyleLbl="node4" presStyleIdx="5" presStyleCnt="10" custScaleX="93445" custScaleY="186890">
         <dgm:presLayoutVars>
           <dgm:chPref val="3"/>
         </dgm:presLayoutVars>
@@ -1926,271 +1864,163 @@
       <dgm:spPr/>
     </dgm:pt>
     <dgm:pt modelId="{AFF4FF67-6F45-4EBC-A232-8D6BB3714FCE}" type="pres">
-      <dgm:prSet presAssocID="{1F3B55E4-34E6-452B-A71A-B803BEBB9222}" presName="rootConnector" presStyleLbl="node4" presStyleIdx="5" presStyleCnt="13"/>
+      <dgm:prSet presAssocID="{1F3B55E4-34E6-452B-A71A-B803BEBB9222}" presName="rootConnector" presStyleLbl="node4" presStyleIdx="5" presStyleCnt="10"/>
       <dgm:spPr/>
     </dgm:pt>
     <dgm:pt modelId="{266121C2-D60C-428A-AAD9-E1DCC80542A2}" type="pres">
       <dgm:prSet presAssocID="{1F3B55E4-34E6-452B-A71A-B803BEBB9222}" presName="hierChild4" presStyleCnt="0"/>
       <dgm:spPr/>
     </dgm:pt>
-    <dgm:pt modelId="{34816BA9-AD59-4A5F-89B3-982FE4348B55}" type="pres">
-      <dgm:prSet presAssocID="{267CFB1A-B908-4CA5-BC8B-51D73A5F41F7}" presName="Name37" presStyleLbl="parChTrans1D4" presStyleIdx="6" presStyleCnt="13"/>
-      <dgm:spPr/>
-    </dgm:pt>
-    <dgm:pt modelId="{38339938-1340-4DC4-9ABD-33E25630CFE6}" type="pres">
-      <dgm:prSet presAssocID="{99C6560C-569D-400E-849E-EA35AD4EFE5D}" presName="hierRoot2" presStyleCnt="0">
+    <dgm:pt modelId="{9D8D2243-42E8-4D4F-BD9F-9180AD96AC79}" type="pres">
+      <dgm:prSet presAssocID="{1F3B55E4-34E6-452B-A71A-B803BEBB9222}" presName="hierChild5" presStyleCnt="0"/>
+      <dgm:spPr/>
+    </dgm:pt>
+    <dgm:pt modelId="{CB5DF53B-B068-44CD-8B8E-FF4D2041E408}" type="pres">
+      <dgm:prSet presAssocID="{AE2BE0BD-779C-409F-9E8D-6F0EF03D1552}" presName="hierChild5" presStyleCnt="0"/>
+      <dgm:spPr/>
+    </dgm:pt>
+    <dgm:pt modelId="{F05AD5DA-DCB6-4C34-812D-BCE504945BCE}" type="pres">
+      <dgm:prSet presAssocID="{CA99D792-6EF7-4930-B4EC-4A7DE18C901A}" presName="Name37" presStyleLbl="parChTrans1D4" presStyleIdx="6" presStyleCnt="10"/>
+      <dgm:spPr/>
+    </dgm:pt>
+    <dgm:pt modelId="{29FA05EC-EF27-48B4-863C-3DEF4ED85D35}" type="pres">
+      <dgm:prSet presAssocID="{4172D4BE-4053-418D-BCC2-7D5B4EE98602}" presName="hierRoot2" presStyleCnt="0">
         <dgm:presLayoutVars>
           <dgm:hierBranch val="init"/>
         </dgm:presLayoutVars>
       </dgm:prSet>
       <dgm:spPr/>
     </dgm:pt>
-    <dgm:pt modelId="{623B1FEE-E40D-4E54-8EA4-B296507FBD88}" type="pres">
-      <dgm:prSet presAssocID="{99C6560C-569D-400E-849E-EA35AD4EFE5D}" presName="rootComposite" presStyleCnt="0"/>
-      <dgm:spPr/>
-    </dgm:pt>
-    <dgm:pt modelId="{5E8E34D4-4F0D-4292-8A2D-EB5DEC3C53E2}" type="pres">
-      <dgm:prSet presAssocID="{99C6560C-569D-400E-849E-EA35AD4EFE5D}" presName="rootText" presStyleLbl="node4" presStyleIdx="6" presStyleCnt="13">
+    <dgm:pt modelId="{851F9172-DE61-4DE2-B783-FE1604F35325}" type="pres">
+      <dgm:prSet presAssocID="{4172D4BE-4053-418D-BCC2-7D5B4EE98602}" presName="rootComposite" presStyleCnt="0"/>
+      <dgm:spPr/>
+    </dgm:pt>
+    <dgm:pt modelId="{636118FD-B00B-4BC7-B38C-A59A8CA7378D}" type="pres">
+      <dgm:prSet presAssocID="{4172D4BE-4053-418D-BCC2-7D5B4EE98602}" presName="rootText" presStyleLbl="node4" presStyleIdx="6" presStyleCnt="10" custScaleX="93445" custScaleY="186890">
         <dgm:presLayoutVars>
           <dgm:chPref val="3"/>
         </dgm:presLayoutVars>
       </dgm:prSet>
       <dgm:spPr/>
     </dgm:pt>
-    <dgm:pt modelId="{16A98B6F-5FE0-40E1-967B-E0D7E5A3A77B}" type="pres">
-      <dgm:prSet presAssocID="{99C6560C-569D-400E-849E-EA35AD4EFE5D}" presName="rootConnector" presStyleLbl="node4" presStyleIdx="6" presStyleCnt="13"/>
-      <dgm:spPr/>
-    </dgm:pt>
-    <dgm:pt modelId="{EDD210DE-5447-48DD-9F5C-072B7C3B74F8}" type="pres">
-      <dgm:prSet presAssocID="{99C6560C-569D-400E-849E-EA35AD4EFE5D}" presName="hierChild4" presStyleCnt="0"/>
-      <dgm:spPr/>
-    </dgm:pt>
-    <dgm:pt modelId="{9F802152-AC1A-4BEA-A12D-85442ED05E9F}" type="pres">
-      <dgm:prSet presAssocID="{62288175-048B-4A00-9F17-2B975BD47233}" presName="Name37" presStyleLbl="parChTrans1D4" presStyleIdx="7" presStyleCnt="13"/>
-      <dgm:spPr/>
-    </dgm:pt>
-    <dgm:pt modelId="{AC179FC9-8707-44D0-B33B-802BC9CCCA36}" type="pres">
-      <dgm:prSet presAssocID="{FD6F1BD7-834E-445C-80DF-F9BB26C3BB62}" presName="hierRoot2" presStyleCnt="0">
+    <dgm:pt modelId="{E3548D1C-63EE-4398-BF42-8FE962018216}" type="pres">
+      <dgm:prSet presAssocID="{4172D4BE-4053-418D-BCC2-7D5B4EE98602}" presName="rootConnector" presStyleLbl="node4" presStyleIdx="6" presStyleCnt="10"/>
+      <dgm:spPr/>
+    </dgm:pt>
+    <dgm:pt modelId="{3D0C2138-6115-44C0-848F-C5BE6D152776}" type="pres">
+      <dgm:prSet presAssocID="{4172D4BE-4053-418D-BCC2-7D5B4EE98602}" presName="hierChild4" presStyleCnt="0"/>
+      <dgm:spPr/>
+    </dgm:pt>
+    <dgm:pt modelId="{D8B5B653-1584-4CD9-9C8D-C0D4B62CB154}" type="pres">
+      <dgm:prSet presAssocID="{4572F3FD-DBDC-4E1F-BEDF-1CEF68E79A6E}" presName="Name37" presStyleLbl="parChTrans1D4" presStyleIdx="7" presStyleCnt="10"/>
+      <dgm:spPr/>
+    </dgm:pt>
+    <dgm:pt modelId="{380F7122-3EA6-42AA-B5C1-9ABC127FCD11}" type="pres">
+      <dgm:prSet presAssocID="{B6252F84-1CC7-475E-98CB-7C43F315DE7D}" presName="hierRoot2" presStyleCnt="0">
         <dgm:presLayoutVars>
           <dgm:hierBranch val="init"/>
         </dgm:presLayoutVars>
       </dgm:prSet>
       <dgm:spPr/>
     </dgm:pt>
-    <dgm:pt modelId="{096484AE-7D2D-45B0-9C69-37F767022360}" type="pres">
-      <dgm:prSet presAssocID="{FD6F1BD7-834E-445C-80DF-F9BB26C3BB62}" presName="rootComposite" presStyleCnt="0"/>
-      <dgm:spPr/>
-    </dgm:pt>
-    <dgm:pt modelId="{407B5F66-FFA7-4AFD-B339-2FB016021563}" type="pres">
-      <dgm:prSet presAssocID="{FD6F1BD7-834E-445C-80DF-F9BB26C3BB62}" presName="rootText" presStyleLbl="node4" presStyleIdx="7" presStyleCnt="13">
+    <dgm:pt modelId="{A4CB6A13-2277-421C-A168-D769477C42D2}" type="pres">
+      <dgm:prSet presAssocID="{B6252F84-1CC7-475E-98CB-7C43F315DE7D}" presName="rootComposite" presStyleCnt="0"/>
+      <dgm:spPr/>
+    </dgm:pt>
+    <dgm:pt modelId="{43E097B7-4998-4017-807E-9781AEB1ADE1}" type="pres">
+      <dgm:prSet presAssocID="{B6252F84-1CC7-475E-98CB-7C43F315DE7D}" presName="rootText" presStyleLbl="node4" presStyleIdx="7" presStyleCnt="10" custScaleX="93445" custScaleY="186890">
         <dgm:presLayoutVars>
           <dgm:chPref val="3"/>
         </dgm:presLayoutVars>
       </dgm:prSet>
       <dgm:spPr/>
     </dgm:pt>
-    <dgm:pt modelId="{2B6360EB-924A-4C92-A09F-EC38E6278C8E}" type="pres">
-      <dgm:prSet presAssocID="{FD6F1BD7-834E-445C-80DF-F9BB26C3BB62}" presName="rootConnector" presStyleLbl="node4" presStyleIdx="7" presStyleCnt="13"/>
-      <dgm:spPr/>
-    </dgm:pt>
-    <dgm:pt modelId="{BA7F0AB8-30D6-4C94-AAC3-05FAC9522ED2}" type="pres">
-      <dgm:prSet presAssocID="{FD6F1BD7-834E-445C-80DF-F9BB26C3BB62}" presName="hierChild4" presStyleCnt="0"/>
-      <dgm:spPr/>
-    </dgm:pt>
-    <dgm:pt modelId="{4DE3E7F1-FF04-41F2-B68E-4B0615D18DAD}" type="pres">
-      <dgm:prSet presAssocID="{753C2444-DDAC-468C-9A71-2AFA2BCDC701}" presName="Name37" presStyleLbl="parChTrans1D4" presStyleIdx="8" presStyleCnt="13"/>
-      <dgm:spPr/>
-    </dgm:pt>
-    <dgm:pt modelId="{83EC28D4-7E67-4213-968C-5B2F4BD8CF81}" type="pres">
-      <dgm:prSet presAssocID="{25E6737A-D8AD-483A-9BDA-5F64D7A26F19}" presName="hierRoot2" presStyleCnt="0">
+    <dgm:pt modelId="{25EC2F05-FF3E-4207-AC36-7723AD5C9645}" type="pres">
+      <dgm:prSet presAssocID="{B6252F84-1CC7-475E-98CB-7C43F315DE7D}" presName="rootConnector" presStyleLbl="node4" presStyleIdx="7" presStyleCnt="10"/>
+      <dgm:spPr/>
+    </dgm:pt>
+    <dgm:pt modelId="{7A1ED6BA-820A-48CC-931B-C26FCAFB3FD4}" type="pres">
+      <dgm:prSet presAssocID="{B6252F84-1CC7-475E-98CB-7C43F315DE7D}" presName="hierChild4" presStyleCnt="0"/>
+      <dgm:spPr/>
+    </dgm:pt>
+    <dgm:pt modelId="{67496DC2-4E0D-40DB-8A66-059D5F5D50FC}" type="pres">
+      <dgm:prSet presAssocID="{B6252F84-1CC7-475E-98CB-7C43F315DE7D}" presName="hierChild5" presStyleCnt="0"/>
+      <dgm:spPr/>
+    </dgm:pt>
+    <dgm:pt modelId="{BC8AD7D3-E78E-4E4F-9940-07167243FFD5}" type="pres">
+      <dgm:prSet presAssocID="{4172D4BE-4053-418D-BCC2-7D5B4EE98602}" presName="hierChild5" presStyleCnt="0"/>
+      <dgm:spPr/>
+    </dgm:pt>
+    <dgm:pt modelId="{8A24EE5A-EDF9-4459-A344-1529D1EB8D7F}" type="pres">
+      <dgm:prSet presAssocID="{D3DB27A4-B567-43AF-BF05-F253EB5173C1}" presName="Name37" presStyleLbl="parChTrans1D4" presStyleIdx="8" presStyleCnt="10"/>
+      <dgm:spPr/>
+    </dgm:pt>
+    <dgm:pt modelId="{2C6CFE13-4253-4A66-8654-322CD5089C80}" type="pres">
+      <dgm:prSet presAssocID="{16B53008-776F-4666-9D42-8F9077005122}" presName="hierRoot2" presStyleCnt="0">
         <dgm:presLayoutVars>
           <dgm:hierBranch val="init"/>
         </dgm:presLayoutVars>
       </dgm:prSet>
       <dgm:spPr/>
     </dgm:pt>
-    <dgm:pt modelId="{8A9E828B-7982-4921-9E67-98ACF217CB93}" type="pres">
-      <dgm:prSet presAssocID="{25E6737A-D8AD-483A-9BDA-5F64D7A26F19}" presName="rootComposite" presStyleCnt="0"/>
-      <dgm:spPr/>
-    </dgm:pt>
-    <dgm:pt modelId="{7E3FCFE3-CB0B-4776-BDCB-E1BC4DB5BA01}" type="pres">
-      <dgm:prSet presAssocID="{25E6737A-D8AD-483A-9BDA-5F64D7A26F19}" presName="rootText" presStyleLbl="node4" presStyleIdx="8" presStyleCnt="13">
+    <dgm:pt modelId="{A3AA5DE9-2AA4-41A9-9216-7248A7A0A92B}" type="pres">
+      <dgm:prSet presAssocID="{16B53008-776F-4666-9D42-8F9077005122}" presName="rootComposite" presStyleCnt="0"/>
+      <dgm:spPr/>
+    </dgm:pt>
+    <dgm:pt modelId="{4A9B1D3F-582C-4205-9937-2DEF24D463B1}" type="pres">
+      <dgm:prSet presAssocID="{16B53008-776F-4666-9D42-8F9077005122}" presName="rootText" presStyleLbl="node4" presStyleIdx="8" presStyleCnt="10" custScaleX="93445" custScaleY="186890">
         <dgm:presLayoutVars>
           <dgm:chPref val="3"/>
         </dgm:presLayoutVars>
       </dgm:prSet>
       <dgm:spPr/>
     </dgm:pt>
-    <dgm:pt modelId="{B667C004-3C9E-47A5-AE9B-0DFDF1D16831}" type="pres">
-      <dgm:prSet presAssocID="{25E6737A-D8AD-483A-9BDA-5F64D7A26F19}" presName="rootConnector" presStyleLbl="node4" presStyleIdx="8" presStyleCnt="13"/>
-      <dgm:spPr/>
-    </dgm:pt>
-    <dgm:pt modelId="{7161C5C4-57B6-42C6-A21D-29DAC46947CB}" type="pres">
-      <dgm:prSet presAssocID="{25E6737A-D8AD-483A-9BDA-5F64D7A26F19}" presName="hierChild4" presStyleCnt="0"/>
-      <dgm:spPr/>
-    </dgm:pt>
-    <dgm:pt modelId="{0D7A24CB-2A56-40B8-9362-1FF6459E23CA}" type="pres">
-      <dgm:prSet presAssocID="{25E6737A-D8AD-483A-9BDA-5F64D7A26F19}" presName="hierChild5" presStyleCnt="0"/>
-      <dgm:spPr/>
-    </dgm:pt>
-    <dgm:pt modelId="{0A8BAF46-94F4-41F2-A1E6-C9F2234FC62C}" type="pres">
-      <dgm:prSet presAssocID="{FD6F1BD7-834E-445C-80DF-F9BB26C3BB62}" presName="hierChild5" presStyleCnt="0"/>
-      <dgm:spPr/>
-    </dgm:pt>
-    <dgm:pt modelId="{F836E019-FDBF-40AB-9578-55A8D146CA3D}" type="pres">
-      <dgm:prSet presAssocID="{64D7CF83-9CEA-42A3-89B1-B9172ECCA2D8}" presName="Name37" presStyleLbl="parChTrans1D4" presStyleIdx="9" presStyleCnt="13"/>
-      <dgm:spPr/>
-    </dgm:pt>
-    <dgm:pt modelId="{289DBC7C-16E5-44F6-8EC1-1022781F0CCD}" type="pres">
-      <dgm:prSet presAssocID="{1F5586FA-4CEC-4850-9A4D-CE06CB20FB65}" presName="hierRoot2" presStyleCnt="0">
+    <dgm:pt modelId="{F9056CEC-FCCF-459F-845B-A6A033787035}" type="pres">
+      <dgm:prSet presAssocID="{16B53008-776F-4666-9D42-8F9077005122}" presName="rootConnector" presStyleLbl="node4" presStyleIdx="8" presStyleCnt="10"/>
+      <dgm:spPr/>
+    </dgm:pt>
+    <dgm:pt modelId="{6A83BA7B-E34A-428F-B1EF-DEEC29D14574}" type="pres">
+      <dgm:prSet presAssocID="{16B53008-776F-4666-9D42-8F9077005122}" presName="hierChild4" presStyleCnt="0"/>
+      <dgm:spPr/>
+    </dgm:pt>
+    <dgm:pt modelId="{352756FD-45B4-4CE2-B8AF-619DA3953240}" type="pres">
+      <dgm:prSet presAssocID="{5A36C67E-DD9D-49BA-B8BE-4D254A9D99D4}" presName="Name37" presStyleLbl="parChTrans1D4" presStyleIdx="9" presStyleCnt="10"/>
+      <dgm:spPr/>
+    </dgm:pt>
+    <dgm:pt modelId="{674CB284-F4A5-4B70-B9DA-407F0A9F9DF7}" type="pres">
+      <dgm:prSet presAssocID="{43CC749B-5B3B-4748-A730-DA77AC526422}" presName="hierRoot2" presStyleCnt="0">
         <dgm:presLayoutVars>
           <dgm:hierBranch val="init"/>
         </dgm:presLayoutVars>
       </dgm:prSet>
       <dgm:spPr/>
     </dgm:pt>
-    <dgm:pt modelId="{3897AAC4-CE0A-4507-8461-93E41E6A858E}" type="pres">
-      <dgm:prSet presAssocID="{1F5586FA-4CEC-4850-9A4D-CE06CB20FB65}" presName="rootComposite" presStyleCnt="0"/>
-      <dgm:spPr/>
-    </dgm:pt>
-    <dgm:pt modelId="{AEC1045E-39B5-4D74-8D62-5CCB7CDCB38F}" type="pres">
-      <dgm:prSet presAssocID="{1F5586FA-4CEC-4850-9A4D-CE06CB20FB65}" presName="rootText" presStyleLbl="node4" presStyleIdx="9" presStyleCnt="13">
+    <dgm:pt modelId="{624E4A08-7103-4669-96D0-C62584383DA0}" type="pres">
+      <dgm:prSet presAssocID="{43CC749B-5B3B-4748-A730-DA77AC526422}" presName="rootComposite" presStyleCnt="0"/>
+      <dgm:spPr/>
+    </dgm:pt>
+    <dgm:pt modelId="{22FF8EED-2B44-4F74-B79A-7E547693D289}" type="pres">
+      <dgm:prSet presAssocID="{43CC749B-5B3B-4748-A730-DA77AC526422}" presName="rootText" presStyleLbl="node4" presStyleIdx="9" presStyleCnt="10" custScaleX="93445" custScaleY="186890">
         <dgm:presLayoutVars>
           <dgm:chPref val="3"/>
         </dgm:presLayoutVars>
       </dgm:prSet>
       <dgm:spPr/>
     </dgm:pt>
-    <dgm:pt modelId="{6AECB28F-EE55-4D7F-BB16-65E53383BE28}" type="pres">
-      <dgm:prSet presAssocID="{1F5586FA-4CEC-4850-9A4D-CE06CB20FB65}" presName="rootConnector" presStyleLbl="node4" presStyleIdx="9" presStyleCnt="13"/>
-      <dgm:spPr/>
-    </dgm:pt>
-    <dgm:pt modelId="{CA7C002A-4A37-43B8-85C0-2A1F29378839}" type="pres">
-      <dgm:prSet presAssocID="{1F5586FA-4CEC-4850-9A4D-CE06CB20FB65}" presName="hierChild4" presStyleCnt="0"/>
-      <dgm:spPr/>
-    </dgm:pt>
-    <dgm:pt modelId="{E4EE0D83-E1DE-48FF-AD11-1048FA90F29E}" type="pres">
-      <dgm:prSet presAssocID="{32687CC5-7F4B-43B0-842A-6A7FB3367F3E}" presName="Name37" presStyleLbl="parChTrans1D4" presStyleIdx="10" presStyleCnt="13"/>
-      <dgm:spPr/>
-    </dgm:pt>
-    <dgm:pt modelId="{3307CEBB-EE82-4AE2-8378-043D4E8EA57D}" type="pres">
-      <dgm:prSet presAssocID="{71D6D0A1-81C5-45D3-8FBC-300F1F4CEA01}" presName="hierRoot2" presStyleCnt="0">
-        <dgm:presLayoutVars>
-          <dgm:hierBranch val="init"/>
-        </dgm:presLayoutVars>
-      </dgm:prSet>
-      <dgm:spPr/>
-    </dgm:pt>
-    <dgm:pt modelId="{B760FC2C-236D-45E3-A18F-91F4EDDDE2EF}" type="pres">
-      <dgm:prSet presAssocID="{71D6D0A1-81C5-45D3-8FBC-300F1F4CEA01}" presName="rootComposite" presStyleCnt="0"/>
-      <dgm:spPr/>
-    </dgm:pt>
-    <dgm:pt modelId="{861FED17-5E93-4AE4-B5B4-67D88FFBC64A}" type="pres">
-      <dgm:prSet presAssocID="{71D6D0A1-81C5-45D3-8FBC-300F1F4CEA01}" presName="rootText" presStyleLbl="node4" presStyleIdx="10" presStyleCnt="13">
-        <dgm:presLayoutVars>
-          <dgm:chPref val="3"/>
-        </dgm:presLayoutVars>
-      </dgm:prSet>
-      <dgm:spPr/>
-    </dgm:pt>
-    <dgm:pt modelId="{43226B7B-C1AF-42CD-897D-C7B2E3CDA561}" type="pres">
-      <dgm:prSet presAssocID="{71D6D0A1-81C5-45D3-8FBC-300F1F4CEA01}" presName="rootConnector" presStyleLbl="node4" presStyleIdx="10" presStyleCnt="13"/>
-      <dgm:spPr/>
-    </dgm:pt>
-    <dgm:pt modelId="{1D65BAAA-611A-4FD5-BA8E-4B2D4496A042}" type="pres">
-      <dgm:prSet presAssocID="{71D6D0A1-81C5-45D3-8FBC-300F1F4CEA01}" presName="hierChild4" presStyleCnt="0"/>
-      <dgm:spPr/>
-    </dgm:pt>
-    <dgm:pt modelId="{F76F48E1-4CB4-42D8-BBED-4EB33922EDF2}" type="pres">
-      <dgm:prSet presAssocID="{71D6D0A1-81C5-45D3-8FBC-300F1F4CEA01}" presName="hierChild5" presStyleCnt="0"/>
-      <dgm:spPr/>
-    </dgm:pt>
-    <dgm:pt modelId="{0E3FBF84-F33A-4648-9189-70088AC1F95E}" type="pres">
-      <dgm:prSet presAssocID="{1F5586FA-4CEC-4850-9A4D-CE06CB20FB65}" presName="hierChild5" presStyleCnt="0"/>
-      <dgm:spPr/>
-    </dgm:pt>
-    <dgm:pt modelId="{E96ACCEF-38BD-475B-BEAB-5FE2DEC7EBE0}" type="pres">
-      <dgm:prSet presAssocID="{99C6560C-569D-400E-849E-EA35AD4EFE5D}" presName="hierChild5" presStyleCnt="0"/>
-      <dgm:spPr/>
-    </dgm:pt>
-    <dgm:pt modelId="{E0E37A08-A75C-4510-9B90-CABD0C162975}" type="pres">
-      <dgm:prSet presAssocID="{97DED03D-5498-4BBE-BCD0-D081C7DCAD80}" presName="Name37" presStyleLbl="parChTrans1D4" presStyleIdx="11" presStyleCnt="13"/>
-      <dgm:spPr/>
-    </dgm:pt>
-    <dgm:pt modelId="{EDBD6635-AEAE-4D9D-B908-16B8178E1321}" type="pres">
-      <dgm:prSet presAssocID="{8B1CC276-0CA0-41F8-BC47-40C8547055F5}" presName="hierRoot2" presStyleCnt="0">
-        <dgm:presLayoutVars>
-          <dgm:hierBranch val="init"/>
-        </dgm:presLayoutVars>
-      </dgm:prSet>
-      <dgm:spPr/>
-    </dgm:pt>
-    <dgm:pt modelId="{7C6E8777-7B1B-42AC-93BC-ADF001DFACBC}" type="pres">
-      <dgm:prSet presAssocID="{8B1CC276-0CA0-41F8-BC47-40C8547055F5}" presName="rootComposite" presStyleCnt="0"/>
-      <dgm:spPr/>
-    </dgm:pt>
-    <dgm:pt modelId="{23CB4CB8-9227-4A27-B532-40F3A1FDF5EF}" type="pres">
-      <dgm:prSet presAssocID="{8B1CC276-0CA0-41F8-BC47-40C8547055F5}" presName="rootText" presStyleLbl="node4" presStyleIdx="11" presStyleCnt="13">
-        <dgm:presLayoutVars>
-          <dgm:chPref val="3"/>
-        </dgm:presLayoutVars>
-      </dgm:prSet>
-      <dgm:spPr/>
-    </dgm:pt>
-    <dgm:pt modelId="{7EE54A9A-35CC-452C-8FEF-E25F3E4DD2EB}" type="pres">
-      <dgm:prSet presAssocID="{8B1CC276-0CA0-41F8-BC47-40C8547055F5}" presName="rootConnector" presStyleLbl="node4" presStyleIdx="11" presStyleCnt="13"/>
-      <dgm:spPr/>
-    </dgm:pt>
-    <dgm:pt modelId="{0DD173E1-AC3C-467D-83CE-C2D2FDB005BF}" type="pres">
-      <dgm:prSet presAssocID="{8B1CC276-0CA0-41F8-BC47-40C8547055F5}" presName="hierChild4" presStyleCnt="0"/>
-      <dgm:spPr/>
-    </dgm:pt>
-    <dgm:pt modelId="{CFB22203-1624-41C2-80EE-60C09F8F27F3}" type="pres">
-      <dgm:prSet presAssocID="{59641EA4-E932-4447-B4C2-19EE51621A81}" presName="Name37" presStyleLbl="parChTrans1D4" presStyleIdx="12" presStyleCnt="13"/>
-      <dgm:spPr/>
-    </dgm:pt>
-    <dgm:pt modelId="{6C4F6DEC-83C4-4267-A95C-7A1EB564A3E0}" type="pres">
-      <dgm:prSet presAssocID="{FBE99ED4-9CC1-4507-8CA4-CBB46E18D97E}" presName="hierRoot2" presStyleCnt="0">
-        <dgm:presLayoutVars>
-          <dgm:hierBranch val="init"/>
-        </dgm:presLayoutVars>
-      </dgm:prSet>
-      <dgm:spPr/>
-    </dgm:pt>
-    <dgm:pt modelId="{9E82BC7B-24F2-40C6-B211-D4223CA982E0}" type="pres">
-      <dgm:prSet presAssocID="{FBE99ED4-9CC1-4507-8CA4-CBB46E18D97E}" presName="rootComposite" presStyleCnt="0"/>
-      <dgm:spPr/>
-    </dgm:pt>
-    <dgm:pt modelId="{2F1D11EE-E9F2-4845-BDC9-770076CD92CE}" type="pres">
-      <dgm:prSet presAssocID="{FBE99ED4-9CC1-4507-8CA4-CBB46E18D97E}" presName="rootText" presStyleLbl="node4" presStyleIdx="12" presStyleCnt="13">
-        <dgm:presLayoutVars>
-          <dgm:chPref val="3"/>
-        </dgm:presLayoutVars>
-      </dgm:prSet>
-      <dgm:spPr/>
-    </dgm:pt>
-    <dgm:pt modelId="{C52A3CFA-2E96-4FEA-8542-43B58A2C6DCF}" type="pres">
-      <dgm:prSet presAssocID="{FBE99ED4-9CC1-4507-8CA4-CBB46E18D97E}" presName="rootConnector" presStyleLbl="node4" presStyleIdx="12" presStyleCnt="13"/>
-      <dgm:spPr/>
-    </dgm:pt>
-    <dgm:pt modelId="{86D0E6BF-30C2-4FA9-AD11-D550041F41DA}" type="pres">
-      <dgm:prSet presAssocID="{FBE99ED4-9CC1-4507-8CA4-CBB46E18D97E}" presName="hierChild4" presStyleCnt="0"/>
-      <dgm:spPr/>
-    </dgm:pt>
-    <dgm:pt modelId="{D44C1A40-8E0A-4CFC-874D-1CDB7B666BDD}" type="pres">
-      <dgm:prSet presAssocID="{FBE99ED4-9CC1-4507-8CA4-CBB46E18D97E}" presName="hierChild5" presStyleCnt="0"/>
-      <dgm:spPr/>
-    </dgm:pt>
-    <dgm:pt modelId="{982353E0-7D4B-4DCF-B1AD-FE42D4AEE305}" type="pres">
-      <dgm:prSet presAssocID="{8B1CC276-0CA0-41F8-BC47-40C8547055F5}" presName="hierChild5" presStyleCnt="0"/>
-      <dgm:spPr/>
-    </dgm:pt>
-    <dgm:pt modelId="{9D8D2243-42E8-4D4F-BD9F-9180AD96AC79}" type="pres">
-      <dgm:prSet presAssocID="{1F3B55E4-34E6-452B-A71A-B803BEBB9222}" presName="hierChild5" presStyleCnt="0"/>
-      <dgm:spPr/>
-    </dgm:pt>
-    <dgm:pt modelId="{1CAB803C-3BAC-4773-B262-361F9804D365}" type="pres">
-      <dgm:prSet presAssocID="{C4A20B65-2108-4C99-A733-38A767A0E02F}" presName="hierChild5" presStyleCnt="0"/>
+    <dgm:pt modelId="{BD164ACE-E36C-4381-96FB-A08C3BEE8940}" type="pres">
+      <dgm:prSet presAssocID="{43CC749B-5B3B-4748-A730-DA77AC526422}" presName="rootConnector" presStyleLbl="node4" presStyleIdx="9" presStyleCnt="10"/>
+      <dgm:spPr/>
+    </dgm:pt>
+    <dgm:pt modelId="{B7D0196A-F162-4DCB-9904-24B0FB015FED}" type="pres">
+      <dgm:prSet presAssocID="{43CC749B-5B3B-4748-A730-DA77AC526422}" presName="hierChild4" presStyleCnt="0"/>
+      <dgm:spPr/>
+    </dgm:pt>
+    <dgm:pt modelId="{98B7491E-7882-4A68-A542-EFBC9370AC39}" type="pres">
+      <dgm:prSet presAssocID="{43CC749B-5B3B-4748-A730-DA77AC526422}" presName="hierChild5" presStyleCnt="0"/>
+      <dgm:spPr/>
+    </dgm:pt>
+    <dgm:pt modelId="{7D55EDDC-684E-4F2E-BE6B-524793EC4FDA}" type="pres">
+      <dgm:prSet presAssocID="{16B53008-776F-4666-9D42-8F9077005122}" presName="hierChild5" presStyleCnt="0"/>
       <dgm:spPr/>
     </dgm:pt>
     <dgm:pt modelId="{99406BFF-7CAA-41D2-8E08-F35C8AC4B0BC}" type="pres">
@@ -2212,77 +2042,69 @@
   </dgm:ptLst>
   <dgm:cxnLst>
     <dgm:cxn modelId="{E2968E01-B992-4CFC-A92C-85C6817DE6FE}" srcId="{1343A6B9-01FC-4591-907F-9EEFF8774395}" destId="{7D2122C0-F34A-420C-9015-8C17BA0C9EA3}" srcOrd="0" destOrd="0" parTransId="{B393D70D-2EE5-4DCC-9E7E-84DF01A8365F}" sibTransId="{7D0B5DD3-D785-45D2-875D-383508B476B8}"/>
-    <dgm:cxn modelId="{68DC0E06-C182-418C-BED1-0B076C4CDF73}" srcId="{8B1CC276-0CA0-41F8-BC47-40C8547055F5}" destId="{FBE99ED4-9CC1-4507-8CA4-CBB46E18D97E}" srcOrd="0" destOrd="0" parTransId="{59641EA4-E932-4447-B4C2-19EE51621A81}" sibTransId="{A75B47B5-B46F-4A67-9766-1ECF8B6E1956}"/>
+    <dgm:cxn modelId="{7F403304-5EC6-48F0-BA5D-10F65CA90898}" type="presOf" srcId="{D1FAA56F-62CD-4784-B931-B87626A0EC0B}" destId="{A5919072-AE1F-49F8-996A-2B9FBB587D56}" srcOrd="0" destOrd="0" presId="urn:microsoft.com/office/officeart/2005/8/layout/orgChart1"/>
     <dgm:cxn modelId="{3799FE09-B289-4468-ADEF-6979B9857B03}" type="presOf" srcId="{E7A10EBF-00B4-4E9A-85EF-FFD128B2DAE0}" destId="{C7C37C75-4514-4E41-8F4D-DF54B5E33A8F}" srcOrd="1" destOrd="0" presId="urn:microsoft.com/office/officeart/2005/8/layout/orgChart1"/>
-    <dgm:cxn modelId="{1BE8B40E-C1C4-4FED-AD39-A24E4F2534A2}" type="presOf" srcId="{AA468213-CE97-4CEC-8CE7-C904923C4679}" destId="{455C182A-8D6A-46C6-9243-F77429BDA369}" srcOrd="0" destOrd="0" presId="urn:microsoft.com/office/officeart/2005/8/layout/orgChart1"/>
+    <dgm:cxn modelId="{3C4E180C-929E-4CB9-8BC5-AE707812EA29}" type="presOf" srcId="{B6252F84-1CC7-475E-98CB-7C43F315DE7D}" destId="{25EC2F05-FF3E-4207-AC36-7723AD5C9645}" srcOrd="1" destOrd="0" presId="urn:microsoft.com/office/officeart/2005/8/layout/orgChart1"/>
+    <dgm:cxn modelId="{055B9D12-F578-469C-897D-5192FE2E987D}" type="presOf" srcId="{4572F3FD-DBDC-4E1F-BEDF-1CEF68E79A6E}" destId="{D8B5B653-1584-4CD9-9C8D-C0D4B62CB154}" srcOrd="0" destOrd="0" presId="urn:microsoft.com/office/officeart/2005/8/layout/orgChart1"/>
+    <dgm:cxn modelId="{CB279815-C590-48E9-A00C-B610DAF1FD16}" type="presOf" srcId="{B6252F84-1CC7-475E-98CB-7C43F315DE7D}" destId="{43E097B7-4998-4017-807E-9781AEB1ADE1}" srcOrd="0" destOrd="0" presId="urn:microsoft.com/office/officeart/2005/8/layout/orgChart1"/>
     <dgm:cxn modelId="{15FC2717-6261-4206-A8C4-D2B9E298C1E5}" type="presOf" srcId="{E7A10EBF-00B4-4E9A-85EF-FFD128B2DAE0}" destId="{84C160B6-AA5D-4A25-9DAD-BB36F653B8C0}" srcOrd="0" destOrd="0" presId="urn:microsoft.com/office/officeart/2005/8/layout/orgChart1"/>
-    <dgm:cxn modelId="{62F5CF1B-6540-4FA8-A93F-CD48A1DDF1E8}" type="presOf" srcId="{8B1CC276-0CA0-41F8-BC47-40C8547055F5}" destId="{7EE54A9A-35CC-452C-8FEF-E25F3E4DD2EB}" srcOrd="1" destOrd="0" presId="urn:microsoft.com/office/officeart/2005/8/layout/orgChart1"/>
-    <dgm:cxn modelId="{BD781521-2B2C-4840-BFB5-F467F7C36FE5}" type="presOf" srcId="{511C9332-C293-417E-997C-7A309DE92140}" destId="{1911774A-1E26-4D7C-9F3A-74679FDB6D33}" srcOrd="0" destOrd="0" presId="urn:microsoft.com/office/officeart/2005/8/layout/orgChart1"/>
-    <dgm:cxn modelId="{7F0B8723-E95D-4782-9A61-63341AD96CD9}" type="presOf" srcId="{C4A20B65-2108-4C99-A733-38A767A0E02F}" destId="{2C25357B-F076-4877-A513-D88A84174C65}" srcOrd="1" destOrd="0" presId="urn:microsoft.com/office/officeart/2005/8/layout/orgChart1"/>
-    <dgm:cxn modelId="{D6716728-FC89-48A5-8C0C-9BAABFA89ED8}" type="presOf" srcId="{99C6560C-569D-400E-849E-EA35AD4EFE5D}" destId="{5E8E34D4-4F0D-4292-8A2D-EB5DEC3C53E2}" srcOrd="0" destOrd="0" presId="urn:microsoft.com/office/officeart/2005/8/layout/orgChart1"/>
-    <dgm:cxn modelId="{3F75A82B-CBB6-4B8E-88BF-B5A53DC90878}" type="presOf" srcId="{1F3B55E4-34E6-452B-A71A-B803BEBB9222}" destId="{65EB0A20-4CF3-4927-8B4B-D1FB13FE66F7}" srcOrd="0" destOrd="0" presId="urn:microsoft.com/office/officeart/2005/8/layout/orgChart1"/>
-    <dgm:cxn modelId="{978FD12C-FC18-4D02-A5FB-31EF2B6CFBA1}" type="presOf" srcId="{62288175-048B-4A00-9F17-2B975BD47233}" destId="{9F802152-AC1A-4BEA-A12D-85442ED05E9F}" srcOrd="0" destOrd="0" presId="urn:microsoft.com/office/officeart/2005/8/layout/orgChart1"/>
-    <dgm:cxn modelId="{A009E02C-9306-4CF9-AB92-D1CB98A37B7F}" type="presOf" srcId="{FD6F1BD7-834E-445C-80DF-F9BB26C3BB62}" destId="{407B5F66-FFA7-4AFD-B339-2FB016021563}" srcOrd="0" destOrd="0" presId="urn:microsoft.com/office/officeart/2005/8/layout/orgChart1"/>
+    <dgm:cxn modelId="{694A3C19-F5E2-40BD-A480-B83521E59DAC}" type="presOf" srcId="{80ED105D-996C-42CA-BDAD-067244A46B17}" destId="{CF23B885-1BB5-4ED1-9525-206B9431E706}" srcOrd="0" destOrd="0" presId="urn:microsoft.com/office/officeart/2005/8/layout/orgChart1"/>
+    <dgm:cxn modelId="{E8401121-63CC-47F6-B81D-1382FEF1EF59}" type="presOf" srcId="{4172D4BE-4053-418D-BCC2-7D5B4EE98602}" destId="{E3548D1C-63EE-4398-BF42-8FE962018216}" srcOrd="1" destOrd="0" presId="urn:microsoft.com/office/officeart/2005/8/layout/orgChart1"/>
+    <dgm:cxn modelId="{9E0D3B28-EF0F-4778-9CB4-DED0C5052124}" srcId="{F1F6DF4C-6D29-4328-B0B8-C1EA6850692D}" destId="{4172D4BE-4053-418D-BCC2-7D5B4EE98602}" srcOrd="1" destOrd="0" parTransId="{CA99D792-6EF7-4930-B4EC-4A7DE18C901A}" sibTransId="{A74D2285-0965-416E-BB53-D291CB7B505D}"/>
+    <dgm:cxn modelId="{B3FDD129-D344-4DB3-BF36-5AF98CEEA076}" type="presOf" srcId="{EA47F3EA-983C-46CE-B1F3-B64CCF04173C}" destId="{E1976F75-64DD-4021-B198-FBED1E3F73F3}" srcOrd="0" destOrd="0" presId="urn:microsoft.com/office/officeart/2005/8/layout/orgChart1"/>
+    <dgm:cxn modelId="{1382FC2C-04D5-4A7E-B7CA-EBC99DB548C6}" type="presOf" srcId="{D1FAA56F-62CD-4784-B931-B87626A0EC0B}" destId="{FE4389C3-5F90-40EA-B234-8C368FCCD021}" srcOrd="1" destOrd="0" presId="urn:microsoft.com/office/officeart/2005/8/layout/orgChart1"/>
+    <dgm:cxn modelId="{E863832D-CAF0-4F24-9576-8B329A08B201}" type="presOf" srcId="{8EF29512-05DB-4BA1-B142-E93751EF124A}" destId="{8AB78919-0FB9-49CE-A041-27BD7CBCD6A6}" srcOrd="0" destOrd="0" presId="urn:microsoft.com/office/officeart/2005/8/layout/orgChart1"/>
     <dgm:cxn modelId="{B3570630-DA46-4951-B553-A8E3C1B31A91}" srcId="{E7A10EBF-00B4-4E9A-85EF-FFD128B2DAE0}" destId="{A3E95BB8-A449-4F12-B8AA-50DB064679A6}" srcOrd="1" destOrd="0" parTransId="{CD70930E-35A5-4AE4-B22B-E2A775BA2DDA}" sibTransId="{69B2E580-2383-4B93-B7C1-7F4DE4C1642D}"/>
-    <dgm:cxn modelId="{8AC7AA30-FE8C-44CB-BAD4-AD8794275BEF}" srcId="{FD6F1BD7-834E-445C-80DF-F9BB26C3BB62}" destId="{25E6737A-D8AD-483A-9BDA-5F64D7A26F19}" srcOrd="0" destOrd="0" parTransId="{753C2444-DDAC-468C-9A71-2AFA2BCDC701}" sibTransId="{B738C416-47E0-4352-B160-AD3013E52EAA}"/>
+    <dgm:cxn modelId="{8E4B9E30-29D7-4B08-9E08-42A0E2C6A0AB}" type="presOf" srcId="{AE2BE0BD-779C-409F-9E8D-6F0EF03D1552}" destId="{F2025884-82D7-4D8F-9824-2629A1B20E73}" srcOrd="0" destOrd="0" presId="urn:microsoft.com/office/officeart/2005/8/layout/orgChart1"/>
     <dgm:cxn modelId="{A1E2D430-49B2-46D6-8101-6E1B08580A73}" srcId="{E7A10EBF-00B4-4E9A-85EF-FFD128B2DAE0}" destId="{6ABE23C7-FA02-4B3F-8D62-E421EC0272AF}" srcOrd="0" destOrd="0" parTransId="{71224DBD-D3B1-42E5-A2F0-B5B1F5291E0D}" sibTransId="{4E772FFE-83F3-4A7E-BA20-E091600CC110}"/>
     <dgm:cxn modelId="{B370CC33-FD42-4CB0-A88F-10C3604ED5BE}" type="presOf" srcId="{B393D70D-2EE5-4DCC-9E7E-84DF01A8365F}" destId="{C3FE9DD4-C831-4A83-B71E-15D055981E76}" srcOrd="0" destOrd="0" presId="urn:microsoft.com/office/officeart/2005/8/layout/orgChart1"/>
     <dgm:cxn modelId="{42506034-233D-4675-9DB6-CD61A110B9E2}" type="presOf" srcId="{0DB3151D-268A-475D-8B3A-43A830898C87}" destId="{80005CA9-2F90-47EB-B018-750536D077C6}" srcOrd="0" destOrd="0" presId="urn:microsoft.com/office/officeart/2005/8/layout/orgChart1"/>
     <dgm:cxn modelId="{2D07CB36-6390-4A89-A602-28B4F3993E3D}" type="presOf" srcId="{0FF002DC-EFE1-4CE4-BF69-3767123F346E}" destId="{499D8FDA-CF6D-4D9D-B383-483AD1CDEFBC}" srcOrd="0" destOrd="0" presId="urn:microsoft.com/office/officeart/2005/8/layout/orgChart1"/>
-    <dgm:cxn modelId="{B739803C-67AA-4F62-BBA7-52C3ECFDBC4B}" srcId="{C4A20B65-2108-4C99-A733-38A767A0E02F}" destId="{1F3B55E4-34E6-452B-A71A-B803BEBB9222}" srcOrd="1" destOrd="0" parTransId="{034D6A4C-47F6-40CA-97F7-2C6098FD312E}" sibTransId="{049E826A-B7E6-4E88-9339-9572D659BDA6}"/>
-    <dgm:cxn modelId="{BBFBCD3C-9B73-420E-A2E5-DE93DE20EDBD}" type="presOf" srcId="{32687CC5-7F4B-43B0-842A-6A7FB3367F3E}" destId="{E4EE0D83-E1DE-48FF-AD11-1048FA90F29E}" srcOrd="0" destOrd="0" presId="urn:microsoft.com/office/officeart/2005/8/layout/orgChart1"/>
-    <dgm:cxn modelId="{AAD55C60-8F78-4986-B2D8-67EC15155438}" type="presOf" srcId="{267CFB1A-B908-4CA5-BC8B-51D73A5F41F7}" destId="{34816BA9-AD59-4A5F-89B3-982FE4348B55}" srcOrd="0" destOrd="0" presId="urn:microsoft.com/office/officeart/2005/8/layout/orgChart1"/>
-    <dgm:cxn modelId="{B4C3DE65-113D-46BC-8F1B-E6370625C94B}" srcId="{1F3B55E4-34E6-452B-A71A-B803BEBB9222}" destId="{8B1CC276-0CA0-41F8-BC47-40C8547055F5}" srcOrd="1" destOrd="0" parTransId="{97DED03D-5498-4BBE-BCD0-D081C7DCAD80}" sibTransId="{88844DA0-92AB-44C3-9D9B-ADF454BD35F1}"/>
-    <dgm:cxn modelId="{FD5C8767-84CC-4B3C-A3F5-8BD01D44093A}" type="presOf" srcId="{AE2BE0BD-779C-409F-9E8D-6F0EF03D1552}" destId="{F2025884-82D7-4D8F-9824-2629A1B20E73}" srcOrd="0" destOrd="0" presId="urn:microsoft.com/office/officeart/2005/8/layout/orgChart1"/>
-    <dgm:cxn modelId="{CAAB834D-86B7-4DCD-BCC6-3A959643783F}" type="presOf" srcId="{FD6F1BD7-834E-445C-80DF-F9BB26C3BB62}" destId="{2B6360EB-924A-4C92-A09F-EC38E6278C8E}" srcOrd="1" destOrd="0" presId="urn:microsoft.com/office/officeart/2005/8/layout/orgChart1"/>
-    <dgm:cxn modelId="{C5659F6D-A592-406B-B74B-141226A0261F}" type="presOf" srcId="{64D7CF83-9CEA-42A3-89B1-B9172ECCA2D8}" destId="{F836E019-FDBF-40AB-9578-55A8D146CA3D}" srcOrd="0" destOrd="0" presId="urn:microsoft.com/office/officeart/2005/8/layout/orgChart1"/>
+    <dgm:cxn modelId="{B739803C-67AA-4F62-BBA7-52C3ECFDBC4B}" srcId="{AE2BE0BD-779C-409F-9E8D-6F0EF03D1552}" destId="{1F3B55E4-34E6-452B-A71A-B803BEBB9222}" srcOrd="0" destOrd="0" parTransId="{034D6A4C-47F6-40CA-97F7-2C6098FD312E}" sibTransId="{049E826A-B7E6-4E88-9339-9572D659BDA6}"/>
+    <dgm:cxn modelId="{36A7A73C-C3F5-4174-8315-EDFFBC0659C7}" type="presOf" srcId="{78B2F0B2-6D20-4432-BDDA-DEB06463CB75}" destId="{4761B6CB-2BF3-451C-8C72-14AA2DEA908D}" srcOrd="0" destOrd="0" presId="urn:microsoft.com/office/officeart/2005/8/layout/orgChart1"/>
+    <dgm:cxn modelId="{228F343F-0423-4F39-894C-231C3AE62780}" srcId="{16B53008-776F-4666-9D42-8F9077005122}" destId="{43CC749B-5B3B-4748-A730-DA77AC526422}" srcOrd="0" destOrd="0" parTransId="{5A36C67E-DD9D-49BA-B8BE-4D254A9D99D4}" sibTransId="{269F1FA8-B6DE-4527-BA54-5D624B265F6F}"/>
+    <dgm:cxn modelId="{72781B5E-75B1-47B1-AD1B-BE77977F8BE7}" type="presOf" srcId="{D3DB27A4-B567-43AF-BF05-F253EB5173C1}" destId="{8A24EE5A-EDF9-4459-A344-1529D1EB8D7F}" srcOrd="0" destOrd="0" presId="urn:microsoft.com/office/officeart/2005/8/layout/orgChart1"/>
+    <dgm:cxn modelId="{BB145A63-B869-4AE2-9472-6F30BAD7C6C6}" type="presOf" srcId="{1F3B55E4-34E6-452B-A71A-B803BEBB9222}" destId="{65EB0A20-4CF3-4927-8B4B-D1FB13FE66F7}" srcOrd="0" destOrd="0" presId="urn:microsoft.com/office/officeart/2005/8/layout/orgChart1"/>
+    <dgm:cxn modelId="{9DDAF265-E299-4DDB-905B-D3E93039D437}" type="presOf" srcId="{AA468213-CE97-4CEC-8CE7-C904923C4679}" destId="{455C182A-8D6A-46C6-9243-F77429BDA369}" srcOrd="0" destOrd="0" presId="urn:microsoft.com/office/officeart/2005/8/layout/orgChart1"/>
+    <dgm:cxn modelId="{8C801766-D023-4C31-AB56-2E74AE4F3583}" type="presOf" srcId="{8EF29512-05DB-4BA1-B142-E93751EF124A}" destId="{177B0BD3-7FCD-4040-894D-8C4D31F1464E}" srcOrd="1" destOrd="0" presId="urn:microsoft.com/office/officeart/2005/8/layout/orgChart1"/>
+    <dgm:cxn modelId="{866FEB69-8725-48A8-9599-9D68683CF929}" type="presOf" srcId="{4172D4BE-4053-418D-BCC2-7D5B4EE98602}" destId="{636118FD-B00B-4BC7-B38C-A59A8CA7378D}" srcOrd="0" destOrd="0" presId="urn:microsoft.com/office/officeart/2005/8/layout/orgChart1"/>
     <dgm:cxn modelId="{2F42F56E-20E3-4634-919A-80EEA68B3A62}" type="presOf" srcId="{1343A6B9-01FC-4591-907F-9EEFF8774395}" destId="{871162A3-40A0-4828-BBD3-D7C52F920723}" srcOrd="0" destOrd="0" presId="urn:microsoft.com/office/officeart/2005/8/layout/orgChart1"/>
-    <dgm:cxn modelId="{50B8CE71-F3DE-438A-B78C-7F50591B050D}" type="presOf" srcId="{FBE99ED4-9CC1-4507-8CA4-CBB46E18D97E}" destId="{C52A3CFA-2E96-4FEA-8542-43B58A2C6DCF}" srcOrd="1" destOrd="0" presId="urn:microsoft.com/office/officeart/2005/8/layout/orgChart1"/>
-    <dgm:cxn modelId="{F327AB72-1819-43DB-A0F6-9F4F3554D034}" type="presOf" srcId="{25E6737A-D8AD-483A-9BDA-5F64D7A26F19}" destId="{B667C004-3C9E-47A5-AE9B-0DFDF1D16831}" srcOrd="1" destOrd="0" presId="urn:microsoft.com/office/officeart/2005/8/layout/orgChart1"/>
-    <dgm:cxn modelId="{3BE80273-A989-4F47-A5B4-227A4C2CBE76}" type="presOf" srcId="{8B1CC276-0CA0-41F8-BC47-40C8547055F5}" destId="{23CB4CB8-9227-4A27-B532-40F3A1FDF5EF}" srcOrd="0" destOrd="0" presId="urn:microsoft.com/office/officeart/2005/8/layout/orgChart1"/>
-    <dgm:cxn modelId="{16B5D553-3232-48B6-B528-179610AB7902}" type="presOf" srcId="{83D13B1F-BFBB-4CC8-A774-8023BEAEA0FF}" destId="{160EDF9D-48C0-4E5D-9A4B-7E36F44B1CB8}" srcOrd="1" destOrd="0" presId="urn:microsoft.com/office/officeart/2005/8/layout/orgChart1"/>
-    <dgm:cxn modelId="{A9090575-227E-4E13-8DEA-871506C651DC}" type="presOf" srcId="{59641EA4-E932-4447-B4C2-19EE51621A81}" destId="{CFB22203-1624-41C2-80EE-60C09F8F27F3}" srcOrd="0" destOrd="0" presId="urn:microsoft.com/office/officeart/2005/8/layout/orgChart1"/>
-    <dgm:cxn modelId="{82F03D55-BD80-49DF-894A-5562820DF32C}" type="presOf" srcId="{99C6560C-569D-400E-849E-EA35AD4EFE5D}" destId="{16A98B6F-5FE0-40E1-967B-E0D7E5A3A77B}" srcOrd="1" destOrd="0" presId="urn:microsoft.com/office/officeart/2005/8/layout/orgChart1"/>
     <dgm:cxn modelId="{3B1FF875-592F-4F87-87DC-F323E9EDF71D}" type="presOf" srcId="{7D2122C0-F34A-420C-9015-8C17BA0C9EA3}" destId="{1108605C-18EA-49D5-91BE-6655E739C163}" srcOrd="0" destOrd="0" presId="urn:microsoft.com/office/officeart/2005/8/layout/orgChart1"/>
-    <dgm:cxn modelId="{8D31BA7C-E2B5-41A5-B7CD-9761A5C9C985}" type="presOf" srcId="{25E6737A-D8AD-483A-9BDA-5F64D7A26F19}" destId="{7E3FCFE3-CB0B-4776-BDCB-E1BC4DB5BA01}" srcOrd="0" destOrd="0" presId="urn:microsoft.com/office/officeart/2005/8/layout/orgChart1"/>
-    <dgm:cxn modelId="{ABF45C7D-011C-4424-B3E5-881483CD0615}" type="presOf" srcId="{97DED03D-5498-4BBE-BCD0-D081C7DCAD80}" destId="{E0E37A08-A75C-4510-9B90-CABD0C162975}" srcOrd="0" destOrd="0" presId="urn:microsoft.com/office/officeart/2005/8/layout/orgChart1"/>
-    <dgm:cxn modelId="{E7A4B57E-0AE6-453B-8456-EC21579F40A4}" srcId="{F1F6DF4C-6D29-4328-B0B8-C1EA6850692D}" destId="{83D13B1F-BFBB-4CC8-A774-8023BEAEA0FF}" srcOrd="0" destOrd="0" parTransId="{15E94598-FA02-46CB-A8E2-A7D46CFB4AC7}" sibTransId="{8B060C76-33BB-408A-BC19-443A10EC46B2}"/>
     <dgm:cxn modelId="{07FF8084-A013-4F71-8E90-F7B861C0BA0E}" type="presOf" srcId="{CD70930E-35A5-4AE4-B22B-E2A775BA2DDA}" destId="{4393FF1D-8E49-4AF6-9B7E-D97D60878AB9}" srcOrd="0" destOrd="0" presId="urn:microsoft.com/office/officeart/2005/8/layout/orgChart1"/>
     <dgm:cxn modelId="{5E5C7D88-D955-4387-BAF3-6BB2B6E7B0A0}" type="presOf" srcId="{F1F6DF4C-6D29-4328-B0B8-C1EA6850692D}" destId="{781CF4FD-B391-4C92-88AB-138993AFCDB8}" srcOrd="0" destOrd="0" presId="urn:microsoft.com/office/officeart/2005/8/layout/orgChart1"/>
     <dgm:cxn modelId="{5883EB8A-0929-4EA6-95DE-95308D1CBB17}" type="presOf" srcId="{3A3C03BC-CBDC-4C92-8540-76D7F8E959B1}" destId="{824D806C-0739-40FA-AD9E-B8DACA1701CA}" srcOrd="0" destOrd="0" presId="urn:microsoft.com/office/officeart/2005/8/layout/orgChart1"/>
     <dgm:cxn modelId="{7C9F1B8E-E036-4D03-9096-881BCF31766B}" type="presOf" srcId="{A3E95BB8-A449-4F12-B8AA-50DB064679A6}" destId="{DCC4FECE-0530-4899-B802-8BB804A750A7}" srcOrd="0" destOrd="0" presId="urn:microsoft.com/office/officeart/2005/8/layout/orgChart1"/>
-    <dgm:cxn modelId="{00D14495-F62F-48E1-A9B8-24CB4D83E6E5}" type="presOf" srcId="{1F5586FA-4CEC-4850-9A4D-CE06CB20FB65}" destId="{AEC1045E-39B5-4D74-8D62-5CCB7CDCB38F}" srcOrd="0" destOrd="0" presId="urn:microsoft.com/office/officeart/2005/8/layout/orgChart1"/>
-    <dgm:cxn modelId="{9DF7CF9B-2839-481B-99BE-F59365EF6DEA}" type="presOf" srcId="{15E94598-FA02-46CB-A8E2-A7D46CFB4AC7}" destId="{15D14C8C-2CB4-4ECD-90DE-5DBFEDC3A994}" srcOrd="0" destOrd="0" presId="urn:microsoft.com/office/officeart/2005/8/layout/orgChart1"/>
+    <dgm:cxn modelId="{DF1B6E96-ADC9-4D02-BCBA-75BBFC613778}" type="presOf" srcId="{1F3B55E4-34E6-452B-A71A-B803BEBB9222}" destId="{AFF4FF67-6F45-4EBC-A232-8D6BB3714FCE}" srcOrd="1" destOrd="0" presId="urn:microsoft.com/office/officeart/2005/8/layout/orgChart1"/>
     <dgm:cxn modelId="{5EA0E9A0-F720-4A62-AFB4-1F1BD6253E1F}" type="presOf" srcId="{DE594614-04DD-413F-8CC2-AD658BC01B05}" destId="{AD914A74-EF7B-48E5-A877-1A9E46893EF1}" srcOrd="1" destOrd="0" presId="urn:microsoft.com/office/officeart/2005/8/layout/orgChart1"/>
-    <dgm:cxn modelId="{F03C17A6-8E15-4252-B7E9-416B7867DA39}" srcId="{F1F6DF4C-6D29-4328-B0B8-C1EA6850692D}" destId="{C4A20B65-2108-4C99-A733-38A767A0E02F}" srcOrd="1" destOrd="0" parTransId="{511C9332-C293-417E-997C-7A309DE92140}" sibTransId="{B01D4C06-C895-491C-BA08-9AC95F5D7898}"/>
-    <dgm:cxn modelId="{BE0225A7-AA00-477A-918F-86D070E38BFB}" type="presOf" srcId="{AE2BE0BD-779C-409F-9E8D-6F0EF03D1552}" destId="{3612867E-7588-40CE-91E3-E4C3EC700EA7}" srcOrd="1" destOrd="0" presId="urn:microsoft.com/office/officeart/2005/8/layout/orgChart1"/>
     <dgm:cxn modelId="{87E28CA8-FCCB-4515-9F2C-7A7B9708E8F2}" type="presOf" srcId="{C23BCF37-480A-40A5-B70F-1040D8EC7D29}" destId="{086C1E84-9FD4-4BA7-BC24-2A009DD2D84C}" srcOrd="0" destOrd="0" presId="urn:microsoft.com/office/officeart/2005/8/layout/orgChart1"/>
-    <dgm:cxn modelId="{83021AB1-7187-4EFE-BF78-976B2B0246DE}" type="presOf" srcId="{1F5586FA-4CEC-4850-9A4D-CE06CB20FB65}" destId="{6AECB28F-EE55-4D7F-BB16-65E53383BE28}" srcOrd="1" destOrd="0" presId="urn:microsoft.com/office/officeart/2005/8/layout/orgChart1"/>
+    <dgm:cxn modelId="{6E161AAC-39E1-4A7D-83EB-85881E6E88E0}" srcId="{6ABE23C7-FA02-4B3F-8D62-E421EC0272AF}" destId="{8EF29512-05DB-4BA1-B142-E93751EF124A}" srcOrd="0" destOrd="0" parTransId="{80ED105D-996C-42CA-BDAD-067244A46B17}" sibTransId="{21376D05-1DC9-42F5-BD7A-38F79311E051}"/>
     <dgm:cxn modelId="{73EB96B1-4FE7-47D9-AD79-492B73F7FD83}" type="presOf" srcId="{7D2122C0-F34A-420C-9015-8C17BA0C9EA3}" destId="{F455A23D-7E88-4CBC-B8B0-4BE4E14D1ED6}" srcOrd="1" destOrd="0" presId="urn:microsoft.com/office/officeart/2005/8/layout/orgChart1"/>
+    <dgm:cxn modelId="{5DE8C8B1-0082-4F6B-9045-9441EFB8EE98}" srcId="{F1F6DF4C-6D29-4328-B0B8-C1EA6850692D}" destId="{16B53008-776F-4666-9D42-8F9077005122}" srcOrd="2" destOrd="0" parTransId="{D3DB27A4-B567-43AF-BF05-F253EB5173C1}" sibTransId="{59CB4888-C81F-42F4-92FA-A731D6F2D7F4}"/>
+    <dgm:cxn modelId="{B29EEFB3-DF0D-4A62-A096-E3414B43E5D3}" type="presOf" srcId="{034D6A4C-47F6-40CA-97F7-2C6098FD312E}" destId="{20F9A8DE-3004-4FA9-87C6-4095B261A6FA}" srcOrd="0" destOrd="0" presId="urn:microsoft.com/office/officeart/2005/8/layout/orgChart1"/>
     <dgm:cxn modelId="{644166B4-27EE-4821-8BB5-83974D48AE90}" type="presOf" srcId="{A3E95BB8-A449-4F12-B8AA-50DB064679A6}" destId="{6D77E5DE-74E0-4712-996A-3CAD757539F4}" srcOrd="1" destOrd="0" presId="urn:microsoft.com/office/officeart/2005/8/layout/orgChart1"/>
-    <dgm:cxn modelId="{4FE819B9-ED62-4BEF-840D-D16333A0B356}" type="presOf" srcId="{034D6A4C-47F6-40CA-97F7-2C6098FD312E}" destId="{20F9A8DE-3004-4FA9-87C6-4095B261A6FA}" srcOrd="0" destOrd="0" presId="urn:microsoft.com/office/officeart/2005/8/layout/orgChart1"/>
+    <dgm:cxn modelId="{CE6E0ABA-5762-40DC-AAA0-22EFF7705E59}" type="presOf" srcId="{AE2BE0BD-779C-409F-9E8D-6F0EF03D1552}" destId="{3612867E-7588-40CE-91E3-E4C3EC700EA7}" srcOrd="1" destOrd="0" presId="urn:microsoft.com/office/officeart/2005/8/layout/orgChart1"/>
     <dgm:cxn modelId="{DA7C2BBB-AAA8-4106-B116-8F54A78C6B70}" type="presOf" srcId="{DE594614-04DD-413F-8CC2-AD658BC01B05}" destId="{817974B7-591E-4691-8069-5F1C5B5A1F90}" srcOrd="0" destOrd="0" presId="urn:microsoft.com/office/officeart/2005/8/layout/orgChart1"/>
-    <dgm:cxn modelId="{FA6BDEBB-5592-456D-B0C3-8A39A6E97A76}" type="presOf" srcId="{FBE99ED4-9CC1-4507-8CA4-CBB46E18D97E}" destId="{2F1D11EE-E9F2-4845-BDC9-770076CD92CE}" srcOrd="0" destOrd="0" presId="urn:microsoft.com/office/officeart/2005/8/layout/orgChart1"/>
-    <dgm:cxn modelId="{B14CF1BF-0C03-4C91-A7FF-4E66D69DA02D}" type="presOf" srcId="{83D13B1F-BFBB-4CC8-A774-8023BEAEA0FF}" destId="{71C092B6-700E-4976-BF80-B043B4CCB2C7}" srcOrd="0" destOrd="0" presId="urn:microsoft.com/office/officeart/2005/8/layout/orgChart1"/>
+    <dgm:cxn modelId="{96567ABB-7BB2-4B42-9564-92930E975209}" type="presOf" srcId="{43CC749B-5B3B-4748-A730-DA77AC526422}" destId="{22FF8EED-2B44-4F74-B79A-7E547693D289}" srcOrd="0" destOrd="0" presId="urn:microsoft.com/office/officeart/2005/8/layout/orgChart1"/>
     <dgm:cxn modelId="{C307E5C2-BFA3-4E1F-AB0C-5390055280B2}" srcId="{0FF002DC-EFE1-4CE4-BF69-3767123F346E}" destId="{E7A10EBF-00B4-4E9A-85EF-FFD128B2DAE0}" srcOrd="0" destOrd="0" parTransId="{AFEF6FC7-9024-4CCE-90A3-70C313B61092}" sibTransId="{E4DC18AB-CD33-40BB-AD30-2988A2AA0EF7}"/>
     <dgm:cxn modelId="{353E76C4-9251-479A-AE15-A49C61E4ED41}" type="presOf" srcId="{6ABE23C7-FA02-4B3F-8D62-E421EC0272AF}" destId="{8D72A7DC-C7BE-423C-9053-7C6239E35B21}" srcOrd="1" destOrd="0" presId="urn:microsoft.com/office/officeart/2005/8/layout/orgChart1"/>
     <dgm:cxn modelId="{553EE9C9-436F-43A2-B774-0696D4D27E09}" type="presOf" srcId="{71224DBD-D3B1-42E5-A2F0-B5B1F5291E0D}" destId="{BF4E1269-A73B-4B96-BEB0-E796D64BB298}" srcOrd="0" destOrd="0" presId="urn:microsoft.com/office/officeart/2005/8/layout/orgChart1"/>
-    <dgm:cxn modelId="{3782ACD2-2170-4750-8B30-6FACDCF04C71}" srcId="{1F5586FA-4CEC-4850-9A4D-CE06CB20FB65}" destId="{71D6D0A1-81C5-45D3-8FBC-300F1F4CEA01}" srcOrd="0" destOrd="0" parTransId="{32687CC5-7F4B-43B0-842A-6A7FB3367F3E}" sibTransId="{BCEEA917-63B8-4DC9-96E1-DADEDE0BA24C}"/>
-    <dgm:cxn modelId="{67F4DDD4-30C1-41BA-B9AD-84036E2C46E4}" srcId="{99C6560C-569D-400E-849E-EA35AD4EFE5D}" destId="{1F5586FA-4CEC-4850-9A4D-CE06CB20FB65}" srcOrd="1" destOrd="0" parTransId="{64D7CF83-9CEA-42A3-89B1-B9172ECCA2D8}" sibTransId="{073AAA90-9D98-49AF-B473-677BAABE0F40}"/>
+    <dgm:cxn modelId="{D9CE99CB-DF08-4810-BA89-1EBB094D0AAE}" srcId="{7D2122C0-F34A-420C-9015-8C17BA0C9EA3}" destId="{43D02BDE-2A01-4317-9787-5B2913F217FA}" srcOrd="0" destOrd="0" parTransId="{78B2F0B2-6D20-4432-BDDA-DEB06463CB75}" sibTransId="{57BD8A52-76C8-4717-9614-B8EA82B5C712}"/>
+    <dgm:cxn modelId="{D39E49D4-5B6D-4C15-8470-F494D7179B00}" srcId="{DE594614-04DD-413F-8CC2-AD658BC01B05}" destId="{D1FAA56F-62CD-4784-B931-B87626A0EC0B}" srcOrd="0" destOrd="0" parTransId="{EA47F3EA-983C-46CE-B1F3-B64CCF04173C}" sibTransId="{F41DD25B-6FD0-473D-AD18-FA026B9ADD10}"/>
+    <dgm:cxn modelId="{84ED5AD8-6515-4043-8128-8F05316A4D57}" type="presOf" srcId="{43D02BDE-2A01-4317-9787-5B2913F217FA}" destId="{37FD217E-4301-4014-9BC0-67ACBBAEF78A}" srcOrd="1" destOrd="0" presId="urn:microsoft.com/office/officeart/2005/8/layout/orgChart1"/>
     <dgm:cxn modelId="{087E98D9-AD11-49C4-AC5E-B121B3EE28A3}" srcId="{A3E95BB8-A449-4F12-B8AA-50DB064679A6}" destId="{1343A6B9-01FC-4591-907F-9EEFF8774395}" srcOrd="1" destOrd="0" parTransId="{C23BCF37-480A-40A5-B70F-1040D8EC7D29}" sibTransId="{94CB7AE9-CFEE-4A8C-AA43-A641FB5B308D}"/>
+    <dgm:cxn modelId="{0C8F3ADA-6607-4088-BD88-DFED94416F19}" type="presOf" srcId="{16B53008-776F-4666-9D42-8F9077005122}" destId="{4A9B1D3F-582C-4205-9937-2DEF24D463B1}" srcOrd="0" destOrd="0" presId="urn:microsoft.com/office/officeart/2005/8/layout/orgChart1"/>
     <dgm:cxn modelId="{F1ECC7DC-6E2B-45F4-804A-1FD8388F5687}" type="presOf" srcId="{1343A6B9-01FC-4591-907F-9EEFF8774395}" destId="{274951DD-5172-420C-A01A-C05047488282}" srcOrd="1" destOrd="0" presId="urn:microsoft.com/office/officeart/2005/8/layout/orgChart1"/>
-    <dgm:cxn modelId="{1B9459DD-F356-4766-8A9D-9DF4DF097248}" type="presOf" srcId="{71D6D0A1-81C5-45D3-8FBC-300F1F4CEA01}" destId="{861FED17-5E93-4AE4-B5B4-67D88FFBC64A}" srcOrd="0" destOrd="0" presId="urn:microsoft.com/office/officeart/2005/8/layout/orgChart1"/>
-    <dgm:cxn modelId="{4454F4E2-699B-4015-86E0-4B03FDB7BA1C}" srcId="{99C6560C-569D-400E-849E-EA35AD4EFE5D}" destId="{FD6F1BD7-834E-445C-80DF-F9BB26C3BB62}" srcOrd="0" destOrd="0" parTransId="{62288175-048B-4A00-9F17-2B975BD47233}" sibTransId="{0BD62863-2088-49B8-8680-B824B87F62AB}"/>
-    <dgm:cxn modelId="{47232FE5-1569-467D-9977-F7B0FD097D7E}" type="presOf" srcId="{C4A20B65-2108-4C99-A733-38A767A0E02F}" destId="{6CAF8A63-5198-4360-99F2-205CDB4EDF60}" srcOrd="0" destOrd="0" presId="urn:microsoft.com/office/officeart/2005/8/layout/orgChart1"/>
+    <dgm:cxn modelId="{942B45DF-A924-426C-B894-C61512E34D70}" type="presOf" srcId="{43CC749B-5B3B-4748-A730-DA77AC526422}" destId="{BD164ACE-E36C-4381-96FB-A08C3BEE8940}" srcOrd="1" destOrd="0" presId="urn:microsoft.com/office/officeart/2005/8/layout/orgChart1"/>
+    <dgm:cxn modelId="{6D3F63E1-D86A-4DBA-ACB9-4B76D3DFDC6B}" type="presOf" srcId="{CA99D792-6EF7-4930-B4EC-4A7DE18C901A}" destId="{F05AD5DA-DCB6-4C34-812D-BCE504945BCE}" srcOrd="0" destOrd="0" presId="urn:microsoft.com/office/officeart/2005/8/layout/orgChart1"/>
     <dgm:cxn modelId="{B41988E6-E459-42DA-A178-44662A2AFAFF}" type="presOf" srcId="{F1F6DF4C-6D29-4328-B0B8-C1EA6850692D}" destId="{679CCD29-3AA8-48E0-925E-239F17DA77B3}" srcOrd="1" destOrd="0" presId="urn:microsoft.com/office/officeart/2005/8/layout/orgChart1"/>
-    <dgm:cxn modelId="{9E3E44E7-8BBE-480C-9D5A-C615B44E0D06}" srcId="{1F3B55E4-34E6-452B-A71A-B803BEBB9222}" destId="{99C6560C-569D-400E-849E-EA35AD4EFE5D}" srcOrd="0" destOrd="0" parTransId="{267CFB1A-B908-4CA5-BC8B-51D73A5F41F7}" sibTransId="{B2119BEA-890A-4631-9A7E-AECBB0FC7F2C}"/>
     <dgm:cxn modelId="{E50BD7EC-626D-4B13-B05F-1F0CBE0CCA5D}" type="presOf" srcId="{6ABE23C7-FA02-4B3F-8D62-E421EC0272AF}" destId="{6317E9B1-6D5A-44AF-93B9-B938173CDEBB}" srcOrd="0" destOrd="0" presId="urn:microsoft.com/office/officeart/2005/8/layout/orgChart1"/>
     <dgm:cxn modelId="{78C8D8EC-A3BC-4FF9-9539-AB474B39E4EE}" srcId="{1343A6B9-01FC-4591-907F-9EEFF8774395}" destId="{F1F6DF4C-6D29-4328-B0B8-C1EA6850692D}" srcOrd="1" destOrd="0" parTransId="{3A3C03BC-CBDC-4C92-8540-76D7F8E959B1}" sibTransId="{D0BA25FF-C989-4299-8D46-F33009BDD0EA}"/>
-    <dgm:cxn modelId="{27C24BEF-FCE6-4A6A-814F-BE87BDEDCD81}" srcId="{C4A20B65-2108-4C99-A733-38A767A0E02F}" destId="{AE2BE0BD-779C-409F-9E8D-6F0EF03D1552}" srcOrd="0" destOrd="0" parTransId="{AA468213-CE97-4CEC-8CE7-C904923C4679}" sibTransId="{2AC00FAF-D7DE-401E-A356-7983C53FDCEC}"/>
-    <dgm:cxn modelId="{554DC7EF-C647-4154-8BFF-033A38C802CE}" type="presOf" srcId="{753C2444-DDAC-468C-9A71-2AFA2BCDC701}" destId="{4DE3E7F1-FF04-41F2-B68E-4B0615D18DAD}" srcOrd="0" destOrd="0" presId="urn:microsoft.com/office/officeart/2005/8/layout/orgChart1"/>
-    <dgm:cxn modelId="{8083C6F0-AD22-4BB2-B024-3631287EC806}" type="presOf" srcId="{1F3B55E4-34E6-452B-A71A-B803BEBB9222}" destId="{AFF4FF67-6F45-4EBC-A232-8D6BB3714FCE}" srcOrd="1" destOrd="0" presId="urn:microsoft.com/office/officeart/2005/8/layout/orgChart1"/>
-    <dgm:cxn modelId="{E8BD52F1-5D8B-405C-8C08-D2DD3E47CC69}" type="presOf" srcId="{71D6D0A1-81C5-45D3-8FBC-300F1F4CEA01}" destId="{43226B7B-C1AF-42CD-897D-C7B2E3CDA561}" srcOrd="1" destOrd="0" presId="urn:microsoft.com/office/officeart/2005/8/layout/orgChart1"/>
+    <dgm:cxn modelId="{27C24BEF-FCE6-4A6A-814F-BE87BDEDCD81}" srcId="{F1F6DF4C-6D29-4328-B0B8-C1EA6850692D}" destId="{AE2BE0BD-779C-409F-9E8D-6F0EF03D1552}" srcOrd="0" destOrd="0" parTransId="{AA468213-CE97-4CEC-8CE7-C904923C4679}" sibTransId="{2AC00FAF-D7DE-401E-A356-7983C53FDCEC}"/>
+    <dgm:cxn modelId="{F37CE4F3-B232-42B5-911C-5EBD47CA211F}" srcId="{4172D4BE-4053-418D-BCC2-7D5B4EE98602}" destId="{B6252F84-1CC7-475E-98CB-7C43F315DE7D}" srcOrd="0" destOrd="0" parTransId="{4572F3FD-DBDC-4E1F-BEDF-1CEF68E79A6E}" sibTransId="{C33203F1-B9E3-4CA4-8436-1074095CBB93}"/>
     <dgm:cxn modelId="{0679E8F3-DAEF-4A3D-826A-4A1D6F97F933}" srcId="{A3E95BB8-A449-4F12-B8AA-50DB064679A6}" destId="{DE594614-04DD-413F-8CC2-AD658BC01B05}" srcOrd="0" destOrd="0" parTransId="{0DB3151D-268A-475D-8B3A-43A830898C87}" sibTransId="{CA65B2EE-1AB2-40F0-867D-F5014B680B19}"/>
+    <dgm:cxn modelId="{7DE408F4-8E55-4A16-A8BB-B305B88CAE54}" type="presOf" srcId="{16B53008-776F-4666-9D42-8F9077005122}" destId="{F9056CEC-FCCF-459F-845B-A6A033787035}" srcOrd="1" destOrd="0" presId="urn:microsoft.com/office/officeart/2005/8/layout/orgChart1"/>
+    <dgm:cxn modelId="{DF4337F5-3BEC-4B4A-920F-8AD6A34E0B95}" type="presOf" srcId="{5A36C67E-DD9D-49BA-B8BE-4D254A9D99D4}" destId="{352756FD-45B4-4CE2-B8AF-619DA3953240}" srcOrd="0" destOrd="0" presId="urn:microsoft.com/office/officeart/2005/8/layout/orgChart1"/>
+    <dgm:cxn modelId="{E7AA8AF8-3E00-4060-9B5A-E96E1F46A60C}" type="presOf" srcId="{43D02BDE-2A01-4317-9787-5B2913F217FA}" destId="{BFE20FB9-C2EA-4BAF-9000-ED08E2D4DD00}" srcOrd="0" destOrd="0" presId="urn:microsoft.com/office/officeart/2005/8/layout/orgChart1"/>
     <dgm:cxn modelId="{767D593A-60FF-4AEC-A9EC-858828282A48}" type="presParOf" srcId="{499D8FDA-CF6D-4D9D-B383-483AD1CDEFBC}" destId="{F1C11193-CFA1-4E48-9182-AC3012DC0931}" srcOrd="0" destOrd="0" presId="urn:microsoft.com/office/officeart/2005/8/layout/orgChart1"/>
     <dgm:cxn modelId="{F82FB261-0AAB-4553-8B42-900DC8EED26A}" type="presParOf" srcId="{F1C11193-CFA1-4E48-9182-AC3012DC0931}" destId="{E6298272-05C8-4A05-976F-A9B1A0B4E5DB}" srcOrd="0" destOrd="0" presId="urn:microsoft.com/office/officeart/2005/8/layout/orgChart1"/>
     <dgm:cxn modelId="{9EE6AFAB-8005-46EB-8D79-0B51952DEC82}" type="presParOf" srcId="{E6298272-05C8-4A05-976F-A9B1A0B4E5DB}" destId="{84C160B6-AA5D-4A25-9DAD-BB36F653B8C0}" srcOrd="0" destOrd="0" presId="urn:microsoft.com/office/officeart/2005/8/layout/orgChart1"/>
@@ -2294,6 +2116,13 @@
     <dgm:cxn modelId="{2C5BCD2B-70FC-4A90-94DB-465B843D6240}" type="presParOf" srcId="{102A3DB5-925D-485F-8FC5-5B267224C4CF}" destId="{6317E9B1-6D5A-44AF-93B9-B938173CDEBB}" srcOrd="0" destOrd="0" presId="urn:microsoft.com/office/officeart/2005/8/layout/orgChart1"/>
     <dgm:cxn modelId="{BE5B3A58-B393-4BF4-8C3D-E40E4096C9D4}" type="presParOf" srcId="{102A3DB5-925D-485F-8FC5-5B267224C4CF}" destId="{8D72A7DC-C7BE-423C-9053-7C6239E35B21}" srcOrd="1" destOrd="0" presId="urn:microsoft.com/office/officeart/2005/8/layout/orgChart1"/>
     <dgm:cxn modelId="{B0265AFB-C9F1-412C-A1B9-40B41BFBA01D}" type="presParOf" srcId="{FF22D08F-E50C-4EAA-8467-C5383FD59775}" destId="{1CDB202A-9F8E-4535-A490-5AECE086DF4F}" srcOrd="1" destOrd="0" presId="urn:microsoft.com/office/officeart/2005/8/layout/orgChart1"/>
+    <dgm:cxn modelId="{54441C34-12A7-4684-A1D9-E247E5510D14}" type="presParOf" srcId="{1CDB202A-9F8E-4535-A490-5AECE086DF4F}" destId="{CF23B885-1BB5-4ED1-9525-206B9431E706}" srcOrd="0" destOrd="0" presId="urn:microsoft.com/office/officeart/2005/8/layout/orgChart1"/>
+    <dgm:cxn modelId="{5A485358-61C8-4126-9197-6A9C22A97755}" type="presParOf" srcId="{1CDB202A-9F8E-4535-A490-5AECE086DF4F}" destId="{34D55464-3A23-4CF6-ADA6-A1ECDFCD0F2A}" srcOrd="1" destOrd="0" presId="urn:microsoft.com/office/officeart/2005/8/layout/orgChart1"/>
+    <dgm:cxn modelId="{7FF5E2E4-B218-45F6-8422-45E18DEC28EE}" type="presParOf" srcId="{34D55464-3A23-4CF6-ADA6-A1ECDFCD0F2A}" destId="{0A836AD3-0733-4FFC-A867-95D0F2AFE031}" srcOrd="0" destOrd="0" presId="urn:microsoft.com/office/officeart/2005/8/layout/orgChart1"/>
+    <dgm:cxn modelId="{5C3D859A-F4D4-4E52-8ACA-D2F2A897E78A}" type="presParOf" srcId="{0A836AD3-0733-4FFC-A867-95D0F2AFE031}" destId="{8AB78919-0FB9-49CE-A041-27BD7CBCD6A6}" srcOrd="0" destOrd="0" presId="urn:microsoft.com/office/officeart/2005/8/layout/orgChart1"/>
+    <dgm:cxn modelId="{E0E8A17D-49CA-4AD3-8AF2-3732F6736318}" type="presParOf" srcId="{0A836AD3-0733-4FFC-A867-95D0F2AFE031}" destId="{177B0BD3-7FCD-4040-894D-8C4D31F1464E}" srcOrd="1" destOrd="0" presId="urn:microsoft.com/office/officeart/2005/8/layout/orgChart1"/>
+    <dgm:cxn modelId="{97851DE5-C48B-4BA0-95B3-24707AE32959}" type="presParOf" srcId="{34D55464-3A23-4CF6-ADA6-A1ECDFCD0F2A}" destId="{9D9AE6F7-399F-4410-AD3B-22B01B82965F}" srcOrd="1" destOrd="0" presId="urn:microsoft.com/office/officeart/2005/8/layout/orgChart1"/>
+    <dgm:cxn modelId="{CD052B0C-70E2-4BD0-B26E-DC1BF02908BF}" type="presParOf" srcId="{34D55464-3A23-4CF6-ADA6-A1ECDFCD0F2A}" destId="{BEBE2788-4C35-4AE2-A687-AEAC88CDE6FB}" srcOrd="2" destOrd="0" presId="urn:microsoft.com/office/officeart/2005/8/layout/orgChart1"/>
     <dgm:cxn modelId="{E955ACF8-5A60-4FBB-899F-B3E80E6FD66D}" type="presParOf" srcId="{FF22D08F-E50C-4EAA-8467-C5383FD59775}" destId="{BDF8FB46-5966-4006-8737-D5E200159B9A}" srcOrd="2" destOrd="0" presId="urn:microsoft.com/office/officeart/2005/8/layout/orgChart1"/>
     <dgm:cxn modelId="{7C82284B-75D4-4A48-9C78-D61B6DFCE2EB}" type="presParOf" srcId="{0219B803-B821-4FF7-9A83-754296C24A7C}" destId="{4393FF1D-8E49-4AF6-9B7E-D97D60878AB9}" srcOrd="2" destOrd="0" presId="urn:microsoft.com/office/officeart/2005/8/layout/orgChart1"/>
     <dgm:cxn modelId="{4126BE1F-A206-4492-B77E-948D9C160228}" type="presParOf" srcId="{0219B803-B821-4FF7-9A83-754296C24A7C}" destId="{D0149F24-06CC-4F19-ABD1-74B0E69F84E4}" srcOrd="3" destOrd="0" presId="urn:microsoft.com/office/officeart/2005/8/layout/orgChart1"/>
@@ -2307,6 +2136,13 @@
     <dgm:cxn modelId="{519350FC-73F0-4BFD-B5EA-046CD258F926}" type="presParOf" srcId="{7DBC354F-13AC-4F92-9655-39B908C5E64E}" destId="{817974B7-591E-4691-8069-5F1C5B5A1F90}" srcOrd="0" destOrd="0" presId="urn:microsoft.com/office/officeart/2005/8/layout/orgChart1"/>
     <dgm:cxn modelId="{44578887-4DD7-4918-979D-F1BF85AC168E}" type="presParOf" srcId="{7DBC354F-13AC-4F92-9655-39B908C5E64E}" destId="{AD914A74-EF7B-48E5-A877-1A9E46893EF1}" srcOrd="1" destOrd="0" presId="urn:microsoft.com/office/officeart/2005/8/layout/orgChart1"/>
     <dgm:cxn modelId="{983D850B-7D9D-4749-8BF2-BE2D4BBDD1F9}" type="presParOf" srcId="{E1554F81-41AB-4650-9ADF-974ABF4DC0FC}" destId="{623B2AD1-8045-4D21-8EB6-F058E2712608}" srcOrd="1" destOrd="0" presId="urn:microsoft.com/office/officeart/2005/8/layout/orgChart1"/>
+    <dgm:cxn modelId="{82473B4A-395E-4537-8E56-EA159C4A6954}" type="presParOf" srcId="{623B2AD1-8045-4D21-8EB6-F058E2712608}" destId="{E1976F75-64DD-4021-B198-FBED1E3F73F3}" srcOrd="0" destOrd="0" presId="urn:microsoft.com/office/officeart/2005/8/layout/orgChart1"/>
+    <dgm:cxn modelId="{EB8016BB-FC0F-41C6-B878-89F8BA88660D}" type="presParOf" srcId="{623B2AD1-8045-4D21-8EB6-F058E2712608}" destId="{2F7D5EF9-B18D-4D68-9490-12997E78B1EB}" srcOrd="1" destOrd="0" presId="urn:microsoft.com/office/officeart/2005/8/layout/orgChart1"/>
+    <dgm:cxn modelId="{8447F96B-A22F-4F91-B25C-EAFD83DBC934}" type="presParOf" srcId="{2F7D5EF9-B18D-4D68-9490-12997E78B1EB}" destId="{80E23390-87D0-40E3-95AB-45A56193F242}" srcOrd="0" destOrd="0" presId="urn:microsoft.com/office/officeart/2005/8/layout/orgChart1"/>
+    <dgm:cxn modelId="{B2A5086A-64ED-4A7B-BBC7-1861E6437C24}" type="presParOf" srcId="{80E23390-87D0-40E3-95AB-45A56193F242}" destId="{A5919072-AE1F-49F8-996A-2B9FBB587D56}" srcOrd="0" destOrd="0" presId="urn:microsoft.com/office/officeart/2005/8/layout/orgChart1"/>
+    <dgm:cxn modelId="{880B6C78-E62C-497C-B468-B9AA588E7C30}" type="presParOf" srcId="{80E23390-87D0-40E3-95AB-45A56193F242}" destId="{FE4389C3-5F90-40EA-B234-8C368FCCD021}" srcOrd="1" destOrd="0" presId="urn:microsoft.com/office/officeart/2005/8/layout/orgChart1"/>
+    <dgm:cxn modelId="{8A494E7C-0B6A-4689-A5B3-A5D2BD9DF55C}" type="presParOf" srcId="{2F7D5EF9-B18D-4D68-9490-12997E78B1EB}" destId="{9FC747B6-C81C-4276-A8F1-B086F9584303}" srcOrd="1" destOrd="0" presId="urn:microsoft.com/office/officeart/2005/8/layout/orgChart1"/>
+    <dgm:cxn modelId="{78BD8151-69DC-4D10-B97B-81FAFA88A6B7}" type="presParOf" srcId="{2F7D5EF9-B18D-4D68-9490-12997E78B1EB}" destId="{5A75FDF4-7E99-4626-BA38-70DFE826C219}" srcOrd="2" destOrd="0" presId="urn:microsoft.com/office/officeart/2005/8/layout/orgChart1"/>
     <dgm:cxn modelId="{A8536DF5-D3D8-4BAE-A257-BB860C92C98A}" type="presParOf" srcId="{E1554F81-41AB-4650-9ADF-974ABF4DC0FC}" destId="{8EADD939-C1DA-4AA4-ADA4-B699F53E084C}" srcOrd="2" destOrd="0" presId="urn:microsoft.com/office/officeart/2005/8/layout/orgChart1"/>
     <dgm:cxn modelId="{BB61F773-A820-4FBE-8B89-26BC34A49582}" type="presParOf" srcId="{AC43C944-8171-4C07-A607-7BCCA35F058A}" destId="{086C1E84-9FD4-4BA7-BC24-2A009DD2D84C}" srcOrd="2" destOrd="0" presId="urn:microsoft.com/office/officeart/2005/8/layout/orgChart1"/>
     <dgm:cxn modelId="{F9BD9458-3E36-43BD-A511-F3F1E6C2D71F}" type="presParOf" srcId="{AC43C944-8171-4C07-A607-7BCCA35F058A}" destId="{845AEE17-1CEF-4750-BF86-61204621AAF6}" srcOrd="3" destOrd="0" presId="urn:microsoft.com/office/officeart/2005/8/layout/orgChart1"/>
@@ -2320,6 +2156,13 @@
     <dgm:cxn modelId="{43F8A8A5-F476-4B80-A0A4-D66B8010E306}" type="presParOf" srcId="{3EFF4277-3C25-4391-B5D1-0431AC5D42CE}" destId="{1108605C-18EA-49D5-91BE-6655E739C163}" srcOrd="0" destOrd="0" presId="urn:microsoft.com/office/officeart/2005/8/layout/orgChart1"/>
     <dgm:cxn modelId="{373DC388-A955-46F6-8348-D09EEC46E664}" type="presParOf" srcId="{3EFF4277-3C25-4391-B5D1-0431AC5D42CE}" destId="{F455A23D-7E88-4CBC-B8B0-4BE4E14D1ED6}" srcOrd="1" destOrd="0" presId="urn:microsoft.com/office/officeart/2005/8/layout/orgChart1"/>
     <dgm:cxn modelId="{4ED59072-9352-4824-812F-E44C552870B0}" type="presParOf" srcId="{7FAC8AF0-3F48-48BB-B8DF-A003535237B9}" destId="{5A9ECE02-3272-42E4-B464-94782286DA84}" srcOrd="1" destOrd="0" presId="urn:microsoft.com/office/officeart/2005/8/layout/orgChart1"/>
+    <dgm:cxn modelId="{526B99E2-41B3-44AC-B798-6410E63185CE}" type="presParOf" srcId="{5A9ECE02-3272-42E4-B464-94782286DA84}" destId="{4761B6CB-2BF3-451C-8C72-14AA2DEA908D}" srcOrd="0" destOrd="0" presId="urn:microsoft.com/office/officeart/2005/8/layout/orgChart1"/>
+    <dgm:cxn modelId="{C3CFECFD-2F1C-4B27-AEDE-28793294B34F}" type="presParOf" srcId="{5A9ECE02-3272-42E4-B464-94782286DA84}" destId="{CF124DCB-C1F1-47DF-AE7D-3CFD8F794215}" srcOrd="1" destOrd="0" presId="urn:microsoft.com/office/officeart/2005/8/layout/orgChart1"/>
+    <dgm:cxn modelId="{D36F30F5-B963-4B81-BFB0-DFF0084793FA}" type="presParOf" srcId="{CF124DCB-C1F1-47DF-AE7D-3CFD8F794215}" destId="{385CB597-834B-4CCA-8B84-148925EEBE53}" srcOrd="0" destOrd="0" presId="urn:microsoft.com/office/officeart/2005/8/layout/orgChart1"/>
+    <dgm:cxn modelId="{1BD70D4D-AB40-411C-8871-90D764FE8FC6}" type="presParOf" srcId="{385CB597-834B-4CCA-8B84-148925EEBE53}" destId="{BFE20FB9-C2EA-4BAF-9000-ED08E2D4DD00}" srcOrd="0" destOrd="0" presId="urn:microsoft.com/office/officeart/2005/8/layout/orgChart1"/>
+    <dgm:cxn modelId="{C34A45F2-F4BF-45EA-8CD1-F69370B53E84}" type="presParOf" srcId="{385CB597-834B-4CCA-8B84-148925EEBE53}" destId="{37FD217E-4301-4014-9BC0-67ACBBAEF78A}" srcOrd="1" destOrd="0" presId="urn:microsoft.com/office/officeart/2005/8/layout/orgChart1"/>
+    <dgm:cxn modelId="{980748C1-2D8F-48BE-AE7E-A3E0C900106E}" type="presParOf" srcId="{CF124DCB-C1F1-47DF-AE7D-3CFD8F794215}" destId="{408687AD-D21A-4BAC-BBC7-F476F5BD2C1E}" srcOrd="1" destOrd="0" presId="urn:microsoft.com/office/officeart/2005/8/layout/orgChart1"/>
+    <dgm:cxn modelId="{269E1925-2971-4F1A-8CC5-CA12D47897E5}" type="presParOf" srcId="{CF124DCB-C1F1-47DF-AE7D-3CFD8F794215}" destId="{CCFCD28A-4157-4C2D-B65E-DDF29847E458}" srcOrd="2" destOrd="0" presId="urn:microsoft.com/office/officeart/2005/8/layout/orgChart1"/>
     <dgm:cxn modelId="{30ED3CF7-35B9-46DB-A850-94520A3F98CB}" type="presParOf" srcId="{7FAC8AF0-3F48-48BB-B8DF-A003535237B9}" destId="{6606E5CD-A4E0-4811-BD66-7E4BF3E7F8F2}" srcOrd="2" destOrd="0" presId="urn:microsoft.com/office/officeart/2005/8/layout/orgChart1"/>
     <dgm:cxn modelId="{83C3A25A-8BD4-4D1A-8672-980546B3819C}" type="presParOf" srcId="{6905D9BE-F382-4A93-9B0E-939CF7D5CC5B}" destId="{824D806C-0739-40FA-AD9E-B8DACA1701CA}" srcOrd="2" destOrd="0" presId="urn:microsoft.com/office/officeart/2005/8/layout/orgChart1"/>
     <dgm:cxn modelId="{BCF8EC2C-1512-427D-B779-7498A1918099}" type="presParOf" srcId="{6905D9BE-F382-4A93-9B0E-939CF7D5CC5B}" destId="{E5AE55CB-1666-4C90-97F5-5BA42ED6F7B7}" srcOrd="3" destOrd="0" presId="urn:microsoft.com/office/officeart/2005/8/layout/orgChart1"/>
@@ -2327,83 +2170,48 @@
     <dgm:cxn modelId="{C3E1EDFD-0251-42F3-8CC9-922E36EB07A5}" type="presParOf" srcId="{55CDE5FF-539C-4FF6-A1C6-0F293ED6ABFF}" destId="{781CF4FD-B391-4C92-88AB-138993AFCDB8}" srcOrd="0" destOrd="0" presId="urn:microsoft.com/office/officeart/2005/8/layout/orgChart1"/>
     <dgm:cxn modelId="{BEA5F74F-3305-4D1F-8446-D3D6C2044FDB}" type="presParOf" srcId="{55CDE5FF-539C-4FF6-A1C6-0F293ED6ABFF}" destId="{679CCD29-3AA8-48E0-925E-239F17DA77B3}" srcOrd="1" destOrd="0" presId="urn:microsoft.com/office/officeart/2005/8/layout/orgChart1"/>
     <dgm:cxn modelId="{FAE5B56C-64E8-4D60-8AC7-CFD00B40EA9C}" type="presParOf" srcId="{E5AE55CB-1666-4C90-97F5-5BA42ED6F7B7}" destId="{2B608E2B-9249-4272-813F-BD1602087C10}" srcOrd="1" destOrd="0" presId="urn:microsoft.com/office/officeart/2005/8/layout/orgChart1"/>
-    <dgm:cxn modelId="{A8AAB3A1-EAE5-4C18-9930-779FF1A3ED05}" type="presParOf" srcId="{2B608E2B-9249-4272-813F-BD1602087C10}" destId="{15D14C8C-2CB4-4ECD-90DE-5DBFEDC3A994}" srcOrd="0" destOrd="0" presId="urn:microsoft.com/office/officeart/2005/8/layout/orgChart1"/>
-    <dgm:cxn modelId="{25DFD3F0-F372-4274-AE50-94EB1C5479B1}" type="presParOf" srcId="{2B608E2B-9249-4272-813F-BD1602087C10}" destId="{05C57D9B-344A-41D4-AE0A-B58149DEC833}" srcOrd="1" destOrd="0" presId="urn:microsoft.com/office/officeart/2005/8/layout/orgChart1"/>
-    <dgm:cxn modelId="{BE3311F7-3A9B-402F-B9B0-A4071DC4C5EC}" type="presParOf" srcId="{05C57D9B-344A-41D4-AE0A-B58149DEC833}" destId="{6D96A07F-DE72-4148-8451-735D81C1AF07}" srcOrd="0" destOrd="0" presId="urn:microsoft.com/office/officeart/2005/8/layout/orgChart1"/>
-    <dgm:cxn modelId="{7FEC644B-C117-44DB-9945-565CFCEBAF2C}" type="presParOf" srcId="{6D96A07F-DE72-4148-8451-735D81C1AF07}" destId="{71C092B6-700E-4976-BF80-B043B4CCB2C7}" srcOrd="0" destOrd="0" presId="urn:microsoft.com/office/officeart/2005/8/layout/orgChart1"/>
-    <dgm:cxn modelId="{D9404D9A-8458-4914-8338-292C181F81CE}" type="presParOf" srcId="{6D96A07F-DE72-4148-8451-735D81C1AF07}" destId="{160EDF9D-48C0-4E5D-9A4B-7E36F44B1CB8}" srcOrd="1" destOrd="0" presId="urn:microsoft.com/office/officeart/2005/8/layout/orgChart1"/>
-    <dgm:cxn modelId="{93D016CE-685B-4B36-8F28-9AE8FBEFBD5A}" type="presParOf" srcId="{05C57D9B-344A-41D4-AE0A-B58149DEC833}" destId="{6855C8B8-6AEB-44D4-8FEE-D57A3ACF87EB}" srcOrd="1" destOrd="0" presId="urn:microsoft.com/office/officeart/2005/8/layout/orgChart1"/>
-    <dgm:cxn modelId="{DE175C57-161E-48BB-9D36-692FD03B33AF}" type="presParOf" srcId="{05C57D9B-344A-41D4-AE0A-B58149DEC833}" destId="{C077668A-259D-4CCE-9900-E7EF61B3F902}" srcOrd="2" destOrd="0" presId="urn:microsoft.com/office/officeart/2005/8/layout/orgChart1"/>
-    <dgm:cxn modelId="{02183260-AD49-4F94-B686-BDA54B76E8BC}" type="presParOf" srcId="{2B608E2B-9249-4272-813F-BD1602087C10}" destId="{1911774A-1E26-4D7C-9F3A-74679FDB6D33}" srcOrd="2" destOrd="0" presId="urn:microsoft.com/office/officeart/2005/8/layout/orgChart1"/>
-    <dgm:cxn modelId="{ECA947CF-31E6-4CB5-B3A0-2B2ACF73206A}" type="presParOf" srcId="{2B608E2B-9249-4272-813F-BD1602087C10}" destId="{2F82EC6C-8247-4462-8E49-7FC7CDC4AE64}" srcOrd="3" destOrd="0" presId="urn:microsoft.com/office/officeart/2005/8/layout/orgChart1"/>
-    <dgm:cxn modelId="{E586A3FE-C373-4182-97E1-9CA7B09A6054}" type="presParOf" srcId="{2F82EC6C-8247-4462-8E49-7FC7CDC4AE64}" destId="{D346B3F5-4B8E-4C41-84CB-FDDCA1AE336F}" srcOrd="0" destOrd="0" presId="urn:microsoft.com/office/officeart/2005/8/layout/orgChart1"/>
-    <dgm:cxn modelId="{D90D6DC1-FCBD-4756-BED5-E013C48984B8}" type="presParOf" srcId="{D346B3F5-4B8E-4C41-84CB-FDDCA1AE336F}" destId="{6CAF8A63-5198-4360-99F2-205CDB4EDF60}" srcOrd="0" destOrd="0" presId="urn:microsoft.com/office/officeart/2005/8/layout/orgChart1"/>
-    <dgm:cxn modelId="{83A1CC0D-9BF1-4FC7-BB43-D1793B5701CE}" type="presParOf" srcId="{D346B3F5-4B8E-4C41-84CB-FDDCA1AE336F}" destId="{2C25357B-F076-4877-A513-D88A84174C65}" srcOrd="1" destOrd="0" presId="urn:microsoft.com/office/officeart/2005/8/layout/orgChart1"/>
-    <dgm:cxn modelId="{866FAA2E-00B5-42FD-A303-2A087284F75F}" type="presParOf" srcId="{2F82EC6C-8247-4462-8E49-7FC7CDC4AE64}" destId="{68981B51-7730-4716-83DA-854665622519}" srcOrd="1" destOrd="0" presId="urn:microsoft.com/office/officeart/2005/8/layout/orgChart1"/>
-    <dgm:cxn modelId="{0B23543B-86A8-4348-986E-1AD7D4595741}" type="presParOf" srcId="{68981B51-7730-4716-83DA-854665622519}" destId="{455C182A-8D6A-46C6-9243-F77429BDA369}" srcOrd="0" destOrd="0" presId="urn:microsoft.com/office/officeart/2005/8/layout/orgChart1"/>
-    <dgm:cxn modelId="{1578B53B-8BA8-4C64-9736-50C92693EE60}" type="presParOf" srcId="{68981B51-7730-4716-83DA-854665622519}" destId="{B36B42FE-C186-4E3E-8518-11C4EDE7A69C}" srcOrd="1" destOrd="0" presId="urn:microsoft.com/office/officeart/2005/8/layout/orgChart1"/>
-    <dgm:cxn modelId="{3C12E662-C70E-44C5-A155-E1B75D82F85A}" type="presParOf" srcId="{B36B42FE-C186-4E3E-8518-11C4EDE7A69C}" destId="{C8EE645A-0103-4028-9588-C344003C499F}" srcOrd="0" destOrd="0" presId="urn:microsoft.com/office/officeart/2005/8/layout/orgChart1"/>
-    <dgm:cxn modelId="{B2525D6B-10E0-44AA-A37C-5ED43DC75F85}" type="presParOf" srcId="{C8EE645A-0103-4028-9588-C344003C499F}" destId="{F2025884-82D7-4D8F-9824-2629A1B20E73}" srcOrd="0" destOrd="0" presId="urn:microsoft.com/office/officeart/2005/8/layout/orgChart1"/>
-    <dgm:cxn modelId="{720A764C-31EF-4F68-A998-942C74E03323}" type="presParOf" srcId="{C8EE645A-0103-4028-9588-C344003C499F}" destId="{3612867E-7588-40CE-91E3-E4C3EC700EA7}" srcOrd="1" destOrd="0" presId="urn:microsoft.com/office/officeart/2005/8/layout/orgChart1"/>
-    <dgm:cxn modelId="{6E7213C9-6A66-42EC-A7A0-5756D550E9E1}" type="presParOf" srcId="{B36B42FE-C186-4E3E-8518-11C4EDE7A69C}" destId="{328AB800-2C85-4F4A-AD38-A41A97791244}" srcOrd="1" destOrd="0" presId="urn:microsoft.com/office/officeart/2005/8/layout/orgChart1"/>
-    <dgm:cxn modelId="{9C1E28F2-0323-4742-A07F-4B491D5C5B49}" type="presParOf" srcId="{B36B42FE-C186-4E3E-8518-11C4EDE7A69C}" destId="{CB5DF53B-B068-44CD-8B8E-FF4D2041E408}" srcOrd="2" destOrd="0" presId="urn:microsoft.com/office/officeart/2005/8/layout/orgChart1"/>
-    <dgm:cxn modelId="{FD073A6D-097B-4946-94BD-C2D375F02C30}" type="presParOf" srcId="{68981B51-7730-4716-83DA-854665622519}" destId="{20F9A8DE-3004-4FA9-87C6-4095B261A6FA}" srcOrd="2" destOrd="0" presId="urn:microsoft.com/office/officeart/2005/8/layout/orgChart1"/>
-    <dgm:cxn modelId="{4F1CAEDA-4042-405C-BBB4-24B3F857CB18}" type="presParOf" srcId="{68981B51-7730-4716-83DA-854665622519}" destId="{F9069A20-0A20-4243-A8C6-893C075DCECB}" srcOrd="3" destOrd="0" presId="urn:microsoft.com/office/officeart/2005/8/layout/orgChart1"/>
-    <dgm:cxn modelId="{0AEDE85A-8C01-479A-A27E-38BE9DC386D6}" type="presParOf" srcId="{F9069A20-0A20-4243-A8C6-893C075DCECB}" destId="{A085F458-B879-4840-8E78-EE7849021FDF}" srcOrd="0" destOrd="0" presId="urn:microsoft.com/office/officeart/2005/8/layout/orgChart1"/>
-    <dgm:cxn modelId="{9ADC554D-83C3-43E7-ADC5-962B2E04A9B7}" type="presParOf" srcId="{A085F458-B879-4840-8E78-EE7849021FDF}" destId="{65EB0A20-4CF3-4927-8B4B-D1FB13FE66F7}" srcOrd="0" destOrd="0" presId="urn:microsoft.com/office/officeart/2005/8/layout/orgChart1"/>
-    <dgm:cxn modelId="{6DB6E8DD-7A99-4467-B35F-074CA85ADF76}" type="presParOf" srcId="{A085F458-B879-4840-8E78-EE7849021FDF}" destId="{AFF4FF67-6F45-4EBC-A232-8D6BB3714FCE}" srcOrd="1" destOrd="0" presId="urn:microsoft.com/office/officeart/2005/8/layout/orgChart1"/>
-    <dgm:cxn modelId="{6E306245-3A91-4218-9C7C-D4381E9E55C1}" type="presParOf" srcId="{F9069A20-0A20-4243-A8C6-893C075DCECB}" destId="{266121C2-D60C-428A-AAD9-E1DCC80542A2}" srcOrd="1" destOrd="0" presId="urn:microsoft.com/office/officeart/2005/8/layout/orgChart1"/>
-    <dgm:cxn modelId="{B25BCF93-328D-4A9C-960E-687E95791009}" type="presParOf" srcId="{266121C2-D60C-428A-AAD9-E1DCC80542A2}" destId="{34816BA9-AD59-4A5F-89B3-982FE4348B55}" srcOrd="0" destOrd="0" presId="urn:microsoft.com/office/officeart/2005/8/layout/orgChart1"/>
-    <dgm:cxn modelId="{07140B62-081F-44AE-8111-B05CD363DE0B}" type="presParOf" srcId="{266121C2-D60C-428A-AAD9-E1DCC80542A2}" destId="{38339938-1340-4DC4-9ABD-33E25630CFE6}" srcOrd="1" destOrd="0" presId="urn:microsoft.com/office/officeart/2005/8/layout/orgChart1"/>
-    <dgm:cxn modelId="{B002E319-8BCC-4405-9036-9B5B2154D604}" type="presParOf" srcId="{38339938-1340-4DC4-9ABD-33E25630CFE6}" destId="{623B1FEE-E40D-4E54-8EA4-B296507FBD88}" srcOrd="0" destOrd="0" presId="urn:microsoft.com/office/officeart/2005/8/layout/orgChart1"/>
-    <dgm:cxn modelId="{76EA9343-326C-40BD-B178-13EE008B1973}" type="presParOf" srcId="{623B1FEE-E40D-4E54-8EA4-B296507FBD88}" destId="{5E8E34D4-4F0D-4292-8A2D-EB5DEC3C53E2}" srcOrd="0" destOrd="0" presId="urn:microsoft.com/office/officeart/2005/8/layout/orgChart1"/>
-    <dgm:cxn modelId="{8557A0AA-5787-499D-9B76-BD50FDC7AFD0}" type="presParOf" srcId="{623B1FEE-E40D-4E54-8EA4-B296507FBD88}" destId="{16A98B6F-5FE0-40E1-967B-E0D7E5A3A77B}" srcOrd="1" destOrd="0" presId="urn:microsoft.com/office/officeart/2005/8/layout/orgChart1"/>
-    <dgm:cxn modelId="{B952B07B-6082-44CC-82C3-E1A6EBF70E11}" type="presParOf" srcId="{38339938-1340-4DC4-9ABD-33E25630CFE6}" destId="{EDD210DE-5447-48DD-9F5C-072B7C3B74F8}" srcOrd="1" destOrd="0" presId="urn:microsoft.com/office/officeart/2005/8/layout/orgChart1"/>
-    <dgm:cxn modelId="{DAB9DDFE-6987-40F6-AF0A-BC952D59C3C8}" type="presParOf" srcId="{EDD210DE-5447-48DD-9F5C-072B7C3B74F8}" destId="{9F802152-AC1A-4BEA-A12D-85442ED05E9F}" srcOrd="0" destOrd="0" presId="urn:microsoft.com/office/officeart/2005/8/layout/orgChart1"/>
-    <dgm:cxn modelId="{5CB1CB0B-C6F7-4492-9C22-BC5BEAD4BFE7}" type="presParOf" srcId="{EDD210DE-5447-48DD-9F5C-072B7C3B74F8}" destId="{AC179FC9-8707-44D0-B33B-802BC9CCCA36}" srcOrd="1" destOrd="0" presId="urn:microsoft.com/office/officeart/2005/8/layout/orgChart1"/>
-    <dgm:cxn modelId="{C8FBD453-D397-4BE2-9F5A-B3BB5F60F187}" type="presParOf" srcId="{AC179FC9-8707-44D0-B33B-802BC9CCCA36}" destId="{096484AE-7D2D-45B0-9C69-37F767022360}" srcOrd="0" destOrd="0" presId="urn:microsoft.com/office/officeart/2005/8/layout/orgChart1"/>
-    <dgm:cxn modelId="{93FD352A-F412-48E7-BB38-89F156ACD6BC}" type="presParOf" srcId="{096484AE-7D2D-45B0-9C69-37F767022360}" destId="{407B5F66-FFA7-4AFD-B339-2FB016021563}" srcOrd="0" destOrd="0" presId="urn:microsoft.com/office/officeart/2005/8/layout/orgChart1"/>
-    <dgm:cxn modelId="{82482BFE-78A1-4934-BF77-8B507E1BBBB8}" type="presParOf" srcId="{096484AE-7D2D-45B0-9C69-37F767022360}" destId="{2B6360EB-924A-4C92-A09F-EC38E6278C8E}" srcOrd="1" destOrd="0" presId="urn:microsoft.com/office/officeart/2005/8/layout/orgChart1"/>
-    <dgm:cxn modelId="{1E223FF4-A6F5-469E-9F6C-9F910FF6097F}" type="presParOf" srcId="{AC179FC9-8707-44D0-B33B-802BC9CCCA36}" destId="{BA7F0AB8-30D6-4C94-AAC3-05FAC9522ED2}" srcOrd="1" destOrd="0" presId="urn:microsoft.com/office/officeart/2005/8/layout/orgChart1"/>
-    <dgm:cxn modelId="{C67B6D48-4B1C-40D4-86C3-153400B40F8E}" type="presParOf" srcId="{BA7F0AB8-30D6-4C94-AAC3-05FAC9522ED2}" destId="{4DE3E7F1-FF04-41F2-B68E-4B0615D18DAD}" srcOrd="0" destOrd="0" presId="urn:microsoft.com/office/officeart/2005/8/layout/orgChart1"/>
-    <dgm:cxn modelId="{8ADCCF69-D70B-477D-829A-C94DDF8FDD24}" type="presParOf" srcId="{BA7F0AB8-30D6-4C94-AAC3-05FAC9522ED2}" destId="{83EC28D4-7E67-4213-968C-5B2F4BD8CF81}" srcOrd="1" destOrd="0" presId="urn:microsoft.com/office/officeart/2005/8/layout/orgChart1"/>
-    <dgm:cxn modelId="{D859D1C7-49AC-4056-9583-4D53C5887840}" type="presParOf" srcId="{83EC28D4-7E67-4213-968C-5B2F4BD8CF81}" destId="{8A9E828B-7982-4921-9E67-98ACF217CB93}" srcOrd="0" destOrd="0" presId="urn:microsoft.com/office/officeart/2005/8/layout/orgChart1"/>
-    <dgm:cxn modelId="{312FDEE3-90CE-4808-8EC9-64961E293341}" type="presParOf" srcId="{8A9E828B-7982-4921-9E67-98ACF217CB93}" destId="{7E3FCFE3-CB0B-4776-BDCB-E1BC4DB5BA01}" srcOrd="0" destOrd="0" presId="urn:microsoft.com/office/officeart/2005/8/layout/orgChart1"/>
-    <dgm:cxn modelId="{845BC52D-9722-4691-BF44-6A25F7386021}" type="presParOf" srcId="{8A9E828B-7982-4921-9E67-98ACF217CB93}" destId="{B667C004-3C9E-47A5-AE9B-0DFDF1D16831}" srcOrd="1" destOrd="0" presId="urn:microsoft.com/office/officeart/2005/8/layout/orgChart1"/>
-    <dgm:cxn modelId="{DF39894B-66F6-4B33-9597-5220676CFF6F}" type="presParOf" srcId="{83EC28D4-7E67-4213-968C-5B2F4BD8CF81}" destId="{7161C5C4-57B6-42C6-A21D-29DAC46947CB}" srcOrd="1" destOrd="0" presId="urn:microsoft.com/office/officeart/2005/8/layout/orgChart1"/>
-    <dgm:cxn modelId="{E9629FF5-F9E0-4488-A414-85E9BA6BC297}" type="presParOf" srcId="{83EC28D4-7E67-4213-968C-5B2F4BD8CF81}" destId="{0D7A24CB-2A56-40B8-9362-1FF6459E23CA}" srcOrd="2" destOrd="0" presId="urn:microsoft.com/office/officeart/2005/8/layout/orgChart1"/>
-    <dgm:cxn modelId="{2666E254-C870-4D9C-AB0F-465F325E1497}" type="presParOf" srcId="{AC179FC9-8707-44D0-B33B-802BC9CCCA36}" destId="{0A8BAF46-94F4-41F2-A1E6-C9F2234FC62C}" srcOrd="2" destOrd="0" presId="urn:microsoft.com/office/officeart/2005/8/layout/orgChart1"/>
-    <dgm:cxn modelId="{3B25C56C-2541-4ECC-B328-934CC14DF182}" type="presParOf" srcId="{EDD210DE-5447-48DD-9F5C-072B7C3B74F8}" destId="{F836E019-FDBF-40AB-9578-55A8D146CA3D}" srcOrd="2" destOrd="0" presId="urn:microsoft.com/office/officeart/2005/8/layout/orgChart1"/>
-    <dgm:cxn modelId="{32A345E2-0A99-42DD-99D2-CA5010CAE7BE}" type="presParOf" srcId="{EDD210DE-5447-48DD-9F5C-072B7C3B74F8}" destId="{289DBC7C-16E5-44F6-8EC1-1022781F0CCD}" srcOrd="3" destOrd="0" presId="urn:microsoft.com/office/officeart/2005/8/layout/orgChart1"/>
-    <dgm:cxn modelId="{3B908457-AF6E-4C40-BCC7-8E88E4965B06}" type="presParOf" srcId="{289DBC7C-16E5-44F6-8EC1-1022781F0CCD}" destId="{3897AAC4-CE0A-4507-8461-93E41E6A858E}" srcOrd="0" destOrd="0" presId="urn:microsoft.com/office/officeart/2005/8/layout/orgChart1"/>
-    <dgm:cxn modelId="{97E1F41F-9237-451B-BAC3-236ED9180BCB}" type="presParOf" srcId="{3897AAC4-CE0A-4507-8461-93E41E6A858E}" destId="{AEC1045E-39B5-4D74-8D62-5CCB7CDCB38F}" srcOrd="0" destOrd="0" presId="urn:microsoft.com/office/officeart/2005/8/layout/orgChart1"/>
-    <dgm:cxn modelId="{B976B186-2C7E-4A08-8A2E-651889AD99B7}" type="presParOf" srcId="{3897AAC4-CE0A-4507-8461-93E41E6A858E}" destId="{6AECB28F-EE55-4D7F-BB16-65E53383BE28}" srcOrd="1" destOrd="0" presId="urn:microsoft.com/office/officeart/2005/8/layout/orgChart1"/>
-    <dgm:cxn modelId="{F89470FC-9F8E-40BB-A567-9B7E662ECC0E}" type="presParOf" srcId="{289DBC7C-16E5-44F6-8EC1-1022781F0CCD}" destId="{CA7C002A-4A37-43B8-85C0-2A1F29378839}" srcOrd="1" destOrd="0" presId="urn:microsoft.com/office/officeart/2005/8/layout/orgChart1"/>
-    <dgm:cxn modelId="{1165934C-F0AE-407B-901D-C4035F20BB0F}" type="presParOf" srcId="{CA7C002A-4A37-43B8-85C0-2A1F29378839}" destId="{E4EE0D83-E1DE-48FF-AD11-1048FA90F29E}" srcOrd="0" destOrd="0" presId="urn:microsoft.com/office/officeart/2005/8/layout/orgChart1"/>
-    <dgm:cxn modelId="{43A1636A-8A37-47ED-98B2-3B40033397CF}" type="presParOf" srcId="{CA7C002A-4A37-43B8-85C0-2A1F29378839}" destId="{3307CEBB-EE82-4AE2-8378-043D4E8EA57D}" srcOrd="1" destOrd="0" presId="urn:microsoft.com/office/officeart/2005/8/layout/orgChart1"/>
-    <dgm:cxn modelId="{3DFFD3E7-8213-4CC9-8781-81B6746304C8}" type="presParOf" srcId="{3307CEBB-EE82-4AE2-8378-043D4E8EA57D}" destId="{B760FC2C-236D-45E3-A18F-91F4EDDDE2EF}" srcOrd="0" destOrd="0" presId="urn:microsoft.com/office/officeart/2005/8/layout/orgChart1"/>
-    <dgm:cxn modelId="{B0AD9C59-D69F-4ADA-A08E-EFB8E172C7F4}" type="presParOf" srcId="{B760FC2C-236D-45E3-A18F-91F4EDDDE2EF}" destId="{861FED17-5E93-4AE4-B5B4-67D88FFBC64A}" srcOrd="0" destOrd="0" presId="urn:microsoft.com/office/officeart/2005/8/layout/orgChart1"/>
-    <dgm:cxn modelId="{8C1E563E-1676-4DE5-B284-0F7EACDCF8B2}" type="presParOf" srcId="{B760FC2C-236D-45E3-A18F-91F4EDDDE2EF}" destId="{43226B7B-C1AF-42CD-897D-C7B2E3CDA561}" srcOrd="1" destOrd="0" presId="urn:microsoft.com/office/officeart/2005/8/layout/orgChart1"/>
-    <dgm:cxn modelId="{DCC20C62-7725-4606-85CF-302D14432BDB}" type="presParOf" srcId="{3307CEBB-EE82-4AE2-8378-043D4E8EA57D}" destId="{1D65BAAA-611A-4FD5-BA8E-4B2D4496A042}" srcOrd="1" destOrd="0" presId="urn:microsoft.com/office/officeart/2005/8/layout/orgChart1"/>
-    <dgm:cxn modelId="{78972EAD-A1F5-46A3-905E-E154E6E5A20C}" type="presParOf" srcId="{3307CEBB-EE82-4AE2-8378-043D4E8EA57D}" destId="{F76F48E1-4CB4-42D8-BBED-4EB33922EDF2}" srcOrd="2" destOrd="0" presId="urn:microsoft.com/office/officeart/2005/8/layout/orgChart1"/>
-    <dgm:cxn modelId="{0696FB15-09A8-4D39-89BE-3201B4549ECB}" type="presParOf" srcId="{289DBC7C-16E5-44F6-8EC1-1022781F0CCD}" destId="{0E3FBF84-F33A-4648-9189-70088AC1F95E}" srcOrd="2" destOrd="0" presId="urn:microsoft.com/office/officeart/2005/8/layout/orgChart1"/>
-    <dgm:cxn modelId="{2BE800F5-7A6A-459A-8311-B23AF99E8C97}" type="presParOf" srcId="{38339938-1340-4DC4-9ABD-33E25630CFE6}" destId="{E96ACCEF-38BD-475B-BEAB-5FE2DEC7EBE0}" srcOrd="2" destOrd="0" presId="urn:microsoft.com/office/officeart/2005/8/layout/orgChart1"/>
-    <dgm:cxn modelId="{18513987-BEA0-4CED-B573-75D2A85F7F81}" type="presParOf" srcId="{266121C2-D60C-428A-AAD9-E1DCC80542A2}" destId="{E0E37A08-A75C-4510-9B90-CABD0C162975}" srcOrd="2" destOrd="0" presId="urn:microsoft.com/office/officeart/2005/8/layout/orgChart1"/>
-    <dgm:cxn modelId="{D8BC6218-D707-44F6-AEF9-A9FDE3547562}" type="presParOf" srcId="{266121C2-D60C-428A-AAD9-E1DCC80542A2}" destId="{EDBD6635-AEAE-4D9D-B908-16B8178E1321}" srcOrd="3" destOrd="0" presId="urn:microsoft.com/office/officeart/2005/8/layout/orgChart1"/>
-    <dgm:cxn modelId="{B953708A-7C5D-443B-874E-8E1DBFB3BF6F}" type="presParOf" srcId="{EDBD6635-AEAE-4D9D-B908-16B8178E1321}" destId="{7C6E8777-7B1B-42AC-93BC-ADF001DFACBC}" srcOrd="0" destOrd="0" presId="urn:microsoft.com/office/officeart/2005/8/layout/orgChart1"/>
-    <dgm:cxn modelId="{AAF785B6-8B10-446E-8F02-471607AD697D}" type="presParOf" srcId="{7C6E8777-7B1B-42AC-93BC-ADF001DFACBC}" destId="{23CB4CB8-9227-4A27-B532-40F3A1FDF5EF}" srcOrd="0" destOrd="0" presId="urn:microsoft.com/office/officeart/2005/8/layout/orgChart1"/>
-    <dgm:cxn modelId="{AE5464E7-105E-499B-B26C-2ACBB9BC0A7C}" type="presParOf" srcId="{7C6E8777-7B1B-42AC-93BC-ADF001DFACBC}" destId="{7EE54A9A-35CC-452C-8FEF-E25F3E4DD2EB}" srcOrd="1" destOrd="0" presId="urn:microsoft.com/office/officeart/2005/8/layout/orgChart1"/>
-    <dgm:cxn modelId="{54A2940B-5A2F-4BA8-B626-F02F1DD1F275}" type="presParOf" srcId="{EDBD6635-AEAE-4D9D-B908-16B8178E1321}" destId="{0DD173E1-AC3C-467D-83CE-C2D2FDB005BF}" srcOrd="1" destOrd="0" presId="urn:microsoft.com/office/officeart/2005/8/layout/orgChart1"/>
-    <dgm:cxn modelId="{83B96E7F-A8A4-4CBD-B4FF-D1A7867D5107}" type="presParOf" srcId="{0DD173E1-AC3C-467D-83CE-C2D2FDB005BF}" destId="{CFB22203-1624-41C2-80EE-60C09F8F27F3}" srcOrd="0" destOrd="0" presId="urn:microsoft.com/office/officeart/2005/8/layout/orgChart1"/>
-    <dgm:cxn modelId="{04B97A2C-1D30-423E-B462-59728576CE55}" type="presParOf" srcId="{0DD173E1-AC3C-467D-83CE-C2D2FDB005BF}" destId="{6C4F6DEC-83C4-4267-A95C-7A1EB564A3E0}" srcOrd="1" destOrd="0" presId="urn:microsoft.com/office/officeart/2005/8/layout/orgChart1"/>
-    <dgm:cxn modelId="{24B306C1-DBC1-4165-BF4C-D779DA7F1A92}" type="presParOf" srcId="{6C4F6DEC-83C4-4267-A95C-7A1EB564A3E0}" destId="{9E82BC7B-24F2-40C6-B211-D4223CA982E0}" srcOrd="0" destOrd="0" presId="urn:microsoft.com/office/officeart/2005/8/layout/orgChart1"/>
-    <dgm:cxn modelId="{3AAC6AFF-07B0-42AA-AC75-C70A3D2CF0BF}" type="presParOf" srcId="{9E82BC7B-24F2-40C6-B211-D4223CA982E0}" destId="{2F1D11EE-E9F2-4845-BDC9-770076CD92CE}" srcOrd="0" destOrd="0" presId="urn:microsoft.com/office/officeart/2005/8/layout/orgChart1"/>
-    <dgm:cxn modelId="{28D4473E-EB2C-42EB-8F77-0E3D432F27D4}" type="presParOf" srcId="{9E82BC7B-24F2-40C6-B211-D4223CA982E0}" destId="{C52A3CFA-2E96-4FEA-8542-43B58A2C6DCF}" srcOrd="1" destOrd="0" presId="urn:microsoft.com/office/officeart/2005/8/layout/orgChart1"/>
-    <dgm:cxn modelId="{13A3C5AC-3423-4EEB-91CB-8324859EB908}" type="presParOf" srcId="{6C4F6DEC-83C4-4267-A95C-7A1EB564A3E0}" destId="{86D0E6BF-30C2-4FA9-AD11-D550041F41DA}" srcOrd="1" destOrd="0" presId="urn:microsoft.com/office/officeart/2005/8/layout/orgChart1"/>
-    <dgm:cxn modelId="{26D1AB0C-8B00-46DD-9D8F-DD97B871DD10}" type="presParOf" srcId="{6C4F6DEC-83C4-4267-A95C-7A1EB564A3E0}" destId="{D44C1A40-8E0A-4CFC-874D-1CDB7B666BDD}" srcOrd="2" destOrd="0" presId="urn:microsoft.com/office/officeart/2005/8/layout/orgChart1"/>
-    <dgm:cxn modelId="{FC0DEBD6-40D5-49B6-8FFA-A9CFB8B4CDE0}" type="presParOf" srcId="{EDBD6635-AEAE-4D9D-B908-16B8178E1321}" destId="{982353E0-7D4B-4DCF-B1AD-FE42D4AEE305}" srcOrd="2" destOrd="0" presId="urn:microsoft.com/office/officeart/2005/8/layout/orgChart1"/>
-    <dgm:cxn modelId="{F2403ADB-B119-485E-B72F-69721FC49C59}" type="presParOf" srcId="{F9069A20-0A20-4243-A8C6-893C075DCECB}" destId="{9D8D2243-42E8-4D4F-BD9F-9180AD96AC79}" srcOrd="2" destOrd="0" presId="urn:microsoft.com/office/officeart/2005/8/layout/orgChart1"/>
-    <dgm:cxn modelId="{C6890A36-FFF7-4286-87CF-192E7C792ED0}" type="presParOf" srcId="{2F82EC6C-8247-4462-8E49-7FC7CDC4AE64}" destId="{1CAB803C-3BAC-4773-B262-361F9804D365}" srcOrd="2" destOrd="0" presId="urn:microsoft.com/office/officeart/2005/8/layout/orgChart1"/>
+    <dgm:cxn modelId="{32D98306-B48C-424C-8FBB-C5134FCBEE63}" type="presParOf" srcId="{2B608E2B-9249-4272-813F-BD1602087C10}" destId="{455C182A-8D6A-46C6-9243-F77429BDA369}" srcOrd="0" destOrd="0" presId="urn:microsoft.com/office/officeart/2005/8/layout/orgChart1"/>
+    <dgm:cxn modelId="{5F782CA5-D05A-4886-B655-EBACDFE9F365}" type="presParOf" srcId="{2B608E2B-9249-4272-813F-BD1602087C10}" destId="{B36B42FE-C186-4E3E-8518-11C4EDE7A69C}" srcOrd="1" destOrd="0" presId="urn:microsoft.com/office/officeart/2005/8/layout/orgChart1"/>
+    <dgm:cxn modelId="{43D89CEF-05C7-4073-9C7A-C9CCE3C3C09F}" type="presParOf" srcId="{B36B42FE-C186-4E3E-8518-11C4EDE7A69C}" destId="{C8EE645A-0103-4028-9588-C344003C499F}" srcOrd="0" destOrd="0" presId="urn:microsoft.com/office/officeart/2005/8/layout/orgChart1"/>
+    <dgm:cxn modelId="{92147303-4B39-41DE-AD3E-8A7C7CDE2144}" type="presParOf" srcId="{C8EE645A-0103-4028-9588-C344003C499F}" destId="{F2025884-82D7-4D8F-9824-2629A1B20E73}" srcOrd="0" destOrd="0" presId="urn:microsoft.com/office/officeart/2005/8/layout/orgChart1"/>
+    <dgm:cxn modelId="{21838A00-0A03-48A8-83A7-2AC9047FB5C7}" type="presParOf" srcId="{C8EE645A-0103-4028-9588-C344003C499F}" destId="{3612867E-7588-40CE-91E3-E4C3EC700EA7}" srcOrd="1" destOrd="0" presId="urn:microsoft.com/office/officeart/2005/8/layout/orgChart1"/>
+    <dgm:cxn modelId="{A344D1B0-D245-4DB3-9A70-0DF65D4C0D08}" type="presParOf" srcId="{B36B42FE-C186-4E3E-8518-11C4EDE7A69C}" destId="{328AB800-2C85-4F4A-AD38-A41A97791244}" srcOrd="1" destOrd="0" presId="urn:microsoft.com/office/officeart/2005/8/layout/orgChart1"/>
+    <dgm:cxn modelId="{89CDC0C8-5BB1-4816-AFEB-7AF674128A74}" type="presParOf" srcId="{328AB800-2C85-4F4A-AD38-A41A97791244}" destId="{20F9A8DE-3004-4FA9-87C6-4095B261A6FA}" srcOrd="0" destOrd="0" presId="urn:microsoft.com/office/officeart/2005/8/layout/orgChart1"/>
+    <dgm:cxn modelId="{13D65F4C-4DF0-4FFB-8240-64EF6F020075}" type="presParOf" srcId="{328AB800-2C85-4F4A-AD38-A41A97791244}" destId="{F9069A20-0A20-4243-A8C6-893C075DCECB}" srcOrd="1" destOrd="0" presId="urn:microsoft.com/office/officeart/2005/8/layout/orgChart1"/>
+    <dgm:cxn modelId="{351D9316-DB3A-4AD6-B7C3-DD7283B67258}" type="presParOf" srcId="{F9069A20-0A20-4243-A8C6-893C075DCECB}" destId="{A085F458-B879-4840-8E78-EE7849021FDF}" srcOrd="0" destOrd="0" presId="urn:microsoft.com/office/officeart/2005/8/layout/orgChart1"/>
+    <dgm:cxn modelId="{089ED986-F831-4B11-A869-D090E6E992F8}" type="presParOf" srcId="{A085F458-B879-4840-8E78-EE7849021FDF}" destId="{65EB0A20-4CF3-4927-8B4B-D1FB13FE66F7}" srcOrd="0" destOrd="0" presId="urn:microsoft.com/office/officeart/2005/8/layout/orgChart1"/>
+    <dgm:cxn modelId="{AD3519E2-9FAA-4CF3-8541-9A51495EBB41}" type="presParOf" srcId="{A085F458-B879-4840-8E78-EE7849021FDF}" destId="{AFF4FF67-6F45-4EBC-A232-8D6BB3714FCE}" srcOrd="1" destOrd="0" presId="urn:microsoft.com/office/officeart/2005/8/layout/orgChart1"/>
+    <dgm:cxn modelId="{5A5D30DD-EB6F-491D-A107-24378A29255A}" type="presParOf" srcId="{F9069A20-0A20-4243-A8C6-893C075DCECB}" destId="{266121C2-D60C-428A-AAD9-E1DCC80542A2}" srcOrd="1" destOrd="0" presId="urn:microsoft.com/office/officeart/2005/8/layout/orgChart1"/>
+    <dgm:cxn modelId="{EDFB675E-C9E8-4D3D-B865-F4289C17F328}" type="presParOf" srcId="{F9069A20-0A20-4243-A8C6-893C075DCECB}" destId="{9D8D2243-42E8-4D4F-BD9F-9180AD96AC79}" srcOrd="2" destOrd="0" presId="urn:microsoft.com/office/officeart/2005/8/layout/orgChart1"/>
+    <dgm:cxn modelId="{D418C0C2-4318-4947-8FC2-23481D77A3E7}" type="presParOf" srcId="{B36B42FE-C186-4E3E-8518-11C4EDE7A69C}" destId="{CB5DF53B-B068-44CD-8B8E-FF4D2041E408}" srcOrd="2" destOrd="0" presId="urn:microsoft.com/office/officeart/2005/8/layout/orgChart1"/>
+    <dgm:cxn modelId="{9018977F-4692-4B84-8022-EF55F64ED1EE}" type="presParOf" srcId="{2B608E2B-9249-4272-813F-BD1602087C10}" destId="{F05AD5DA-DCB6-4C34-812D-BCE504945BCE}" srcOrd="2" destOrd="0" presId="urn:microsoft.com/office/officeart/2005/8/layout/orgChart1"/>
+    <dgm:cxn modelId="{96C2C580-287C-4B1D-A5A2-0EA706339BFA}" type="presParOf" srcId="{2B608E2B-9249-4272-813F-BD1602087C10}" destId="{29FA05EC-EF27-48B4-863C-3DEF4ED85D35}" srcOrd="3" destOrd="0" presId="urn:microsoft.com/office/officeart/2005/8/layout/orgChart1"/>
+    <dgm:cxn modelId="{A5AD56C0-949D-4E2C-ADD0-43808606C420}" type="presParOf" srcId="{29FA05EC-EF27-48B4-863C-3DEF4ED85D35}" destId="{851F9172-DE61-4DE2-B783-FE1604F35325}" srcOrd="0" destOrd="0" presId="urn:microsoft.com/office/officeart/2005/8/layout/orgChart1"/>
+    <dgm:cxn modelId="{F30BC6D1-A2CC-401C-BC33-E45A496E4AEC}" type="presParOf" srcId="{851F9172-DE61-4DE2-B783-FE1604F35325}" destId="{636118FD-B00B-4BC7-B38C-A59A8CA7378D}" srcOrd="0" destOrd="0" presId="urn:microsoft.com/office/officeart/2005/8/layout/orgChart1"/>
+    <dgm:cxn modelId="{6C2F9E22-BAC8-4859-9413-8F71AE12A6C1}" type="presParOf" srcId="{851F9172-DE61-4DE2-B783-FE1604F35325}" destId="{E3548D1C-63EE-4398-BF42-8FE962018216}" srcOrd="1" destOrd="0" presId="urn:microsoft.com/office/officeart/2005/8/layout/orgChart1"/>
+    <dgm:cxn modelId="{206A591F-BA5F-4703-8508-D508DAF28100}" type="presParOf" srcId="{29FA05EC-EF27-48B4-863C-3DEF4ED85D35}" destId="{3D0C2138-6115-44C0-848F-C5BE6D152776}" srcOrd="1" destOrd="0" presId="urn:microsoft.com/office/officeart/2005/8/layout/orgChart1"/>
+    <dgm:cxn modelId="{2A961666-2AC1-4B41-873B-9DCA20085563}" type="presParOf" srcId="{3D0C2138-6115-44C0-848F-C5BE6D152776}" destId="{D8B5B653-1584-4CD9-9C8D-C0D4B62CB154}" srcOrd="0" destOrd="0" presId="urn:microsoft.com/office/officeart/2005/8/layout/orgChart1"/>
+    <dgm:cxn modelId="{DC008E4A-C5E9-47EB-8A86-7E15DF22EC74}" type="presParOf" srcId="{3D0C2138-6115-44C0-848F-C5BE6D152776}" destId="{380F7122-3EA6-42AA-B5C1-9ABC127FCD11}" srcOrd="1" destOrd="0" presId="urn:microsoft.com/office/officeart/2005/8/layout/orgChart1"/>
+    <dgm:cxn modelId="{A5D5F5C9-B2A2-47F2-990F-AE2777C27970}" type="presParOf" srcId="{380F7122-3EA6-42AA-B5C1-9ABC127FCD11}" destId="{A4CB6A13-2277-421C-A168-D769477C42D2}" srcOrd="0" destOrd="0" presId="urn:microsoft.com/office/officeart/2005/8/layout/orgChart1"/>
+    <dgm:cxn modelId="{456D7933-6270-48FE-AF9C-777881982849}" type="presParOf" srcId="{A4CB6A13-2277-421C-A168-D769477C42D2}" destId="{43E097B7-4998-4017-807E-9781AEB1ADE1}" srcOrd="0" destOrd="0" presId="urn:microsoft.com/office/officeart/2005/8/layout/orgChart1"/>
+    <dgm:cxn modelId="{6D773313-022F-4DB7-B16C-65B273DD82A3}" type="presParOf" srcId="{A4CB6A13-2277-421C-A168-D769477C42D2}" destId="{25EC2F05-FF3E-4207-AC36-7723AD5C9645}" srcOrd="1" destOrd="0" presId="urn:microsoft.com/office/officeart/2005/8/layout/orgChart1"/>
+    <dgm:cxn modelId="{CDDB3B56-9F11-45EC-8D53-D3FF6903FAA5}" type="presParOf" srcId="{380F7122-3EA6-42AA-B5C1-9ABC127FCD11}" destId="{7A1ED6BA-820A-48CC-931B-C26FCAFB3FD4}" srcOrd="1" destOrd="0" presId="urn:microsoft.com/office/officeart/2005/8/layout/orgChart1"/>
+    <dgm:cxn modelId="{8A90439E-2D9F-4AE4-85DF-7A9DAFC9A492}" type="presParOf" srcId="{380F7122-3EA6-42AA-B5C1-9ABC127FCD11}" destId="{67496DC2-4E0D-40DB-8A66-059D5F5D50FC}" srcOrd="2" destOrd="0" presId="urn:microsoft.com/office/officeart/2005/8/layout/orgChart1"/>
+    <dgm:cxn modelId="{5DFE49CF-3808-4595-94B7-CF0BF7C7B53A}" type="presParOf" srcId="{29FA05EC-EF27-48B4-863C-3DEF4ED85D35}" destId="{BC8AD7D3-E78E-4E4F-9940-07167243FFD5}" srcOrd="2" destOrd="0" presId="urn:microsoft.com/office/officeart/2005/8/layout/orgChart1"/>
+    <dgm:cxn modelId="{6C802D21-0C9F-4754-A758-EB4492A753B5}" type="presParOf" srcId="{2B608E2B-9249-4272-813F-BD1602087C10}" destId="{8A24EE5A-EDF9-4459-A344-1529D1EB8D7F}" srcOrd="4" destOrd="0" presId="urn:microsoft.com/office/officeart/2005/8/layout/orgChart1"/>
+    <dgm:cxn modelId="{5F4DDA69-FAC4-4B00-9FE7-26AC03C0BCE6}" type="presParOf" srcId="{2B608E2B-9249-4272-813F-BD1602087C10}" destId="{2C6CFE13-4253-4A66-8654-322CD5089C80}" srcOrd="5" destOrd="0" presId="urn:microsoft.com/office/officeart/2005/8/layout/orgChart1"/>
+    <dgm:cxn modelId="{A2F50354-BBED-4F47-B06D-9E5A105D46F7}" type="presParOf" srcId="{2C6CFE13-4253-4A66-8654-322CD5089C80}" destId="{A3AA5DE9-2AA4-41A9-9216-7248A7A0A92B}" srcOrd="0" destOrd="0" presId="urn:microsoft.com/office/officeart/2005/8/layout/orgChart1"/>
+    <dgm:cxn modelId="{3651BCC8-EDB3-4B3B-985C-9DC1C6DA6317}" type="presParOf" srcId="{A3AA5DE9-2AA4-41A9-9216-7248A7A0A92B}" destId="{4A9B1D3F-582C-4205-9937-2DEF24D463B1}" srcOrd="0" destOrd="0" presId="urn:microsoft.com/office/officeart/2005/8/layout/orgChart1"/>
+    <dgm:cxn modelId="{5D2A5736-3BAB-4C37-A7DF-EE07722B136A}" type="presParOf" srcId="{A3AA5DE9-2AA4-41A9-9216-7248A7A0A92B}" destId="{F9056CEC-FCCF-459F-845B-A6A033787035}" srcOrd="1" destOrd="0" presId="urn:microsoft.com/office/officeart/2005/8/layout/orgChart1"/>
+    <dgm:cxn modelId="{430E453C-C403-446A-A2F5-6AE2DC18FD7D}" type="presParOf" srcId="{2C6CFE13-4253-4A66-8654-322CD5089C80}" destId="{6A83BA7B-E34A-428F-B1EF-DEEC29D14574}" srcOrd="1" destOrd="0" presId="urn:microsoft.com/office/officeart/2005/8/layout/orgChart1"/>
+    <dgm:cxn modelId="{863A6D9A-E59F-40FD-A056-05A44DD58C33}" type="presParOf" srcId="{6A83BA7B-E34A-428F-B1EF-DEEC29D14574}" destId="{352756FD-45B4-4CE2-B8AF-619DA3953240}" srcOrd="0" destOrd="0" presId="urn:microsoft.com/office/officeart/2005/8/layout/orgChart1"/>
+    <dgm:cxn modelId="{4BAAB761-59BE-4A78-86ED-D229EB13A908}" type="presParOf" srcId="{6A83BA7B-E34A-428F-B1EF-DEEC29D14574}" destId="{674CB284-F4A5-4B70-B9DA-407F0A9F9DF7}" srcOrd="1" destOrd="0" presId="urn:microsoft.com/office/officeart/2005/8/layout/orgChart1"/>
+    <dgm:cxn modelId="{F8FD25F0-E812-4A6D-BC6E-7761C9943960}" type="presParOf" srcId="{674CB284-F4A5-4B70-B9DA-407F0A9F9DF7}" destId="{624E4A08-7103-4669-96D0-C62584383DA0}" srcOrd="0" destOrd="0" presId="urn:microsoft.com/office/officeart/2005/8/layout/orgChart1"/>
+    <dgm:cxn modelId="{2A22C237-A287-4079-BBC0-7741139D71F4}" type="presParOf" srcId="{624E4A08-7103-4669-96D0-C62584383DA0}" destId="{22FF8EED-2B44-4F74-B79A-7E547693D289}" srcOrd="0" destOrd="0" presId="urn:microsoft.com/office/officeart/2005/8/layout/orgChart1"/>
+    <dgm:cxn modelId="{3C34DEA4-96E6-4503-A3ED-A60A65803620}" type="presParOf" srcId="{624E4A08-7103-4669-96D0-C62584383DA0}" destId="{BD164ACE-E36C-4381-96FB-A08C3BEE8940}" srcOrd="1" destOrd="0" presId="urn:microsoft.com/office/officeart/2005/8/layout/orgChart1"/>
+    <dgm:cxn modelId="{507F9B25-1DD0-49E5-9B52-98F3E5BF55D1}" type="presParOf" srcId="{674CB284-F4A5-4B70-B9DA-407F0A9F9DF7}" destId="{B7D0196A-F162-4DCB-9904-24B0FB015FED}" srcOrd="1" destOrd="0" presId="urn:microsoft.com/office/officeart/2005/8/layout/orgChart1"/>
+    <dgm:cxn modelId="{FD1D829F-6A02-4166-890B-E5914BEBE662}" type="presParOf" srcId="{674CB284-F4A5-4B70-B9DA-407F0A9F9DF7}" destId="{98B7491E-7882-4A68-A542-EFBC9370AC39}" srcOrd="2" destOrd="0" presId="urn:microsoft.com/office/officeart/2005/8/layout/orgChart1"/>
+    <dgm:cxn modelId="{FF2E2862-C321-404D-AA62-D70B826A7EFB}" type="presParOf" srcId="{2C6CFE13-4253-4A66-8654-322CD5089C80}" destId="{7D55EDDC-684E-4F2E-BE6B-524793EC4FDA}" srcOrd="2" destOrd="0" presId="urn:microsoft.com/office/officeart/2005/8/layout/orgChart1"/>
     <dgm:cxn modelId="{946CFCA9-063B-4E95-86AF-43AAFC89D3DA}" type="presParOf" srcId="{E5AE55CB-1666-4C90-97F5-5BA42ED6F7B7}" destId="{99406BFF-7CAA-41D2-8E08-F35C8AC4B0BC}" srcOrd="2" destOrd="0" presId="urn:microsoft.com/office/officeart/2005/8/layout/orgChart1"/>
     <dgm:cxn modelId="{D64CA0D3-544E-46E1-BD3E-137C07E53C5E}" type="presParOf" srcId="{845AEE17-1CEF-4750-BF86-61204621AAF6}" destId="{09097D25-0C58-4613-9A13-9DDE1E592CE7}" srcOrd="2" destOrd="0" presId="urn:microsoft.com/office/officeart/2005/8/layout/orgChart1"/>
     <dgm:cxn modelId="{CD2B59F8-5BD3-4B2F-9805-9C9B50FA7D23}" type="presParOf" srcId="{D0149F24-06CC-4F19-ABD1-74B0E69F84E4}" destId="{C92BCB70-8725-4FEB-93AE-24BECE822762}" srcOrd="2" destOrd="0" presId="urn:microsoft.com/office/officeart/2005/8/layout/orgChart1"/>
@@ -2427,15 +2235,15 @@
       <dsp:cNvGrpSpPr/>
     </dsp:nvGrpSpPr>
     <dsp:grpSpPr/>
-    <dsp:sp modelId="{CFB22203-1624-41C2-80EE-60C09F8F27F3}">
+    <dsp:sp modelId="{352756FD-45B4-4CE2-B8AF-619DA3953240}">
       <dsp:nvSpPr>
         <dsp:cNvPr id="0" name=""/>
         <dsp:cNvSpPr/>
       </dsp:nvSpPr>
       <dsp:spPr>
         <a:xfrm>
-          <a:off x="5536111" y="4171594"/>
-          <a:ext cx="131340" cy="402778"/>
+          <a:off x="8895251" y="5675740"/>
+          <a:ext cx="144200" cy="696711"/>
         </a:xfrm>
         <a:custGeom>
           <a:avLst/>
@@ -2449,10 +2257,10 @@
                 <a:pt x="0" y="0"/>
               </a:moveTo>
               <a:lnTo>
-                <a:pt x="0" y="402778"/>
+                <a:pt x="0" y="696711"/>
               </a:lnTo>
               <a:lnTo>
-                <a:pt x="131340" y="402778"/>
+                <a:pt x="144200" y="696711"/>
               </a:lnTo>
             </a:path>
           </a:pathLst>
@@ -2486,15 +2294,15 @@
         <a:fontRef idx="minor"/>
       </dsp:style>
     </dsp:sp>
-    <dsp:sp modelId="{E0E37A08-A75C-4510-9B90-CABD0C162975}">
+    <dsp:sp modelId="{8A24EE5A-EDF9-4459-A344-1529D1EB8D7F}">
       <dsp:nvSpPr>
         <dsp:cNvPr id="0" name=""/>
         <dsp:cNvSpPr/>
       </dsp:nvSpPr>
       <dsp:spPr>
         <a:xfrm>
-          <a:off x="5201192" y="3549914"/>
-          <a:ext cx="685161" cy="183877"/>
+          <a:off x="8102405" y="4498359"/>
+          <a:ext cx="1177380" cy="216042"/>
         </a:xfrm>
         <a:custGeom>
           <a:avLst/>
@@ -2508,13 +2316,13 @@
                 <a:pt x="0" y="0"/>
               </a:moveTo>
               <a:lnTo>
-                <a:pt x="0" y="91938"/>
+                <a:pt x="0" y="108021"/>
               </a:lnTo>
               <a:lnTo>
-                <a:pt x="685161" y="91938"/>
+                <a:pt x="1177380" y="108021"/>
               </a:lnTo>
               <a:lnTo>
-                <a:pt x="685161" y="183877"/>
+                <a:pt x="1177380" y="216042"/>
               </a:lnTo>
             </a:path>
           </a:pathLst>
@@ -2548,15 +2356,15 @@
         <a:fontRef idx="minor"/>
       </dsp:style>
     </dsp:sp>
-    <dsp:sp modelId="{E4EE0D83-E1DE-48FF-AD11-1048FA90F29E}">
+    <dsp:sp modelId="{D8B5B653-1584-4CD9-9C8D-C0D4B62CB154}">
       <dsp:nvSpPr>
         <dsp:cNvPr id="0" name=""/>
         <dsp:cNvSpPr/>
       </dsp:nvSpPr>
       <dsp:spPr>
         <a:xfrm>
-          <a:off x="4695530" y="4793274"/>
-          <a:ext cx="131340" cy="402778"/>
+          <a:off x="7717870" y="5675740"/>
+          <a:ext cx="144200" cy="696711"/>
         </a:xfrm>
         <a:custGeom>
           <a:avLst/>
@@ -2570,10 +2378,10 @@
                 <a:pt x="0" y="0"/>
               </a:moveTo>
               <a:lnTo>
-                <a:pt x="0" y="402778"/>
+                <a:pt x="0" y="696711"/>
               </a:lnTo>
               <a:lnTo>
-                <a:pt x="131340" y="402778"/>
+                <a:pt x="144200" y="696711"/>
               </a:lnTo>
             </a:path>
           </a:pathLst>
@@ -2607,15 +2415,15 @@
         <a:fontRef idx="minor"/>
       </dsp:style>
     </dsp:sp>
-    <dsp:sp modelId="{F836E019-FDBF-40AB-9578-55A8D146CA3D}">
+    <dsp:sp modelId="{F05AD5DA-DCB6-4C34-812D-BCE504945BCE}">
       <dsp:nvSpPr>
         <dsp:cNvPr id="0" name=""/>
         <dsp:cNvSpPr/>
       </dsp:nvSpPr>
       <dsp:spPr>
         <a:xfrm>
-          <a:off x="4516031" y="4171594"/>
-          <a:ext cx="529741" cy="183877"/>
+          <a:off x="8056685" y="4498359"/>
+          <a:ext cx="91440" cy="216042"/>
         </a:xfrm>
         <a:custGeom>
           <a:avLst/>
@@ -2626,199 +2434,10 @@
           <a:pathLst>
             <a:path>
               <a:moveTo>
-                <a:pt x="0" y="0"/>
+                <a:pt x="45720" y="0"/>
               </a:moveTo>
               <a:lnTo>
-                <a:pt x="0" y="91938"/>
-              </a:lnTo>
-              <a:lnTo>
-                <a:pt x="529741" y="91938"/>
-              </a:lnTo>
-              <a:lnTo>
-                <a:pt x="529741" y="183877"/>
-              </a:lnTo>
-            </a:path>
-          </a:pathLst>
-        </a:custGeom>
-        <a:noFill/>
-        <a:ln w="19050" cap="flat" cmpd="sng" algn="ctr">
-          <a:solidFill>
-            <a:schemeClr val="accent1">
-              <a:shade val="80000"/>
-              <a:hueOff val="0"/>
-              <a:satOff val="0"/>
-              <a:lumOff val="0"/>
-              <a:alphaOff val="0"/>
-            </a:schemeClr>
-          </a:solidFill>
-          <a:prstDash val="solid"/>
-          <a:miter lim="800000"/>
-        </a:ln>
-        <a:effectLst/>
-      </dsp:spPr>
-      <dsp:style>
-        <a:lnRef idx="2">
-          <a:scrgbClr r="0" g="0" b="0"/>
-        </a:lnRef>
-        <a:fillRef idx="0">
-          <a:scrgbClr r="0" g="0" b="0"/>
-        </a:fillRef>
-        <a:effectRef idx="0">
-          <a:scrgbClr r="0" g="0" b="0"/>
-        </a:effectRef>
-        <a:fontRef idx="minor"/>
-      </dsp:style>
-    </dsp:sp>
-    <dsp:sp modelId="{4DE3E7F1-FF04-41F2-B68E-4B0615D18DAD}">
-      <dsp:nvSpPr>
-        <dsp:cNvPr id="0" name=""/>
-        <dsp:cNvSpPr/>
-      </dsp:nvSpPr>
-      <dsp:spPr>
-        <a:xfrm>
-          <a:off x="3636047" y="4793274"/>
-          <a:ext cx="131340" cy="402778"/>
-        </a:xfrm>
-        <a:custGeom>
-          <a:avLst/>
-          <a:gdLst/>
-          <a:ahLst/>
-          <a:cxnLst/>
-          <a:rect l="0" t="0" r="0" b="0"/>
-          <a:pathLst>
-            <a:path>
-              <a:moveTo>
-                <a:pt x="0" y="0"/>
-              </a:moveTo>
-              <a:lnTo>
-                <a:pt x="0" y="402778"/>
-              </a:lnTo>
-              <a:lnTo>
-                <a:pt x="131340" y="402778"/>
-              </a:lnTo>
-            </a:path>
-          </a:pathLst>
-        </a:custGeom>
-        <a:noFill/>
-        <a:ln w="19050" cap="flat" cmpd="sng" algn="ctr">
-          <a:solidFill>
-            <a:schemeClr val="accent1">
-              <a:shade val="80000"/>
-              <a:hueOff val="0"/>
-              <a:satOff val="0"/>
-              <a:lumOff val="0"/>
-              <a:alphaOff val="0"/>
-            </a:schemeClr>
-          </a:solidFill>
-          <a:prstDash val="solid"/>
-          <a:miter lim="800000"/>
-        </a:ln>
-        <a:effectLst/>
-      </dsp:spPr>
-      <dsp:style>
-        <a:lnRef idx="2">
-          <a:scrgbClr r="0" g="0" b="0"/>
-        </a:lnRef>
-        <a:fillRef idx="0">
-          <a:scrgbClr r="0" g="0" b="0"/>
-        </a:fillRef>
-        <a:effectRef idx="0">
-          <a:scrgbClr r="0" g="0" b="0"/>
-        </a:effectRef>
-        <a:fontRef idx="minor"/>
-      </dsp:style>
-    </dsp:sp>
-    <dsp:sp modelId="{9F802152-AC1A-4BEA-A12D-85442ED05E9F}">
-      <dsp:nvSpPr>
-        <dsp:cNvPr id="0" name=""/>
-        <dsp:cNvSpPr/>
-      </dsp:nvSpPr>
-      <dsp:spPr>
-        <a:xfrm>
-          <a:off x="3986290" y="4171594"/>
-          <a:ext cx="529741" cy="183877"/>
-        </a:xfrm>
-        <a:custGeom>
-          <a:avLst/>
-          <a:gdLst/>
-          <a:ahLst/>
-          <a:cxnLst/>
-          <a:rect l="0" t="0" r="0" b="0"/>
-          <a:pathLst>
-            <a:path>
-              <a:moveTo>
-                <a:pt x="529741" y="0"/>
-              </a:moveTo>
-              <a:lnTo>
-                <a:pt x="529741" y="91938"/>
-              </a:lnTo>
-              <a:lnTo>
-                <a:pt x="0" y="91938"/>
-              </a:lnTo>
-              <a:lnTo>
-                <a:pt x="0" y="183877"/>
-              </a:lnTo>
-            </a:path>
-          </a:pathLst>
-        </a:custGeom>
-        <a:noFill/>
-        <a:ln w="19050" cap="flat" cmpd="sng" algn="ctr">
-          <a:solidFill>
-            <a:schemeClr val="accent1">
-              <a:shade val="80000"/>
-              <a:hueOff val="0"/>
-              <a:satOff val="0"/>
-              <a:lumOff val="0"/>
-              <a:alphaOff val="0"/>
-            </a:schemeClr>
-          </a:solidFill>
-          <a:prstDash val="solid"/>
-          <a:miter lim="800000"/>
-        </a:ln>
-        <a:effectLst/>
-      </dsp:spPr>
-      <dsp:style>
-        <a:lnRef idx="2">
-          <a:scrgbClr r="0" g="0" b="0"/>
-        </a:lnRef>
-        <a:fillRef idx="0">
-          <a:scrgbClr r="0" g="0" b="0"/>
-        </a:fillRef>
-        <a:effectRef idx="0">
-          <a:scrgbClr r="0" g="0" b="0"/>
-        </a:effectRef>
-        <a:fontRef idx="minor"/>
-      </dsp:style>
-    </dsp:sp>
-    <dsp:sp modelId="{34816BA9-AD59-4A5F-89B3-982FE4348B55}">
-      <dsp:nvSpPr>
-        <dsp:cNvPr id="0" name=""/>
-        <dsp:cNvSpPr/>
-      </dsp:nvSpPr>
-      <dsp:spPr>
-        <a:xfrm>
-          <a:off x="4516031" y="3549914"/>
-          <a:ext cx="685161" cy="183877"/>
-        </a:xfrm>
-        <a:custGeom>
-          <a:avLst/>
-          <a:gdLst/>
-          <a:ahLst/>
-          <a:cxnLst/>
-          <a:rect l="0" t="0" r="0" b="0"/>
-          <a:pathLst>
-            <a:path>
-              <a:moveTo>
-                <a:pt x="685161" y="0"/>
-              </a:moveTo>
-              <a:lnTo>
-                <a:pt x="685161" y="91938"/>
-              </a:lnTo>
-              <a:lnTo>
-                <a:pt x="0" y="91938"/>
-              </a:lnTo>
-              <a:lnTo>
-                <a:pt x="0" y="183877"/>
+                <a:pt x="45720" y="216042"/>
               </a:lnTo>
             </a:path>
           </a:pathLst>
@@ -2859,8 +2478,8 @@
       </dsp:nvSpPr>
       <dsp:spPr>
         <a:xfrm>
-          <a:off x="4671451" y="2928234"/>
-          <a:ext cx="529741" cy="183877"/>
+          <a:off x="6540489" y="5675740"/>
+          <a:ext cx="144200" cy="696711"/>
         </a:xfrm>
         <a:custGeom>
           <a:avLst/>
@@ -2874,13 +2493,10 @@
                 <a:pt x="0" y="0"/>
               </a:moveTo>
               <a:lnTo>
-                <a:pt x="0" y="91938"/>
+                <a:pt x="0" y="696711"/>
               </a:lnTo>
               <a:lnTo>
-                <a:pt x="529741" y="91938"/>
-              </a:lnTo>
-              <a:lnTo>
-                <a:pt x="529741" y="183877"/>
+                <a:pt x="144200" y="696711"/>
               </a:lnTo>
             </a:path>
           </a:pathLst>
@@ -2921,8 +2537,8 @@
       </dsp:nvSpPr>
       <dsp:spPr>
         <a:xfrm>
-          <a:off x="4141709" y="2928234"/>
-          <a:ext cx="529741" cy="183877"/>
+          <a:off x="6925025" y="4498359"/>
+          <a:ext cx="1177380" cy="216042"/>
         </a:xfrm>
         <a:custGeom>
           <a:avLst/>
@@ -2933,140 +2549,16 @@
           <a:pathLst>
             <a:path>
               <a:moveTo>
-                <a:pt x="529741" y="0"/>
+                <a:pt x="1177380" y="0"/>
               </a:moveTo>
               <a:lnTo>
-                <a:pt x="529741" y="91938"/>
+                <a:pt x="1177380" y="108021"/>
               </a:lnTo>
               <a:lnTo>
-                <a:pt x="0" y="91938"/>
+                <a:pt x="0" y="108021"/>
               </a:lnTo>
               <a:lnTo>
-                <a:pt x="0" y="183877"/>
-              </a:lnTo>
-            </a:path>
-          </a:pathLst>
-        </a:custGeom>
-        <a:noFill/>
-        <a:ln w="19050" cap="flat" cmpd="sng" algn="ctr">
-          <a:solidFill>
-            <a:schemeClr val="accent1">
-              <a:shade val="80000"/>
-              <a:hueOff val="0"/>
-              <a:satOff val="0"/>
-              <a:lumOff val="0"/>
-              <a:alphaOff val="0"/>
-            </a:schemeClr>
-          </a:solidFill>
-          <a:prstDash val="solid"/>
-          <a:miter lim="800000"/>
-        </a:ln>
-        <a:effectLst/>
-      </dsp:spPr>
-      <dsp:style>
-        <a:lnRef idx="2">
-          <a:scrgbClr r="0" g="0" b="0"/>
-        </a:lnRef>
-        <a:fillRef idx="0">
-          <a:scrgbClr r="0" g="0" b="0"/>
-        </a:fillRef>
-        <a:effectRef idx="0">
-          <a:scrgbClr r="0" g="0" b="0"/>
-        </a:effectRef>
-        <a:fontRef idx="minor"/>
-      </dsp:style>
-    </dsp:sp>
-    <dsp:sp modelId="{1911774A-1E26-4D7C-9F3A-74679FDB6D33}">
-      <dsp:nvSpPr>
-        <dsp:cNvPr id="0" name=""/>
-        <dsp:cNvSpPr/>
-      </dsp:nvSpPr>
-      <dsp:spPr>
-        <a:xfrm>
-          <a:off x="4141709" y="2306554"/>
-          <a:ext cx="529741" cy="183877"/>
-        </a:xfrm>
-        <a:custGeom>
-          <a:avLst/>
-          <a:gdLst/>
-          <a:ahLst/>
-          <a:cxnLst/>
-          <a:rect l="0" t="0" r="0" b="0"/>
-          <a:pathLst>
-            <a:path>
-              <a:moveTo>
-                <a:pt x="0" y="0"/>
-              </a:moveTo>
-              <a:lnTo>
-                <a:pt x="0" y="91938"/>
-              </a:lnTo>
-              <a:lnTo>
-                <a:pt x="529741" y="91938"/>
-              </a:lnTo>
-              <a:lnTo>
-                <a:pt x="529741" y="183877"/>
-              </a:lnTo>
-            </a:path>
-          </a:pathLst>
-        </a:custGeom>
-        <a:noFill/>
-        <a:ln w="19050" cap="flat" cmpd="sng" algn="ctr">
-          <a:solidFill>
-            <a:schemeClr val="accent1">
-              <a:shade val="80000"/>
-              <a:hueOff val="0"/>
-              <a:satOff val="0"/>
-              <a:lumOff val="0"/>
-              <a:alphaOff val="0"/>
-            </a:schemeClr>
-          </a:solidFill>
-          <a:prstDash val="solid"/>
-          <a:miter lim="800000"/>
-        </a:ln>
-        <a:effectLst/>
-      </dsp:spPr>
-      <dsp:style>
-        <a:lnRef idx="2">
-          <a:scrgbClr r="0" g="0" b="0"/>
-        </a:lnRef>
-        <a:fillRef idx="0">
-          <a:scrgbClr r="0" g="0" b="0"/>
-        </a:fillRef>
-        <a:effectRef idx="0">
-          <a:scrgbClr r="0" g="0" b="0"/>
-        </a:effectRef>
-        <a:fontRef idx="minor"/>
-      </dsp:style>
-    </dsp:sp>
-    <dsp:sp modelId="{15D14C8C-2CB4-4ECD-90DE-5DBFEDC3A994}">
-      <dsp:nvSpPr>
-        <dsp:cNvPr id="0" name=""/>
-        <dsp:cNvSpPr/>
-      </dsp:nvSpPr>
-      <dsp:spPr>
-        <a:xfrm>
-          <a:off x="3611968" y="2306554"/>
-          <a:ext cx="529741" cy="183877"/>
-        </a:xfrm>
-        <a:custGeom>
-          <a:avLst/>
-          <a:gdLst/>
-          <a:ahLst/>
-          <a:cxnLst/>
-          <a:rect l="0" t="0" r="0" b="0"/>
-          <a:pathLst>
-            <a:path>
-              <a:moveTo>
-                <a:pt x="529741" y="0"/>
-              </a:moveTo>
-              <a:lnTo>
-                <a:pt x="529741" y="91938"/>
-              </a:lnTo>
-              <a:lnTo>
-                <a:pt x="0" y="91938"/>
-              </a:lnTo>
-              <a:lnTo>
-                <a:pt x="0" y="183877"/>
+                <a:pt x="0" y="216042"/>
               </a:lnTo>
             </a:path>
           </a:pathLst>
@@ -3107,8 +2599,8 @@
       </dsp:nvSpPr>
       <dsp:spPr>
         <a:xfrm>
-          <a:off x="3611968" y="1684875"/>
-          <a:ext cx="529741" cy="183877"/>
+          <a:off x="6804857" y="3320978"/>
+          <a:ext cx="1297548" cy="216042"/>
         </a:xfrm>
         <a:custGeom>
           <a:avLst/>
@@ -3122,13 +2614,72 @@
                 <a:pt x="0" y="0"/>
               </a:moveTo>
               <a:lnTo>
-                <a:pt x="0" y="91938"/>
+                <a:pt x="0" y="108021"/>
               </a:lnTo>
               <a:lnTo>
-                <a:pt x="529741" y="91938"/>
+                <a:pt x="1297548" y="108021"/>
               </a:lnTo>
               <a:lnTo>
-                <a:pt x="529741" y="183877"/>
+                <a:pt x="1297548" y="216042"/>
+              </a:lnTo>
+            </a:path>
+          </a:pathLst>
+        </a:custGeom>
+        <a:noFill/>
+        <a:ln w="19050" cap="flat" cmpd="sng" algn="ctr">
+          <a:solidFill>
+            <a:schemeClr val="accent1">
+              <a:shade val="80000"/>
+              <a:hueOff val="0"/>
+              <a:satOff val="0"/>
+              <a:lumOff val="0"/>
+              <a:alphaOff val="0"/>
+            </a:schemeClr>
+          </a:solidFill>
+          <a:prstDash val="solid"/>
+          <a:miter lim="800000"/>
+        </a:ln>
+        <a:effectLst/>
+      </dsp:spPr>
+      <dsp:style>
+        <a:lnRef idx="2">
+          <a:scrgbClr r="0" g="0" b="0"/>
+        </a:lnRef>
+        <a:fillRef idx="0">
+          <a:scrgbClr r="0" g="0" b="0"/>
+        </a:fillRef>
+        <a:effectRef idx="0">
+          <a:scrgbClr r="0" g="0" b="0"/>
+        </a:effectRef>
+        <a:fontRef idx="minor"/>
+      </dsp:style>
+    </dsp:sp>
+    <dsp:sp modelId="{4761B6CB-2BF3-451C-8C72-14AA2DEA908D}">
+      <dsp:nvSpPr>
+        <dsp:cNvPr id="0" name=""/>
+        <dsp:cNvSpPr/>
+      </dsp:nvSpPr>
+      <dsp:spPr>
+        <a:xfrm>
+          <a:off x="5122774" y="4498359"/>
+          <a:ext cx="144200" cy="696711"/>
+        </a:xfrm>
+        <a:custGeom>
+          <a:avLst/>
+          <a:gdLst/>
+          <a:ahLst/>
+          <a:cxnLst/>
+          <a:rect l="0" t="0" r="0" b="0"/>
+          <a:pathLst>
+            <a:path>
+              <a:moveTo>
+                <a:pt x="0" y="0"/>
+              </a:moveTo>
+              <a:lnTo>
+                <a:pt x="0" y="696711"/>
+              </a:lnTo>
+              <a:lnTo>
+                <a:pt x="144200" y="696711"/>
               </a:lnTo>
             </a:path>
           </a:pathLst>
@@ -3169,8 +2720,8 @@
       </dsp:nvSpPr>
       <dsp:spPr>
         <a:xfrm>
-          <a:off x="3082227" y="1684875"/>
-          <a:ext cx="529741" cy="183877"/>
+          <a:off x="5507309" y="3320978"/>
+          <a:ext cx="1297548" cy="216042"/>
         </a:xfrm>
         <a:custGeom>
           <a:avLst/>
@@ -3181,16 +2732,16 @@
           <a:pathLst>
             <a:path>
               <a:moveTo>
-                <a:pt x="529741" y="0"/>
+                <a:pt x="1297548" y="0"/>
               </a:moveTo>
               <a:lnTo>
-                <a:pt x="529741" y="91938"/>
+                <a:pt x="1297548" y="108021"/>
               </a:lnTo>
               <a:lnTo>
-                <a:pt x="0" y="91938"/>
+                <a:pt x="0" y="108021"/>
               </a:lnTo>
               <a:lnTo>
-                <a:pt x="0" y="183877"/>
+                <a:pt x="0" y="216042"/>
               </a:lnTo>
             </a:path>
           </a:pathLst>
@@ -3231,8 +2782,8 @@
       </dsp:nvSpPr>
       <dsp:spPr>
         <a:xfrm>
-          <a:off x="3082227" y="1063195"/>
-          <a:ext cx="529741" cy="183877"/>
+          <a:off x="5447225" y="2143597"/>
+          <a:ext cx="1357631" cy="216042"/>
         </a:xfrm>
         <a:custGeom>
           <a:avLst/>
@@ -3246,13 +2797,72 @@
                 <a:pt x="0" y="0"/>
               </a:moveTo>
               <a:lnTo>
-                <a:pt x="0" y="91938"/>
+                <a:pt x="0" y="108021"/>
               </a:lnTo>
               <a:lnTo>
-                <a:pt x="529741" y="91938"/>
+                <a:pt x="1357631" y="108021"/>
               </a:lnTo>
               <a:lnTo>
-                <a:pt x="529741" y="183877"/>
+                <a:pt x="1357631" y="216042"/>
+              </a:lnTo>
+            </a:path>
+          </a:pathLst>
+        </a:custGeom>
+        <a:noFill/>
+        <a:ln w="19050" cap="flat" cmpd="sng" algn="ctr">
+          <a:solidFill>
+            <a:schemeClr val="accent1">
+              <a:shade val="80000"/>
+              <a:hueOff val="0"/>
+              <a:satOff val="0"/>
+              <a:lumOff val="0"/>
+              <a:alphaOff val="0"/>
+            </a:schemeClr>
+          </a:solidFill>
+          <a:prstDash val="solid"/>
+          <a:miter lim="800000"/>
+        </a:ln>
+        <a:effectLst/>
+      </dsp:spPr>
+      <dsp:style>
+        <a:lnRef idx="2">
+          <a:scrgbClr r="0" g="0" b="0"/>
+        </a:lnRef>
+        <a:fillRef idx="0">
+          <a:scrgbClr r="0" g="0" b="0"/>
+        </a:fillRef>
+        <a:effectRef idx="0">
+          <a:scrgbClr r="0" g="0" b="0"/>
+        </a:effectRef>
+        <a:fontRef idx="minor"/>
+      </dsp:style>
+    </dsp:sp>
+    <dsp:sp modelId="{E1976F75-64DD-4021-B198-FBED1E3F73F3}">
+      <dsp:nvSpPr>
+        <dsp:cNvPr id="0" name=""/>
+        <dsp:cNvSpPr/>
+      </dsp:nvSpPr>
+      <dsp:spPr>
+        <a:xfrm>
+          <a:off x="3705058" y="3320978"/>
+          <a:ext cx="144200" cy="696711"/>
+        </a:xfrm>
+        <a:custGeom>
+          <a:avLst/>
+          <a:gdLst/>
+          <a:ahLst/>
+          <a:cxnLst/>
+          <a:rect l="0" t="0" r="0" b="0"/>
+          <a:pathLst>
+            <a:path>
+              <a:moveTo>
+                <a:pt x="0" y="0"/>
+              </a:moveTo>
+              <a:lnTo>
+                <a:pt x="0" y="696711"/>
+              </a:lnTo>
+              <a:lnTo>
+                <a:pt x="144200" y="696711"/>
               </a:lnTo>
             </a:path>
           </a:pathLst>
@@ -3293,8 +2903,8 @@
       </dsp:nvSpPr>
       <dsp:spPr>
         <a:xfrm>
-          <a:off x="2552486" y="1063195"/>
-          <a:ext cx="529741" cy="183877"/>
+          <a:off x="4089594" y="2143597"/>
+          <a:ext cx="1357631" cy="216042"/>
         </a:xfrm>
         <a:custGeom>
           <a:avLst/>
@@ -3305,16 +2915,16 @@
           <a:pathLst>
             <a:path>
               <a:moveTo>
-                <a:pt x="529741" y="0"/>
+                <a:pt x="1357631" y="0"/>
               </a:moveTo>
               <a:lnTo>
-                <a:pt x="529741" y="91938"/>
+                <a:pt x="1357631" y="108021"/>
               </a:lnTo>
               <a:lnTo>
-                <a:pt x="0" y="91938"/>
+                <a:pt x="0" y="108021"/>
               </a:lnTo>
               <a:lnTo>
-                <a:pt x="0" y="183877"/>
+                <a:pt x="0" y="216042"/>
               </a:lnTo>
             </a:path>
           </a:pathLst>
@@ -3355,8 +2965,8 @@
       </dsp:nvSpPr>
       <dsp:spPr>
         <a:xfrm>
-          <a:off x="2552486" y="441515"/>
-          <a:ext cx="529741" cy="183877"/>
+          <a:off x="4059552" y="966216"/>
+          <a:ext cx="1387673" cy="216042"/>
         </a:xfrm>
         <a:custGeom>
           <a:avLst/>
@@ -3370,13 +2980,13 @@
                 <a:pt x="0" y="0"/>
               </a:moveTo>
               <a:lnTo>
-                <a:pt x="0" y="91938"/>
+                <a:pt x="0" y="108021"/>
               </a:lnTo>
               <a:lnTo>
-                <a:pt x="529741" y="91938"/>
+                <a:pt x="1387673" y="108021"/>
               </a:lnTo>
               <a:lnTo>
-                <a:pt x="529741" y="183877"/>
+                <a:pt x="1387673" y="216042"/>
               </a:lnTo>
             </a:path>
           </a:pathLst>
@@ -3410,15 +3020,15 @@
         <a:fontRef idx="minor"/>
       </dsp:style>
     </dsp:sp>
-    <dsp:sp modelId="{BF4E1269-A73B-4B96-BEB0-E796D64BB298}">
+    <dsp:sp modelId="{CF23B885-1BB5-4ED1-9525-206B9431E706}">
       <dsp:nvSpPr>
         <dsp:cNvPr id="0" name=""/>
         <dsp:cNvSpPr/>
       </dsp:nvSpPr>
       <dsp:spPr>
         <a:xfrm>
-          <a:off x="2022744" y="441515"/>
-          <a:ext cx="529741" cy="183877"/>
+          <a:off x="2287343" y="2143597"/>
+          <a:ext cx="144200" cy="696711"/>
         </a:xfrm>
         <a:custGeom>
           <a:avLst/>
@@ -3429,16 +3039,75 @@
           <a:pathLst>
             <a:path>
               <a:moveTo>
-                <a:pt x="529741" y="0"/>
+                <a:pt x="0" y="0"/>
               </a:moveTo>
               <a:lnTo>
-                <a:pt x="529741" y="91938"/>
+                <a:pt x="0" y="696711"/>
               </a:lnTo>
               <a:lnTo>
-                <a:pt x="0" y="91938"/>
+                <a:pt x="144200" y="696711"/>
+              </a:lnTo>
+            </a:path>
+          </a:pathLst>
+        </a:custGeom>
+        <a:noFill/>
+        <a:ln w="19050" cap="flat" cmpd="sng" algn="ctr">
+          <a:solidFill>
+            <a:schemeClr val="accent1">
+              <a:shade val="80000"/>
+              <a:hueOff val="0"/>
+              <a:satOff val="0"/>
+              <a:lumOff val="0"/>
+              <a:alphaOff val="0"/>
+            </a:schemeClr>
+          </a:solidFill>
+          <a:prstDash val="solid"/>
+          <a:miter lim="800000"/>
+        </a:ln>
+        <a:effectLst/>
+      </dsp:spPr>
+      <dsp:style>
+        <a:lnRef idx="2">
+          <a:scrgbClr r="0" g="0" b="0"/>
+        </a:lnRef>
+        <a:fillRef idx="0">
+          <a:scrgbClr r="0" g="0" b="0"/>
+        </a:fillRef>
+        <a:effectRef idx="0">
+          <a:scrgbClr r="0" g="0" b="0"/>
+        </a:effectRef>
+        <a:fontRef idx="minor"/>
+      </dsp:style>
+    </dsp:sp>
+    <dsp:sp modelId="{BF4E1269-A73B-4B96-BEB0-E796D64BB298}">
+      <dsp:nvSpPr>
+        <dsp:cNvPr id="0" name=""/>
+        <dsp:cNvSpPr/>
+      </dsp:nvSpPr>
+      <dsp:spPr>
+        <a:xfrm>
+          <a:off x="2671878" y="966216"/>
+          <a:ext cx="1387673" cy="216042"/>
+        </a:xfrm>
+        <a:custGeom>
+          <a:avLst/>
+          <a:gdLst/>
+          <a:ahLst/>
+          <a:cxnLst/>
+          <a:rect l="0" t="0" r="0" b="0"/>
+          <a:pathLst>
+            <a:path>
+              <a:moveTo>
+                <a:pt x="1387673" y="0"/>
+              </a:moveTo>
+              <a:lnTo>
+                <a:pt x="1387673" y="108021"/>
               </a:lnTo>
               <a:lnTo>
-                <a:pt x="0" y="183877"/>
+                <a:pt x="0" y="108021"/>
+              </a:lnTo>
+              <a:lnTo>
+                <a:pt x="0" y="216042"/>
               </a:lnTo>
             </a:path>
           </a:pathLst>
@@ -3479,8 +3148,8 @@
       </dsp:nvSpPr>
       <dsp:spPr>
         <a:xfrm>
-          <a:off x="2114683" y="3712"/>
-          <a:ext cx="875605" cy="437802"/>
+          <a:off x="3578883" y="4878"/>
+          <a:ext cx="961338" cy="961338"/>
         </a:xfrm>
         <a:prstGeom prst="rect">
           <a:avLst/>
@@ -3522,12 +3191,12 @@
         </a:fontRef>
       </dsp:style>
       <dsp:txBody>
-        <a:bodyPr spcFirstLastPara="0" vert="horz" wrap="square" lIns="6350" tIns="6350" rIns="6350" bIns="6350" numCol="1" spcCol="1270" anchor="ctr" anchorCtr="0">
+        <a:bodyPr spcFirstLastPara="0" vert="horz" wrap="square" lIns="6985" tIns="6985" rIns="6985" bIns="6985" numCol="1" spcCol="1270" anchor="ctr" anchorCtr="0">
           <a:noAutofit/>
         </a:bodyPr>
         <a:lstStyle/>
         <a:p>
-          <a:pPr marL="0" lvl="0" indent="0" algn="ctr" defTabSz="444500">
+          <a:pPr marL="0" lvl="0" indent="0" algn="ctr" defTabSz="488950">
             <a:lnSpc>
               <a:spcPct val="90000"/>
             </a:lnSpc>
@@ -3540,14 +3209,19 @@
             <a:buNone/>
           </a:pPr>
           <a:r>
-            <a:rPr lang="en-US" sz="1000" kern="1200" dirty="0"/>
-            <a:t>1446 TC started</a:t>
+            <a:rPr lang="en-US" sz="1100" kern="1200" dirty="0"/>
+            <a:t>1446 bio-naïve RA patients started </a:t>
           </a:r>
+          <a:r>
+            <a:rPr lang="en-US" sz="1100" kern="1200" dirty="0" err="1"/>
+            <a:t>TNFi</a:t>
+          </a:r>
+          <a:endParaRPr lang="en-US" sz="1100" kern="1200" dirty="0"/>
         </a:p>
       </dsp:txBody>
       <dsp:txXfrm>
-        <a:off x="2114683" y="3712"/>
-        <a:ext cx="875605" cy="437802"/>
+        <a:off x="3578883" y="4878"/>
+        <a:ext cx="961338" cy="961338"/>
       </dsp:txXfrm>
     </dsp:sp>
     <dsp:sp modelId="{6317E9B1-6D5A-44AF-93B9-B938173CDEBB}">
@@ -3557,8 +3231,8 @@
       </dsp:nvSpPr>
       <dsp:spPr>
         <a:xfrm>
-          <a:off x="1584942" y="625392"/>
-          <a:ext cx="875605" cy="437802"/>
+          <a:off x="2191209" y="1182259"/>
+          <a:ext cx="961338" cy="961338"/>
         </a:xfrm>
         <a:prstGeom prst="rect">
           <a:avLst/>
@@ -3600,12 +3274,12 @@
         </a:fontRef>
       </dsp:style>
       <dsp:txBody>
-        <a:bodyPr spcFirstLastPara="0" vert="horz" wrap="square" lIns="6350" tIns="6350" rIns="6350" bIns="6350" numCol="1" spcCol="1270" anchor="ctr" anchorCtr="0">
+        <a:bodyPr spcFirstLastPara="0" vert="horz" wrap="square" lIns="6985" tIns="6985" rIns="6985" bIns="6985" numCol="1" spcCol="1270" anchor="ctr" anchorCtr="0">
           <a:noAutofit/>
         </a:bodyPr>
         <a:lstStyle/>
         <a:p>
-          <a:pPr marL="0" lvl="0" indent="0" algn="ctr" defTabSz="444500">
+          <a:pPr marL="0" lvl="0" indent="0" algn="ctr" defTabSz="488950">
             <a:lnSpc>
               <a:spcPct val="90000"/>
             </a:lnSpc>
@@ -3618,25 +3292,25 @@
             <a:buNone/>
           </a:pPr>
           <a:r>
-            <a:rPr lang="en-US" sz="1000" kern="1200" dirty="0"/>
-            <a:t>896 = Das28CRPrem</a:t>
+            <a:rPr lang="en-US" sz="1100" kern="1200" dirty="0"/>
+            <a:t>896 had available DAS28 CRP at three months</a:t>
           </a:r>
         </a:p>
       </dsp:txBody>
       <dsp:txXfrm>
-        <a:off x="1584942" y="625392"/>
-        <a:ext cx="875605" cy="437802"/>
+        <a:off x="2191209" y="1182259"/>
+        <a:ext cx="961338" cy="961338"/>
       </dsp:txXfrm>
     </dsp:sp>
-    <dsp:sp modelId="{DCC4FECE-0530-4899-B802-8BB804A750A7}">
+    <dsp:sp modelId="{8AB78919-0FB9-49CE-A041-27BD7CBCD6A6}">
       <dsp:nvSpPr>
         <dsp:cNvPr id="0" name=""/>
         <dsp:cNvSpPr/>
       </dsp:nvSpPr>
       <dsp:spPr>
         <a:xfrm>
-          <a:off x="2644424" y="625392"/>
-          <a:ext cx="875605" cy="437802"/>
+          <a:off x="2431544" y="2359640"/>
+          <a:ext cx="961338" cy="961338"/>
         </a:xfrm>
         <a:prstGeom prst="rect">
           <a:avLst/>
@@ -3678,12 +3352,12 @@
         </a:fontRef>
       </dsp:style>
       <dsp:txBody>
-        <a:bodyPr spcFirstLastPara="0" vert="horz" wrap="square" lIns="6350" tIns="6350" rIns="6350" bIns="6350" numCol="1" spcCol="1270" anchor="ctr" anchorCtr="0">
+        <a:bodyPr spcFirstLastPara="0" vert="horz" wrap="square" lIns="6985" tIns="6985" rIns="6985" bIns="6985" numCol="1" spcCol="1270" anchor="ctr" anchorCtr="0">
           <a:noAutofit/>
         </a:bodyPr>
         <a:lstStyle/>
         <a:p>
-          <a:pPr marL="0" lvl="0" indent="0" algn="ctr" defTabSz="444500">
+          <a:pPr marL="0" lvl="0" indent="0" algn="ctr" defTabSz="488950">
             <a:lnSpc>
               <a:spcPct val="90000"/>
             </a:lnSpc>
@@ -3696,25 +3370,25 @@
             <a:buNone/>
           </a:pPr>
           <a:r>
-            <a:rPr lang="en-US" sz="1000" kern="1200" dirty="0"/>
-            <a:t>550 NA Das28CRPrem</a:t>
+            <a:rPr lang="en-US" sz="1100" kern="1200" dirty="0"/>
+            <a:t>Remission derived from DAS28 CRP</a:t>
           </a:r>
         </a:p>
       </dsp:txBody>
       <dsp:txXfrm>
-        <a:off x="2644424" y="625392"/>
-        <a:ext cx="875605" cy="437802"/>
+        <a:off x="2431544" y="2359640"/>
+        <a:ext cx="961338" cy="961338"/>
       </dsp:txXfrm>
     </dsp:sp>
-    <dsp:sp modelId="{817974B7-591E-4691-8069-5F1C5B5A1F90}">
+    <dsp:sp modelId="{DCC4FECE-0530-4899-B802-8BB804A750A7}">
       <dsp:nvSpPr>
         <dsp:cNvPr id="0" name=""/>
         <dsp:cNvSpPr/>
       </dsp:nvSpPr>
       <dsp:spPr>
         <a:xfrm>
-          <a:off x="2114683" y="1247072"/>
-          <a:ext cx="875605" cy="437802"/>
+          <a:off x="4966556" y="1182259"/>
+          <a:ext cx="961338" cy="961338"/>
         </a:xfrm>
         <a:prstGeom prst="rect">
           <a:avLst/>
@@ -3756,12 +3430,12 @@
         </a:fontRef>
       </dsp:style>
       <dsp:txBody>
-        <a:bodyPr spcFirstLastPara="0" vert="horz" wrap="square" lIns="6350" tIns="6350" rIns="6350" bIns="6350" numCol="1" spcCol="1270" anchor="ctr" anchorCtr="0">
+        <a:bodyPr spcFirstLastPara="0" vert="horz" wrap="square" lIns="6985" tIns="6985" rIns="6985" bIns="6985" numCol="1" spcCol="1270" anchor="ctr" anchorCtr="0">
           <a:noAutofit/>
         </a:bodyPr>
         <a:lstStyle/>
         <a:p>
-          <a:pPr marL="0" lvl="0" indent="0" algn="ctr" defTabSz="444500">
+          <a:pPr marL="0" lvl="0" indent="0" algn="ctr" defTabSz="488950">
             <a:lnSpc>
               <a:spcPct val="90000"/>
             </a:lnSpc>
@@ -3774,25 +3448,25 @@
             <a:buNone/>
           </a:pPr>
           <a:r>
-            <a:rPr lang="en-US" sz="1000" kern="1200" dirty="0"/>
-            <a:t>3 = Das28ESRrem</a:t>
+            <a:rPr lang="en-US" sz="1100" kern="1200" dirty="0"/>
+            <a:t>550 had missing DAS28 CRP at three months</a:t>
           </a:r>
         </a:p>
       </dsp:txBody>
       <dsp:txXfrm>
-        <a:off x="2114683" y="1247072"/>
-        <a:ext cx="875605" cy="437802"/>
+        <a:off x="4966556" y="1182259"/>
+        <a:ext cx="961338" cy="961338"/>
       </dsp:txXfrm>
     </dsp:sp>
-    <dsp:sp modelId="{871162A3-40A0-4828-BBD3-D7C52F920723}">
+    <dsp:sp modelId="{817974B7-591E-4691-8069-5F1C5B5A1F90}">
       <dsp:nvSpPr>
         <dsp:cNvPr id="0" name=""/>
         <dsp:cNvSpPr/>
       </dsp:nvSpPr>
       <dsp:spPr>
         <a:xfrm>
-          <a:off x="3174165" y="1247072"/>
-          <a:ext cx="875605" cy="437802"/>
+          <a:off x="3608924" y="2359640"/>
+          <a:ext cx="961338" cy="961338"/>
         </a:xfrm>
         <a:prstGeom prst="rect">
           <a:avLst/>
@@ -3834,12 +3508,12 @@
         </a:fontRef>
       </dsp:style>
       <dsp:txBody>
-        <a:bodyPr spcFirstLastPara="0" vert="horz" wrap="square" lIns="6350" tIns="6350" rIns="6350" bIns="6350" numCol="1" spcCol="1270" anchor="ctr" anchorCtr="0">
+        <a:bodyPr spcFirstLastPara="0" vert="horz" wrap="square" lIns="6985" tIns="6985" rIns="6985" bIns="6985" numCol="1" spcCol="1270" anchor="ctr" anchorCtr="0">
           <a:noAutofit/>
         </a:bodyPr>
         <a:lstStyle/>
         <a:p>
-          <a:pPr marL="0" lvl="0" indent="0" algn="ctr" defTabSz="444500">
+          <a:pPr marL="0" lvl="0" indent="0" algn="ctr" defTabSz="488950">
             <a:lnSpc>
               <a:spcPct val="90000"/>
             </a:lnSpc>
@@ -3852,25 +3526,25 @@
             <a:buNone/>
           </a:pPr>
           <a:r>
-            <a:rPr lang="en-US" sz="1000" kern="1200" dirty="0"/>
-            <a:t>547 NA Das28ESRrem</a:t>
+            <a:rPr lang="en-US" sz="1100" kern="1200" dirty="0"/>
+            <a:t>3 had available DAS28 ESR at three months</a:t>
           </a:r>
         </a:p>
       </dsp:txBody>
       <dsp:txXfrm>
-        <a:off x="3174165" y="1247072"/>
-        <a:ext cx="875605" cy="437802"/>
+        <a:off x="3608924" y="2359640"/>
+        <a:ext cx="961338" cy="961338"/>
       </dsp:txXfrm>
     </dsp:sp>
-    <dsp:sp modelId="{1108605C-18EA-49D5-91BE-6655E739C163}">
+    <dsp:sp modelId="{A5919072-AE1F-49F8-996A-2B9FBB587D56}">
       <dsp:nvSpPr>
         <dsp:cNvPr id="0" name=""/>
         <dsp:cNvSpPr/>
       </dsp:nvSpPr>
       <dsp:spPr>
         <a:xfrm>
-          <a:off x="2644424" y="1868752"/>
-          <a:ext cx="875605" cy="437802"/>
+          <a:off x="3849259" y="3537021"/>
+          <a:ext cx="961338" cy="961338"/>
         </a:xfrm>
         <a:prstGeom prst="rect">
           <a:avLst/>
@@ -3912,12 +3586,12 @@
         </a:fontRef>
       </dsp:style>
       <dsp:txBody>
-        <a:bodyPr spcFirstLastPara="0" vert="horz" wrap="square" lIns="6350" tIns="6350" rIns="6350" bIns="6350" numCol="1" spcCol="1270" anchor="ctr" anchorCtr="0">
+        <a:bodyPr spcFirstLastPara="0" vert="horz" wrap="square" lIns="6985" tIns="6985" rIns="6985" bIns="6985" numCol="1" spcCol="1270" anchor="ctr" anchorCtr="0">
           <a:noAutofit/>
         </a:bodyPr>
         <a:lstStyle/>
         <a:p>
-          <a:pPr marL="0" lvl="0" indent="0" algn="ctr" defTabSz="444500">
+          <a:pPr marL="0" lvl="0" indent="0" algn="ctr" defTabSz="488950">
             <a:lnSpc>
               <a:spcPct val="90000"/>
             </a:lnSpc>
@@ -3930,30 +3604,25 @@
             <a:buNone/>
           </a:pPr>
           <a:r>
-            <a:rPr lang="en-US" sz="1000" kern="1200" dirty="0"/>
-            <a:t>28 = </a:t>
+            <a:rPr lang="en-US" sz="1100" kern="1200" dirty="0"/>
+            <a:t>Remission derived from DAS28 ESR</a:t>
           </a:r>
-          <a:r>
-            <a:rPr lang="en-US" sz="1000" kern="1200" dirty="0" err="1"/>
-            <a:t>Cdairem</a:t>
-          </a:r>
-          <a:endParaRPr lang="en-US" sz="1000" kern="1200" dirty="0"/>
         </a:p>
       </dsp:txBody>
       <dsp:txXfrm>
-        <a:off x="2644424" y="1868752"/>
-        <a:ext cx="875605" cy="437802"/>
+        <a:off x="3849259" y="3537021"/>
+        <a:ext cx="961338" cy="961338"/>
       </dsp:txXfrm>
     </dsp:sp>
-    <dsp:sp modelId="{781CF4FD-B391-4C92-88AB-138993AFCDB8}">
+    <dsp:sp modelId="{871162A3-40A0-4828-BBD3-D7C52F920723}">
       <dsp:nvSpPr>
         <dsp:cNvPr id="0" name=""/>
         <dsp:cNvSpPr/>
       </dsp:nvSpPr>
       <dsp:spPr>
         <a:xfrm>
-          <a:off x="3703907" y="1868752"/>
-          <a:ext cx="875605" cy="437802"/>
+          <a:off x="6324188" y="2359640"/>
+          <a:ext cx="961338" cy="961338"/>
         </a:xfrm>
         <a:prstGeom prst="rect">
           <a:avLst/>
@@ -3995,12 +3664,12 @@
         </a:fontRef>
       </dsp:style>
       <dsp:txBody>
-        <a:bodyPr spcFirstLastPara="0" vert="horz" wrap="square" lIns="6350" tIns="6350" rIns="6350" bIns="6350" numCol="1" spcCol="1270" anchor="ctr" anchorCtr="0">
+        <a:bodyPr spcFirstLastPara="0" vert="horz" wrap="square" lIns="6985" tIns="6985" rIns="6985" bIns="6985" numCol="1" spcCol="1270" anchor="ctr" anchorCtr="0">
           <a:noAutofit/>
         </a:bodyPr>
         <a:lstStyle/>
         <a:p>
-          <a:pPr marL="0" lvl="0" indent="0" algn="ctr" defTabSz="444500">
+          <a:pPr marL="0" lvl="0" indent="0" algn="ctr" defTabSz="488950">
             <a:lnSpc>
               <a:spcPct val="90000"/>
             </a:lnSpc>
@@ -4013,30 +3682,25 @@
             <a:buNone/>
           </a:pPr>
           <a:r>
-            <a:rPr lang="en-US" sz="1000" kern="1200" dirty="0"/>
-            <a:t>519 NA </a:t>
+            <a:rPr lang="en-US" sz="1100" kern="1200" dirty="0"/>
+            <a:t>547 had missing DAS28 ESR at three months</a:t>
           </a:r>
-          <a:r>
-            <a:rPr lang="en-US" sz="1000" kern="1200" dirty="0" err="1"/>
-            <a:t>Cdairem</a:t>
-          </a:r>
-          <a:endParaRPr lang="en-US" sz="1000" kern="1200" dirty="0"/>
         </a:p>
       </dsp:txBody>
       <dsp:txXfrm>
-        <a:off x="3703907" y="1868752"/>
-        <a:ext cx="875605" cy="437802"/>
+        <a:off x="6324188" y="2359640"/>
+        <a:ext cx="961338" cy="961338"/>
       </dsp:txXfrm>
     </dsp:sp>
-    <dsp:sp modelId="{71C092B6-700E-4976-BF80-B043B4CCB2C7}">
+    <dsp:sp modelId="{1108605C-18EA-49D5-91BE-6655E739C163}">
       <dsp:nvSpPr>
         <dsp:cNvPr id="0" name=""/>
         <dsp:cNvSpPr/>
       </dsp:nvSpPr>
       <dsp:spPr>
         <a:xfrm>
-          <a:off x="3174165" y="2490432"/>
-          <a:ext cx="875605" cy="437802"/>
+          <a:off x="5026640" y="3537021"/>
+          <a:ext cx="961338" cy="961338"/>
         </a:xfrm>
         <a:prstGeom prst="rect">
           <a:avLst/>
@@ -4078,12 +3742,12 @@
         </a:fontRef>
       </dsp:style>
       <dsp:txBody>
-        <a:bodyPr spcFirstLastPara="0" vert="horz" wrap="square" lIns="6350" tIns="6350" rIns="6350" bIns="6350" numCol="1" spcCol="1270" anchor="ctr" anchorCtr="0">
+        <a:bodyPr spcFirstLastPara="0" vert="horz" wrap="square" lIns="6985" tIns="6985" rIns="6985" bIns="6985" numCol="1" spcCol="1270" anchor="ctr" anchorCtr="0">
           <a:noAutofit/>
         </a:bodyPr>
         <a:lstStyle/>
         <a:p>
-          <a:pPr marL="0" lvl="0" indent="0" algn="ctr" defTabSz="444500">
+          <a:pPr marL="0" lvl="0" indent="0" algn="ctr" defTabSz="488950">
             <a:lnSpc>
               <a:spcPct val="90000"/>
             </a:lnSpc>
@@ -4096,30 +3760,25 @@
             <a:buNone/>
           </a:pPr>
           <a:r>
-            <a:rPr lang="en-US" sz="1000" kern="1200" dirty="0"/>
-            <a:t>12 = </a:t>
+            <a:rPr lang="en-US" sz="1100" kern="1200" dirty="0"/>
+            <a:t>28 had available CDAI at three months</a:t>
           </a:r>
-          <a:r>
-            <a:rPr lang="en-US" sz="1000" kern="1200" dirty="0" err="1"/>
-            <a:t>asdasrem</a:t>
-          </a:r>
-          <a:endParaRPr lang="en-US" sz="1000" kern="1200" dirty="0"/>
         </a:p>
       </dsp:txBody>
       <dsp:txXfrm>
-        <a:off x="3174165" y="2490432"/>
-        <a:ext cx="875605" cy="437802"/>
+        <a:off x="5026640" y="3537021"/>
+        <a:ext cx="961338" cy="961338"/>
       </dsp:txXfrm>
     </dsp:sp>
-    <dsp:sp modelId="{6CAF8A63-5198-4360-99F2-205CDB4EDF60}">
+    <dsp:sp modelId="{BFE20FB9-C2EA-4BAF-9000-ED08E2D4DD00}">
       <dsp:nvSpPr>
         <dsp:cNvPr id="0" name=""/>
         <dsp:cNvSpPr/>
       </dsp:nvSpPr>
       <dsp:spPr>
         <a:xfrm>
-          <a:off x="4233648" y="2490432"/>
-          <a:ext cx="875605" cy="437802"/>
+          <a:off x="5266974" y="4714402"/>
+          <a:ext cx="961338" cy="961338"/>
         </a:xfrm>
         <a:prstGeom prst="rect">
           <a:avLst/>
@@ -4161,12 +3820,12 @@
         </a:fontRef>
       </dsp:style>
       <dsp:txBody>
-        <a:bodyPr spcFirstLastPara="0" vert="horz" wrap="square" lIns="6350" tIns="6350" rIns="6350" bIns="6350" numCol="1" spcCol="1270" anchor="ctr" anchorCtr="0">
+        <a:bodyPr spcFirstLastPara="0" vert="horz" wrap="square" lIns="6985" tIns="6985" rIns="6985" bIns="6985" numCol="1" spcCol="1270" anchor="ctr" anchorCtr="0">
           <a:noAutofit/>
         </a:bodyPr>
         <a:lstStyle/>
         <a:p>
-          <a:pPr marL="0" lvl="0" indent="0" algn="ctr" defTabSz="444500">
+          <a:pPr marL="0" lvl="0" indent="0" algn="ctr" defTabSz="488950">
             <a:lnSpc>
               <a:spcPct val="90000"/>
             </a:lnSpc>
@@ -4179,30 +3838,25 @@
             <a:buNone/>
           </a:pPr>
           <a:r>
-            <a:rPr lang="en-US" sz="1000" kern="1200" dirty="0"/>
-            <a:t>507 NA </a:t>
+            <a:rPr lang="en-US" sz="1100" kern="1200" dirty="0"/>
+            <a:t>Remission derived from CDAI</a:t>
           </a:r>
-          <a:r>
-            <a:rPr lang="en-US" sz="1000" kern="1200" dirty="0" err="1"/>
-            <a:t>asdas</a:t>
-          </a:r>
-          <a:endParaRPr lang="en-US" sz="1000" kern="1200" dirty="0"/>
         </a:p>
       </dsp:txBody>
       <dsp:txXfrm>
-        <a:off x="4233648" y="2490432"/>
-        <a:ext cx="875605" cy="437802"/>
+        <a:off x="5266974" y="4714402"/>
+        <a:ext cx="961338" cy="961338"/>
       </dsp:txXfrm>
     </dsp:sp>
-    <dsp:sp modelId="{F2025884-82D7-4D8F-9824-2629A1B20E73}">
+    <dsp:sp modelId="{781CF4FD-B391-4C92-88AB-138993AFCDB8}">
       <dsp:nvSpPr>
         <dsp:cNvPr id="0" name=""/>
         <dsp:cNvSpPr/>
       </dsp:nvSpPr>
       <dsp:spPr>
         <a:xfrm>
-          <a:off x="3703907" y="3112112"/>
-          <a:ext cx="875605" cy="437802"/>
+          <a:off x="7621736" y="3537021"/>
+          <a:ext cx="961338" cy="961338"/>
         </a:xfrm>
         <a:prstGeom prst="rect">
           <a:avLst/>
@@ -4244,12 +3898,12 @@
         </a:fontRef>
       </dsp:style>
       <dsp:txBody>
-        <a:bodyPr spcFirstLastPara="0" vert="horz" wrap="square" lIns="6350" tIns="6350" rIns="6350" bIns="6350" numCol="1" spcCol="1270" anchor="ctr" anchorCtr="0">
+        <a:bodyPr spcFirstLastPara="0" vert="horz" wrap="square" lIns="6985" tIns="6985" rIns="6985" bIns="6985" numCol="1" spcCol="1270" anchor="ctr" anchorCtr="0">
           <a:noAutofit/>
         </a:bodyPr>
         <a:lstStyle/>
         <a:p>
-          <a:pPr marL="0" lvl="0" indent="0" algn="ctr" defTabSz="444500">
+          <a:pPr marL="0" lvl="0" indent="0" algn="ctr" defTabSz="488950">
             <a:lnSpc>
               <a:spcPct val="90000"/>
             </a:lnSpc>
@@ -4262,41 +3916,25 @@
             <a:buNone/>
           </a:pPr>
           <a:r>
-            <a:rPr lang="en-US" sz="1000" kern="1200" dirty="0"/>
-            <a:t>149 = </a:t>
-          </a:r>
-          <a:r>
-            <a:rPr lang="en-US" sz="1000" kern="1200" dirty="0" err="1"/>
-            <a:t>Wdr</a:t>
-          </a:r>
-          <a:r>
-            <a:rPr lang="en-US" sz="1000" kern="1200" dirty="0"/>
-            <a:t> within 1y </a:t>
-          </a:r>
-          <a:r>
-            <a:rPr lang="en-US" sz="1000" kern="1200" dirty="0" err="1"/>
-            <a:t>bc</a:t>
-          </a:r>
-          <a:r>
-            <a:rPr lang="en-US" sz="1000" kern="1200" dirty="0"/>
-            <a:t> AE or efficacy</a:t>
+            <a:rPr lang="en-US" sz="1100" kern="1200" dirty="0"/>
+            <a:t>519 had missing CDAI at three months</a:t>
           </a:r>
         </a:p>
       </dsp:txBody>
       <dsp:txXfrm>
-        <a:off x="3703907" y="3112112"/>
-        <a:ext cx="875605" cy="437802"/>
+        <a:off x="7621736" y="3537021"/>
+        <a:ext cx="961338" cy="961338"/>
       </dsp:txXfrm>
     </dsp:sp>
-    <dsp:sp modelId="{65EB0A20-4CF3-4927-8B4B-D1FB13FE66F7}">
+    <dsp:sp modelId="{F2025884-82D7-4D8F-9824-2629A1B20E73}">
       <dsp:nvSpPr>
         <dsp:cNvPr id="0" name=""/>
         <dsp:cNvSpPr/>
       </dsp:nvSpPr>
       <dsp:spPr>
         <a:xfrm>
-          <a:off x="4763389" y="3112112"/>
-          <a:ext cx="875605" cy="437802"/>
+          <a:off x="6444355" y="4714402"/>
+          <a:ext cx="961338" cy="961338"/>
         </a:xfrm>
         <a:prstGeom prst="rect">
           <a:avLst/>
@@ -4338,12 +3976,12 @@
         </a:fontRef>
       </dsp:style>
       <dsp:txBody>
-        <a:bodyPr spcFirstLastPara="0" vert="horz" wrap="square" lIns="6350" tIns="6350" rIns="6350" bIns="6350" numCol="1" spcCol="1270" anchor="ctr" anchorCtr="0">
+        <a:bodyPr spcFirstLastPara="0" vert="horz" wrap="square" lIns="6985" tIns="6985" rIns="6985" bIns="6985" numCol="1" spcCol="1270" anchor="ctr" anchorCtr="0">
           <a:noAutofit/>
         </a:bodyPr>
         <a:lstStyle/>
         <a:p>
-          <a:pPr marL="0" lvl="0" indent="0" algn="ctr" defTabSz="444500">
+          <a:pPr marL="0" lvl="0" indent="0" algn="ctr" defTabSz="488950">
             <a:lnSpc>
               <a:spcPct val="90000"/>
             </a:lnSpc>
@@ -4356,25 +3994,25 @@
             <a:buNone/>
           </a:pPr>
           <a:r>
-            <a:rPr lang="en-US" sz="1000" kern="1200" dirty="0"/>
-            <a:t>358 NA</a:t>
+            <a:rPr lang="en-US" sz="1100" kern="1200" dirty="0"/>
+            <a:t>156 terminated treatment within a year due to adverse events or lack of efficacy</a:t>
           </a:r>
         </a:p>
       </dsp:txBody>
       <dsp:txXfrm>
-        <a:off x="4763389" y="3112112"/>
-        <a:ext cx="875605" cy="437802"/>
+        <a:off x="6444355" y="4714402"/>
+        <a:ext cx="961338" cy="961338"/>
       </dsp:txXfrm>
     </dsp:sp>
-    <dsp:sp modelId="{5E8E34D4-4F0D-4292-8A2D-EB5DEC3C53E2}">
+    <dsp:sp modelId="{65EB0A20-4CF3-4927-8B4B-D1FB13FE66F7}">
       <dsp:nvSpPr>
         <dsp:cNvPr id="0" name=""/>
         <dsp:cNvSpPr/>
       </dsp:nvSpPr>
       <dsp:spPr>
         <a:xfrm>
-          <a:off x="4078228" y="3733791"/>
-          <a:ext cx="875605" cy="437802"/>
+          <a:off x="6684690" y="5891783"/>
+          <a:ext cx="961338" cy="961338"/>
         </a:xfrm>
         <a:prstGeom prst="rect">
           <a:avLst/>
@@ -4416,12 +4054,12 @@
         </a:fontRef>
       </dsp:style>
       <dsp:txBody>
-        <a:bodyPr spcFirstLastPara="0" vert="horz" wrap="square" lIns="6350" tIns="6350" rIns="6350" bIns="6350" numCol="1" spcCol="1270" anchor="ctr" anchorCtr="0">
+        <a:bodyPr spcFirstLastPara="0" vert="horz" wrap="square" lIns="6985" tIns="6985" rIns="6985" bIns="6985" numCol="1" spcCol="1270" anchor="ctr" anchorCtr="0">
           <a:noAutofit/>
         </a:bodyPr>
         <a:lstStyle/>
         <a:p>
-          <a:pPr marL="0" lvl="0" indent="0" algn="ctr" defTabSz="444500">
+          <a:pPr marL="0" lvl="0" indent="0" algn="ctr" defTabSz="488950">
             <a:lnSpc>
               <a:spcPct val="90000"/>
             </a:lnSpc>
@@ -4434,25 +4072,25 @@
             <a:buNone/>
           </a:pPr>
           <a:r>
-            <a:rPr lang="en-US" sz="1000" kern="1200" dirty="0"/>
-            <a:t>304 No V2</a:t>
+            <a:rPr lang="en-US" sz="1100" kern="1200" dirty="0"/>
+            <a:t>Imputed as non-remission</a:t>
           </a:r>
         </a:p>
       </dsp:txBody>
       <dsp:txXfrm>
-        <a:off x="4078228" y="3733791"/>
-        <a:ext cx="875605" cy="437802"/>
+        <a:off x="6684690" y="5891783"/>
+        <a:ext cx="961338" cy="961338"/>
       </dsp:txXfrm>
     </dsp:sp>
-    <dsp:sp modelId="{407B5F66-FFA7-4AFD-B339-2FB016021563}">
+    <dsp:sp modelId="{636118FD-B00B-4BC7-B38C-A59A8CA7378D}">
       <dsp:nvSpPr>
         <dsp:cNvPr id="0" name=""/>
         <dsp:cNvSpPr/>
       </dsp:nvSpPr>
       <dsp:spPr>
         <a:xfrm>
-          <a:off x="3548487" y="4355471"/>
-          <a:ext cx="875605" cy="437802"/>
+          <a:off x="7621736" y="4714402"/>
+          <a:ext cx="961338" cy="961338"/>
         </a:xfrm>
         <a:prstGeom prst="rect">
           <a:avLst/>
@@ -4494,12 +4132,12 @@
         </a:fontRef>
       </dsp:style>
       <dsp:txBody>
-        <a:bodyPr spcFirstLastPara="0" vert="horz" wrap="square" lIns="6350" tIns="6350" rIns="6350" bIns="6350" numCol="1" spcCol="1270" anchor="ctr" anchorCtr="0">
+        <a:bodyPr spcFirstLastPara="0" vert="horz" wrap="square" lIns="6985" tIns="6985" rIns="6985" bIns="6985" numCol="1" spcCol="1270" anchor="ctr" anchorCtr="0">
           <a:noAutofit/>
         </a:bodyPr>
         <a:lstStyle/>
         <a:p>
-          <a:pPr marL="0" lvl="0" indent="0" algn="ctr" defTabSz="444500">
+          <a:pPr marL="0" lvl="0" indent="0" algn="ctr" defTabSz="488950">
             <a:lnSpc>
               <a:spcPct val="90000"/>
             </a:lnSpc>
@@ -4512,25 +4150,25 @@
             <a:buNone/>
           </a:pPr>
           <a:r>
-            <a:rPr lang="en-US" sz="1000" kern="1200" dirty="0"/>
-            <a:t>213 BL = last visit</a:t>
+            <a:rPr lang="en-US" sz="1100" kern="1200" dirty="0"/>
+            <a:t>260 terminated treatment within a year for other reasons</a:t>
           </a:r>
         </a:p>
       </dsp:txBody>
       <dsp:txXfrm>
-        <a:off x="3548487" y="4355471"/>
-        <a:ext cx="875605" cy="437802"/>
+        <a:off x="7621736" y="4714402"/>
+        <a:ext cx="961338" cy="961338"/>
       </dsp:txXfrm>
     </dsp:sp>
-    <dsp:sp modelId="{7E3FCFE3-CB0B-4776-BDCB-E1BC4DB5BA01}">
+    <dsp:sp modelId="{43E097B7-4998-4017-807E-9781AEB1ADE1}">
       <dsp:nvSpPr>
         <dsp:cNvPr id="0" name=""/>
         <dsp:cNvSpPr/>
       </dsp:nvSpPr>
       <dsp:spPr>
         <a:xfrm>
-          <a:off x="3767388" y="4977151"/>
-          <a:ext cx="875605" cy="437802"/>
+          <a:off x="7862071" y="5891783"/>
+          <a:ext cx="961338" cy="961338"/>
         </a:xfrm>
         <a:prstGeom prst="rect">
           <a:avLst/>
@@ -4572,12 +4210,12 @@
         </a:fontRef>
       </dsp:style>
       <dsp:txBody>
-        <a:bodyPr spcFirstLastPara="0" vert="horz" wrap="square" lIns="6350" tIns="6350" rIns="6350" bIns="6350" numCol="1" spcCol="1270" anchor="ctr" anchorCtr="0">
+        <a:bodyPr spcFirstLastPara="0" vert="horz" wrap="square" lIns="6985" tIns="6985" rIns="6985" bIns="6985" numCol="1" spcCol="1270" anchor="ctr" anchorCtr="0">
           <a:noAutofit/>
         </a:bodyPr>
         <a:lstStyle/>
         <a:p>
-          <a:pPr marL="0" lvl="0" indent="0" algn="ctr" defTabSz="444500">
+          <a:pPr marL="0" lvl="0" indent="0" algn="ctr" defTabSz="488950">
             <a:lnSpc>
               <a:spcPct val="90000"/>
             </a:lnSpc>
@@ -4590,25 +4228,25 @@
             <a:buNone/>
           </a:pPr>
           <a:r>
-            <a:rPr lang="en-US" sz="1000" kern="1200" dirty="0"/>
-            <a:t>MICE</a:t>
+            <a:rPr lang="en-US" sz="1100" kern="1200" dirty="0"/>
+            <a:t>Imputed by MICE</a:t>
           </a:r>
         </a:p>
       </dsp:txBody>
       <dsp:txXfrm>
-        <a:off x="3767388" y="4977151"/>
-        <a:ext cx="875605" cy="437802"/>
+        <a:off x="7862071" y="5891783"/>
+        <a:ext cx="961338" cy="961338"/>
       </dsp:txXfrm>
     </dsp:sp>
-    <dsp:sp modelId="{AEC1045E-39B5-4D74-8D62-5CCB7CDCB38F}">
+    <dsp:sp modelId="{4A9B1D3F-582C-4205-9937-2DEF24D463B1}">
       <dsp:nvSpPr>
         <dsp:cNvPr id="0" name=""/>
         <dsp:cNvSpPr/>
       </dsp:nvSpPr>
       <dsp:spPr>
         <a:xfrm>
-          <a:off x="4607969" y="4355471"/>
-          <a:ext cx="875605" cy="437802"/>
+          <a:off x="8799117" y="4714402"/>
+          <a:ext cx="961338" cy="961338"/>
         </a:xfrm>
         <a:prstGeom prst="rect">
           <a:avLst/>
@@ -4650,12 +4288,12 @@
         </a:fontRef>
       </dsp:style>
       <dsp:txBody>
-        <a:bodyPr spcFirstLastPara="0" vert="horz" wrap="square" lIns="6350" tIns="6350" rIns="6350" bIns="6350" numCol="1" spcCol="1270" anchor="ctr" anchorCtr="0">
+        <a:bodyPr spcFirstLastPara="0" vert="horz" wrap="square" lIns="6985" tIns="6985" rIns="6985" bIns="6985" numCol="1" spcCol="1270" anchor="ctr" anchorCtr="0">
           <a:noAutofit/>
         </a:bodyPr>
         <a:lstStyle/>
         <a:p>
-          <a:pPr marL="0" lvl="0" indent="0" algn="ctr" defTabSz="444500">
+          <a:pPr marL="0" lvl="0" indent="0" algn="ctr" defTabSz="488950">
             <a:lnSpc>
               <a:spcPct val="90000"/>
             </a:lnSpc>
@@ -4668,25 +4306,25 @@
             <a:buNone/>
           </a:pPr>
           <a:r>
-            <a:rPr lang="en-US" sz="1000" kern="1200" dirty="0"/>
-            <a:t>91 last visit &gt; BL</a:t>
+            <a:rPr lang="en-US" sz="1100" kern="1200" dirty="0"/>
+            <a:t>103 didn’t terminate treatment within a year</a:t>
           </a:r>
         </a:p>
       </dsp:txBody>
       <dsp:txXfrm>
-        <a:off x="4607969" y="4355471"/>
-        <a:ext cx="875605" cy="437802"/>
+        <a:off x="8799117" y="4714402"/>
+        <a:ext cx="961338" cy="961338"/>
       </dsp:txXfrm>
     </dsp:sp>
-    <dsp:sp modelId="{861FED17-5E93-4AE4-B5B4-67D88FFBC64A}">
+    <dsp:sp modelId="{22FF8EED-2B44-4F74-B79A-7E547693D289}">
       <dsp:nvSpPr>
         <dsp:cNvPr id="0" name=""/>
         <dsp:cNvSpPr/>
       </dsp:nvSpPr>
       <dsp:spPr>
         <a:xfrm>
-          <a:off x="4826871" y="4977151"/>
-          <a:ext cx="875605" cy="437802"/>
+          <a:off x="9039452" y="5891783"/>
+          <a:ext cx="961338" cy="961338"/>
         </a:xfrm>
         <a:prstGeom prst="rect">
           <a:avLst/>
@@ -4728,12 +4366,12 @@
         </a:fontRef>
       </dsp:style>
       <dsp:txBody>
-        <a:bodyPr spcFirstLastPara="0" vert="horz" wrap="square" lIns="6350" tIns="6350" rIns="6350" bIns="6350" numCol="1" spcCol="1270" anchor="ctr" anchorCtr="0">
+        <a:bodyPr spcFirstLastPara="0" vert="horz" wrap="square" lIns="6985" tIns="6985" rIns="6985" bIns="6985" numCol="1" spcCol="1270" anchor="ctr" anchorCtr="0">
           <a:noAutofit/>
         </a:bodyPr>
         <a:lstStyle/>
         <a:p>
-          <a:pPr marL="0" lvl="0" indent="0" algn="ctr" defTabSz="444500">
+          <a:pPr marL="0" lvl="0" indent="0" algn="ctr" defTabSz="488950">
             <a:lnSpc>
               <a:spcPct val="90000"/>
             </a:lnSpc>
@@ -4746,170 +4384,14 @@
             <a:buNone/>
           </a:pPr>
           <a:r>
-            <a:rPr lang="en-US" sz="1000" kern="1200" dirty="0"/>
-            <a:t>MICE</a:t>
+            <a:rPr lang="en-US" sz="1100" kern="1200" dirty="0"/>
+            <a:t>Imputed by MICE</a:t>
           </a:r>
         </a:p>
       </dsp:txBody>
       <dsp:txXfrm>
-        <a:off x="4826871" y="4977151"/>
-        <a:ext cx="875605" cy="437802"/>
-      </dsp:txXfrm>
-    </dsp:sp>
-    <dsp:sp modelId="{23CB4CB8-9227-4A27-B532-40F3A1FDF5EF}">
-      <dsp:nvSpPr>
-        <dsp:cNvPr id="0" name=""/>
-        <dsp:cNvSpPr/>
-      </dsp:nvSpPr>
-      <dsp:spPr>
-        <a:xfrm>
-          <a:off x="5448551" y="3733791"/>
-          <a:ext cx="875605" cy="437802"/>
-        </a:xfrm>
-        <a:prstGeom prst="rect">
-          <a:avLst/>
-        </a:prstGeom>
-        <a:solidFill>
-          <a:schemeClr val="accent1">
-            <a:hueOff val="0"/>
-            <a:satOff val="0"/>
-            <a:lumOff val="0"/>
-            <a:alphaOff val="0"/>
-          </a:schemeClr>
-        </a:solidFill>
-        <a:ln w="19050" cap="flat" cmpd="sng" algn="ctr">
-          <a:solidFill>
-            <a:schemeClr val="lt1">
-              <a:hueOff val="0"/>
-              <a:satOff val="0"/>
-              <a:lumOff val="0"/>
-              <a:alphaOff val="0"/>
-            </a:schemeClr>
-          </a:solidFill>
-          <a:prstDash val="solid"/>
-          <a:miter lim="800000"/>
-        </a:ln>
-        <a:effectLst/>
-      </dsp:spPr>
-      <dsp:style>
-        <a:lnRef idx="2">
-          <a:scrgbClr r="0" g="0" b="0"/>
-        </a:lnRef>
-        <a:fillRef idx="1">
-          <a:scrgbClr r="0" g="0" b="0"/>
-        </a:fillRef>
-        <a:effectRef idx="0">
-          <a:scrgbClr r="0" g="0" b="0"/>
-        </a:effectRef>
-        <a:fontRef idx="minor">
-          <a:schemeClr val="lt1"/>
-        </a:fontRef>
-      </dsp:style>
-      <dsp:txBody>
-        <a:bodyPr spcFirstLastPara="0" vert="horz" wrap="square" lIns="6350" tIns="6350" rIns="6350" bIns="6350" numCol="1" spcCol="1270" anchor="ctr" anchorCtr="0">
-          <a:noAutofit/>
-        </a:bodyPr>
-        <a:lstStyle/>
-        <a:p>
-          <a:pPr marL="0" lvl="0" indent="0" algn="ctr" defTabSz="444500">
-            <a:lnSpc>
-              <a:spcPct val="90000"/>
-            </a:lnSpc>
-            <a:spcBef>
-              <a:spcPct val="0"/>
-            </a:spcBef>
-            <a:spcAft>
-              <a:spcPct val="35000"/>
-            </a:spcAft>
-            <a:buNone/>
-          </a:pPr>
-          <a:r>
-            <a:rPr lang="en-US" sz="1000" kern="1200" dirty="0"/>
-            <a:t>54 V2</a:t>
-          </a:r>
-        </a:p>
-      </dsp:txBody>
-      <dsp:txXfrm>
-        <a:off x="5448551" y="3733791"/>
-        <a:ext cx="875605" cy="437802"/>
-      </dsp:txXfrm>
-    </dsp:sp>
-    <dsp:sp modelId="{2F1D11EE-E9F2-4845-BDC9-770076CD92CE}">
-      <dsp:nvSpPr>
-        <dsp:cNvPr id="0" name=""/>
-        <dsp:cNvSpPr/>
-      </dsp:nvSpPr>
-      <dsp:spPr>
-        <a:xfrm>
-          <a:off x="5667452" y="4355471"/>
-          <a:ext cx="875605" cy="437802"/>
-        </a:xfrm>
-        <a:prstGeom prst="rect">
-          <a:avLst/>
-        </a:prstGeom>
-        <a:solidFill>
-          <a:schemeClr val="accent1">
-            <a:hueOff val="0"/>
-            <a:satOff val="0"/>
-            <a:lumOff val="0"/>
-            <a:alphaOff val="0"/>
-          </a:schemeClr>
-        </a:solidFill>
-        <a:ln w="19050" cap="flat" cmpd="sng" algn="ctr">
-          <a:solidFill>
-            <a:schemeClr val="lt1">
-              <a:hueOff val="0"/>
-              <a:satOff val="0"/>
-              <a:lumOff val="0"/>
-              <a:alphaOff val="0"/>
-            </a:schemeClr>
-          </a:solidFill>
-          <a:prstDash val="solid"/>
-          <a:miter lim="800000"/>
-        </a:ln>
-        <a:effectLst/>
-      </dsp:spPr>
-      <dsp:style>
-        <a:lnRef idx="2">
-          <a:scrgbClr r="0" g="0" b="0"/>
-        </a:lnRef>
-        <a:fillRef idx="1">
-          <a:scrgbClr r="0" g="0" b="0"/>
-        </a:fillRef>
-        <a:effectRef idx="0">
-          <a:scrgbClr r="0" g="0" b="0"/>
-        </a:effectRef>
-        <a:fontRef idx="minor">
-          <a:schemeClr val="lt1"/>
-        </a:fontRef>
-      </dsp:style>
-      <dsp:txBody>
-        <a:bodyPr spcFirstLastPara="0" vert="horz" wrap="square" lIns="6350" tIns="6350" rIns="6350" bIns="6350" numCol="1" spcCol="1270" anchor="ctr" anchorCtr="0">
-          <a:noAutofit/>
-        </a:bodyPr>
-        <a:lstStyle/>
-        <a:p>
-          <a:pPr marL="0" lvl="0" indent="0" algn="ctr" defTabSz="444500">
-            <a:lnSpc>
-              <a:spcPct val="90000"/>
-            </a:lnSpc>
-            <a:spcBef>
-              <a:spcPct val="0"/>
-            </a:spcBef>
-            <a:spcAft>
-              <a:spcPct val="35000"/>
-            </a:spcAft>
-            <a:buNone/>
-          </a:pPr>
-          <a:r>
-            <a:rPr lang="en-US" sz="1000" kern="1200" dirty="0"/>
-            <a:t>MICE</a:t>
-          </a:r>
-        </a:p>
-      </dsp:txBody>
-      <dsp:txXfrm>
-        <a:off x="5667452" y="4355471"/>
-        <a:ext cx="875605" cy="437802"/>
+        <a:off x="9039452" y="5891783"/>
+        <a:ext cx="961338" cy="961338"/>
       </dsp:txXfrm>
     </dsp:sp>
   </dsp:spTree>
@@ -7243,7 +6725,7 @@
           <a:p>
             <a:fld id="{3A31B9E7-0F08-4DD2-AC83-B0B374DD8280}" type="datetimeFigureOut">
               <a:rPr lang="en-US" smtClean="0"/>
-              <a:t>8/29/2024</a:t>
+              <a:t>2/16/2025</a:t>
             </a:fld>
             <a:endParaRPr lang="en-US"/>
           </a:p>
@@ -7441,7 +6923,7 @@
           <a:p>
             <a:fld id="{3A31B9E7-0F08-4DD2-AC83-B0B374DD8280}" type="datetimeFigureOut">
               <a:rPr lang="en-US" smtClean="0"/>
-              <a:t>8/29/2024</a:t>
+              <a:t>2/16/2025</a:t>
             </a:fld>
             <a:endParaRPr lang="en-US"/>
           </a:p>
@@ -7649,7 +7131,7 @@
           <a:p>
             <a:fld id="{3A31B9E7-0F08-4DD2-AC83-B0B374DD8280}" type="datetimeFigureOut">
               <a:rPr lang="en-US" smtClean="0"/>
-              <a:t>8/29/2024</a:t>
+              <a:t>2/16/2025</a:t>
             </a:fld>
             <a:endParaRPr lang="en-US"/>
           </a:p>
@@ -7847,7 +7329,7 @@
           <a:p>
             <a:fld id="{3A31B9E7-0F08-4DD2-AC83-B0B374DD8280}" type="datetimeFigureOut">
               <a:rPr lang="en-US" smtClean="0"/>
-              <a:t>8/29/2024</a:t>
+              <a:t>2/16/2025</a:t>
             </a:fld>
             <a:endParaRPr lang="en-US"/>
           </a:p>
@@ -8122,7 +7604,7 @@
           <a:p>
             <a:fld id="{3A31B9E7-0F08-4DD2-AC83-B0B374DD8280}" type="datetimeFigureOut">
               <a:rPr lang="en-US" smtClean="0"/>
-              <a:t>8/29/2024</a:t>
+              <a:t>2/16/2025</a:t>
             </a:fld>
             <a:endParaRPr lang="en-US"/>
           </a:p>
@@ -8387,7 +7869,7 @@
           <a:p>
             <a:fld id="{3A31B9E7-0F08-4DD2-AC83-B0B374DD8280}" type="datetimeFigureOut">
               <a:rPr lang="en-US" smtClean="0"/>
-              <a:t>8/29/2024</a:t>
+              <a:t>2/16/2025</a:t>
             </a:fld>
             <a:endParaRPr lang="en-US"/>
           </a:p>
@@ -8799,7 +8281,7 @@
           <a:p>
             <a:fld id="{3A31B9E7-0F08-4DD2-AC83-B0B374DD8280}" type="datetimeFigureOut">
               <a:rPr lang="en-US" smtClean="0"/>
-              <a:t>8/29/2024</a:t>
+              <a:t>2/16/2025</a:t>
             </a:fld>
             <a:endParaRPr lang="en-US"/>
           </a:p>
@@ -8940,7 +8422,7 @@
           <a:p>
             <a:fld id="{3A31B9E7-0F08-4DD2-AC83-B0B374DD8280}" type="datetimeFigureOut">
               <a:rPr lang="en-US" smtClean="0"/>
-              <a:t>8/29/2024</a:t>
+              <a:t>2/16/2025</a:t>
             </a:fld>
             <a:endParaRPr lang="en-US"/>
           </a:p>
@@ -9053,7 +8535,7 @@
           <a:p>
             <a:fld id="{3A31B9E7-0F08-4DD2-AC83-B0B374DD8280}" type="datetimeFigureOut">
               <a:rPr lang="en-US" smtClean="0"/>
-              <a:t>8/29/2024</a:t>
+              <a:t>2/16/2025</a:t>
             </a:fld>
             <a:endParaRPr lang="en-US"/>
           </a:p>
@@ -9364,7 +8846,7 @@
           <a:p>
             <a:fld id="{3A31B9E7-0F08-4DD2-AC83-B0B374DD8280}" type="datetimeFigureOut">
               <a:rPr lang="en-US" smtClean="0"/>
-              <a:t>8/29/2024</a:t>
+              <a:t>2/16/2025</a:t>
             </a:fld>
             <a:endParaRPr lang="en-US"/>
           </a:p>
@@ -9652,7 +9134,7 @@
           <a:p>
             <a:fld id="{3A31B9E7-0F08-4DD2-AC83-B0B374DD8280}" type="datetimeFigureOut">
               <a:rPr lang="en-US" smtClean="0"/>
-              <a:t>8/29/2024</a:t>
+              <a:t>2/16/2025</a:t>
             </a:fld>
             <a:endParaRPr lang="en-US"/>
           </a:p>
@@ -9893,7 +9375,7 @@
           <a:p>
             <a:fld id="{3A31B9E7-0F08-4DD2-AC83-B0B374DD8280}" type="datetimeFigureOut">
               <a:rPr lang="en-US" smtClean="0"/>
-              <a:t>8/29/2024</a:t>
+              <a:t>2/16/2025</a:t>
             </a:fld>
             <a:endParaRPr lang="en-US"/>
           </a:p>
@@ -10323,14 +9805,14 @@
           <p:nvPr>
             <p:extLst>
               <p:ext uri="{D42A27DB-BD31-4B8C-83A1-F6EECF244321}">
-                <p14:modId xmlns:p14="http://schemas.microsoft.com/office/powerpoint/2010/main" val="2187036205"/>
+                <p14:modId xmlns:p14="http://schemas.microsoft.com/office/powerpoint/2010/main" val="113690277"/>
               </p:ext>
             </p:extLst>
           </p:nvPr>
         </p:nvGraphicFramePr>
         <p:xfrm>
-          <a:off x="2032000" y="719666"/>
-          <a:ext cx="8128000" cy="5418667"/>
+          <a:off x="0" y="0"/>
+          <a:ext cx="12192000" cy="6858000"/>
         </p:xfrm>
         <a:graphic>
           <a:graphicData uri="http://schemas.openxmlformats.org/drawingml/2006/diagram">
